--- a/materials_science_renderings/assets/handouts/04.02_defects.pptx
+++ b/materials_science_renderings/assets/handouts/04.02_defects.pptx
@@ -5,20 +5,19 @@
     <p:sldMasterId id="2147483648" r:id="rId3"/>
   </p:sldMasterIdLst>
   <p:notesMasterIdLst>
-    <p:notesMasterId r:id="rId12"/>
+    <p:notesMasterId r:id="rId11"/>
   </p:notesMasterIdLst>
   <p:handoutMasterIdLst>
-    <p:handoutMasterId r:id="rId13"/>
+    <p:handoutMasterId r:id="rId12"/>
   </p:handoutMasterIdLst>
   <p:sldIdLst>
-    <p:sldId id="298" r:id="rId4"/>
-    <p:sldId id="299" r:id="rId5"/>
-    <p:sldId id="301" r:id="rId6"/>
-    <p:sldId id="302" r:id="rId7"/>
-    <p:sldId id="303" r:id="rId8"/>
-    <p:sldId id="307" r:id="rId9"/>
-    <p:sldId id="309" r:id="rId10"/>
-    <p:sldId id="350" r:id="rId11"/>
+    <p:sldId id="329" r:id="rId4"/>
+    <p:sldId id="356" r:id="rId5"/>
+    <p:sldId id="358" r:id="rId6"/>
+    <p:sldId id="359" r:id="rId7"/>
+    <p:sldId id="360" r:id="rId8"/>
+    <p:sldId id="326" r:id="rId9"/>
+    <p:sldId id="327" r:id="rId10"/>
   </p:sldIdLst>
   <p:sldSz cx="9144000" cy="6858000" type="screen4x3"/>
   <p:notesSz cx="7315200" cy="9601200"/>
@@ -183,228 +182,52 @@
 <file path=ppt/changesInfos/changesInfo1.xml><?xml version="1.0" encoding="utf-8"?>
 <pc:chgInfo xmlns:a="http://schemas.openxmlformats.org/drawingml/2006/main" xmlns:r="http://schemas.openxmlformats.org/officeDocument/2006/relationships" xmlns:ac="http://schemas.microsoft.com/office/drawing/2013/main/command" xmlns:pc="http://schemas.microsoft.com/office/powerpoint/2013/main/command">
   <pc:docChgLst>
-    <pc:chgData name="Corcoran, Sean" userId="3f12d0a3-3c97-4340-8007-c8fe7e07551f" providerId="ADAL" clId="{CAF40A65-3561-467C-AC5A-76411BDA9292}"/>
-    <pc:docChg chg="custSel addSld modSld">
-      <pc:chgData name="Corcoran, Sean" userId="3f12d0a3-3c97-4340-8007-c8fe7e07551f" providerId="ADAL" clId="{CAF40A65-3561-467C-AC5A-76411BDA9292}" dt="2024-09-11T12:50:58.655" v="89" actId="20577"/>
-      <pc:docMkLst>
-        <pc:docMk/>
-      </pc:docMkLst>
-      <pc:sldChg chg="delSp mod">
-        <pc:chgData name="Corcoran, Sean" userId="3f12d0a3-3c97-4340-8007-c8fe7e07551f" providerId="ADAL" clId="{CAF40A65-3561-467C-AC5A-76411BDA9292}" dt="2024-09-09T13:04:11.384" v="1" actId="478"/>
-        <pc:sldMkLst>
-          <pc:docMk/>
-          <pc:sldMk cId="0" sldId="285"/>
-        </pc:sldMkLst>
-        <pc:spChg chg="del">
-          <ac:chgData name="Corcoran, Sean" userId="3f12d0a3-3c97-4340-8007-c8fe7e07551f" providerId="ADAL" clId="{CAF40A65-3561-467C-AC5A-76411BDA9292}" dt="2024-09-09T13:04:11.384" v="1" actId="478"/>
-          <ac:spMkLst>
-            <pc:docMk/>
-            <pc:sldMk cId="0" sldId="285"/>
-            <ac:spMk id="2" creationId="{5947D770-88EC-454D-AD07-95C9FB0C518E}"/>
-          </ac:spMkLst>
-        </pc:spChg>
-      </pc:sldChg>
-      <pc:sldChg chg="addSp modSp mod">
-        <pc:chgData name="Corcoran, Sean" userId="3f12d0a3-3c97-4340-8007-c8fe7e07551f" providerId="ADAL" clId="{CAF40A65-3561-467C-AC5A-76411BDA9292}" dt="2024-09-11T12:50:58.655" v="89" actId="20577"/>
-        <pc:sldMkLst>
-          <pc:docMk/>
-          <pc:sldMk cId="0" sldId="298"/>
-        </pc:sldMkLst>
-        <pc:spChg chg="add mod">
-          <ac:chgData name="Corcoran, Sean" userId="3f12d0a3-3c97-4340-8007-c8fe7e07551f" providerId="ADAL" clId="{CAF40A65-3561-467C-AC5A-76411BDA9292}" dt="2024-09-11T12:50:58.655" v="89" actId="20577"/>
-          <ac:spMkLst>
-            <pc:docMk/>
-            <pc:sldMk cId="0" sldId="298"/>
-            <ac:spMk id="2" creationId="{96D5FF53-1184-541A-B6E0-6B5083BB0543}"/>
-          </ac:spMkLst>
-        </pc:spChg>
-      </pc:sldChg>
-      <pc:sldChg chg="addSp delSp mod">
-        <pc:chgData name="Corcoran, Sean" userId="3f12d0a3-3c97-4340-8007-c8fe7e07551f" providerId="ADAL" clId="{CAF40A65-3561-467C-AC5A-76411BDA9292}" dt="2024-09-11T12:42:17.551" v="46" actId="478"/>
-        <pc:sldMkLst>
-          <pc:docMk/>
-          <pc:sldMk cId="0" sldId="302"/>
-        </pc:sldMkLst>
-        <pc:cxnChg chg="add del">
-          <ac:chgData name="Corcoran, Sean" userId="3f12d0a3-3c97-4340-8007-c8fe7e07551f" providerId="ADAL" clId="{CAF40A65-3561-467C-AC5A-76411BDA9292}" dt="2024-09-11T12:42:17.551" v="46" actId="478"/>
-          <ac:cxnSpMkLst>
-            <pc:docMk/>
-            <pc:sldMk cId="0" sldId="302"/>
-            <ac:cxnSpMk id="3" creationId="{C8BB4AAB-ED97-6A1E-23A3-005BD029822C}"/>
-          </ac:cxnSpMkLst>
-        </pc:cxnChg>
-      </pc:sldChg>
-      <pc:sldChg chg="modSp mod">
-        <pc:chgData name="Corcoran, Sean" userId="3f12d0a3-3c97-4340-8007-c8fe7e07551f" providerId="ADAL" clId="{CAF40A65-3561-467C-AC5A-76411BDA9292}" dt="2024-09-11T12:40:49.884" v="44" actId="14100"/>
-        <pc:sldMkLst>
-          <pc:docMk/>
-          <pc:sldMk cId="1788891208" sldId="354"/>
-        </pc:sldMkLst>
-        <pc:spChg chg="mod">
-          <ac:chgData name="Corcoran, Sean" userId="3f12d0a3-3c97-4340-8007-c8fe7e07551f" providerId="ADAL" clId="{CAF40A65-3561-467C-AC5A-76411BDA9292}" dt="2024-09-11T12:40:49.884" v="44" actId="14100"/>
-          <ac:spMkLst>
-            <pc:docMk/>
-            <pc:sldMk cId="1788891208" sldId="354"/>
-            <ac:spMk id="2" creationId="{F812FB7A-D98E-45CE-8F80-49A7C97667A7}"/>
-          </ac:spMkLst>
-        </pc:spChg>
-      </pc:sldChg>
-      <pc:sldChg chg="modSp mod">
-        <pc:chgData name="Corcoran, Sean" userId="3f12d0a3-3c97-4340-8007-c8fe7e07551f" providerId="ADAL" clId="{CAF40A65-3561-467C-AC5A-76411BDA9292}" dt="2024-09-09T13:52:52.508" v="4" actId="14100"/>
-        <pc:sldMkLst>
-          <pc:docMk/>
-          <pc:sldMk cId="2198078673" sldId="356"/>
-        </pc:sldMkLst>
-        <pc:picChg chg="mod">
-          <ac:chgData name="Corcoran, Sean" userId="3f12d0a3-3c97-4340-8007-c8fe7e07551f" providerId="ADAL" clId="{CAF40A65-3561-467C-AC5A-76411BDA9292}" dt="2024-09-09T13:52:52.508" v="4" actId="14100"/>
-          <ac:picMkLst>
-            <pc:docMk/>
-            <pc:sldMk cId="2198078673" sldId="356"/>
-            <ac:picMk id="2" creationId="{4BE029CA-7D88-4D8C-AEBA-DC117C83BE0C}"/>
-          </ac:picMkLst>
-        </pc:picChg>
-        <pc:picChg chg="mod">
-          <ac:chgData name="Corcoran, Sean" userId="3f12d0a3-3c97-4340-8007-c8fe7e07551f" providerId="ADAL" clId="{CAF40A65-3561-467C-AC5A-76411BDA9292}" dt="2024-09-09T13:52:47.058" v="3" actId="14100"/>
-          <ac:picMkLst>
-            <pc:docMk/>
-            <pc:sldMk cId="2198078673" sldId="356"/>
-            <ac:picMk id="4" creationId="{7C9C8180-0FA4-4A6A-818D-07E82D35ED37}"/>
-          </ac:picMkLst>
-        </pc:picChg>
-      </pc:sldChg>
-      <pc:sldChg chg="add">
-        <pc:chgData name="Corcoran, Sean" userId="3f12d0a3-3c97-4340-8007-c8fe7e07551f" providerId="ADAL" clId="{CAF40A65-3561-467C-AC5A-76411BDA9292}" dt="2024-09-09T12:37:14.577" v="0"/>
-        <pc:sldMkLst>
-          <pc:docMk/>
-          <pc:sldMk cId="2700213458" sldId="414"/>
-        </pc:sldMkLst>
-      </pc:sldChg>
-    </pc:docChg>
-  </pc:docChgLst>
-  <pc:docChgLst>
-    <pc:chgData name="Corcoran, Sean" userId="3f12d0a3-3c97-4340-8007-c8fe7e07551f" providerId="ADAL" clId="{7A8166D5-C54C-44D0-AED6-FAF708623ED8}"/>
+    <pc:chgData name="Corcoran, Sean" userId="3f12d0a3-3c97-4340-8007-c8fe7e07551f" providerId="ADAL" clId="{5459A468-163D-4B73-99D4-BFBFBBAFC711}"/>
     <pc:docChg chg="delSld">
-      <pc:chgData name="Corcoran, Sean" userId="3f12d0a3-3c97-4340-8007-c8fe7e07551f" providerId="ADAL" clId="{7A8166D5-C54C-44D0-AED6-FAF708623ED8}" dt="2024-10-24T17:28:33.773" v="3" actId="47"/>
+      <pc:chgData name="Corcoran, Sean" userId="3f12d0a3-3c97-4340-8007-c8fe7e07551f" providerId="ADAL" clId="{5459A468-163D-4B73-99D4-BFBFBBAFC711}" dt="2025-01-29T00:42:36.671" v="0" actId="47"/>
       <pc:docMkLst>
         <pc:docMk/>
       </pc:docMkLst>
       <pc:sldChg chg="del">
-        <pc:chgData name="Corcoran, Sean" userId="3f12d0a3-3c97-4340-8007-c8fe7e07551f" providerId="ADAL" clId="{7A8166D5-C54C-44D0-AED6-FAF708623ED8}" dt="2024-10-24T17:28:21.378" v="2" actId="47"/>
+        <pc:chgData name="Corcoran, Sean" userId="3f12d0a3-3c97-4340-8007-c8fe7e07551f" providerId="ADAL" clId="{5459A468-163D-4B73-99D4-BFBFBBAFC711}" dt="2025-01-29T00:42:36.671" v="0" actId="47"/>
         <pc:sldMkLst>
           <pc:docMk/>
           <pc:sldMk cId="0" sldId="277"/>
         </pc:sldMkLst>
       </pc:sldChg>
       <pc:sldChg chg="del">
-        <pc:chgData name="Corcoran, Sean" userId="3f12d0a3-3c97-4340-8007-c8fe7e07551f" providerId="ADAL" clId="{7A8166D5-C54C-44D0-AED6-FAF708623ED8}" dt="2024-10-24T17:28:21.378" v="2" actId="47"/>
+        <pc:chgData name="Corcoran, Sean" userId="3f12d0a3-3c97-4340-8007-c8fe7e07551f" providerId="ADAL" clId="{5459A468-163D-4B73-99D4-BFBFBBAFC711}" dt="2025-01-29T00:42:36.671" v="0" actId="47"/>
         <pc:sldMkLst>
           <pc:docMk/>
           <pc:sldMk cId="0" sldId="279"/>
         </pc:sldMkLst>
       </pc:sldChg>
       <pc:sldChg chg="del">
-        <pc:chgData name="Corcoran, Sean" userId="3f12d0a3-3c97-4340-8007-c8fe7e07551f" providerId="ADAL" clId="{7A8166D5-C54C-44D0-AED6-FAF708623ED8}" dt="2024-10-24T17:28:21.378" v="2" actId="47"/>
+        <pc:chgData name="Corcoran, Sean" userId="3f12d0a3-3c97-4340-8007-c8fe7e07551f" providerId="ADAL" clId="{5459A468-163D-4B73-99D4-BFBFBBAFC711}" dt="2025-01-29T00:42:36.671" v="0" actId="47"/>
         <pc:sldMkLst>
           <pc:docMk/>
           <pc:sldMk cId="0" sldId="285"/>
         </pc:sldMkLst>
       </pc:sldChg>
       <pc:sldChg chg="del">
-        <pc:chgData name="Corcoran, Sean" userId="3f12d0a3-3c97-4340-8007-c8fe7e07551f" providerId="ADAL" clId="{7A8166D5-C54C-44D0-AED6-FAF708623ED8}" dt="2024-10-24T17:28:21.378" v="2" actId="47"/>
-        <pc:sldMkLst>
-          <pc:docMk/>
-          <pc:sldMk cId="0" sldId="326"/>
-        </pc:sldMkLst>
-      </pc:sldChg>
-      <pc:sldChg chg="del">
-        <pc:chgData name="Corcoran, Sean" userId="3f12d0a3-3c97-4340-8007-c8fe7e07551f" providerId="ADAL" clId="{7A8166D5-C54C-44D0-AED6-FAF708623ED8}" dt="2024-10-24T17:28:21.378" v="2" actId="47"/>
-        <pc:sldMkLst>
-          <pc:docMk/>
-          <pc:sldMk cId="0" sldId="327"/>
-        </pc:sldMkLst>
-      </pc:sldChg>
-      <pc:sldChg chg="del">
-        <pc:chgData name="Corcoran, Sean" userId="3f12d0a3-3c97-4340-8007-c8fe7e07551f" providerId="ADAL" clId="{7A8166D5-C54C-44D0-AED6-FAF708623ED8}" dt="2024-10-24T17:28:21.378" v="2" actId="47"/>
-        <pc:sldMkLst>
-          <pc:docMk/>
-          <pc:sldMk cId="0" sldId="329"/>
-        </pc:sldMkLst>
-      </pc:sldChg>
-      <pc:sldChg chg="del">
-        <pc:chgData name="Corcoran, Sean" userId="3f12d0a3-3c97-4340-8007-c8fe7e07551f" providerId="ADAL" clId="{7A8166D5-C54C-44D0-AED6-FAF708623ED8}" dt="2024-10-24T17:28:21.378" v="2" actId="47"/>
+        <pc:chgData name="Corcoran, Sean" userId="3f12d0a3-3c97-4340-8007-c8fe7e07551f" providerId="ADAL" clId="{5459A468-163D-4B73-99D4-BFBFBBAFC711}" dt="2025-01-29T00:42:36.671" v="0" actId="47"/>
         <pc:sldMkLst>
           <pc:docMk/>
           <pc:sldMk cId="2058279779" sldId="343"/>
         </pc:sldMkLst>
       </pc:sldChg>
       <pc:sldChg chg="del">
-        <pc:chgData name="Corcoran, Sean" userId="3f12d0a3-3c97-4340-8007-c8fe7e07551f" providerId="ADAL" clId="{7A8166D5-C54C-44D0-AED6-FAF708623ED8}" dt="2024-10-24T17:28:33.773" v="3" actId="47"/>
-        <pc:sldMkLst>
-          <pc:docMk/>
-          <pc:sldMk cId="265253586" sldId="344"/>
-        </pc:sldMkLst>
-      </pc:sldChg>
-      <pc:sldChg chg="del">
-        <pc:chgData name="Corcoran, Sean" userId="3f12d0a3-3c97-4340-8007-c8fe7e07551f" providerId="ADAL" clId="{7A8166D5-C54C-44D0-AED6-FAF708623ED8}" dt="2024-10-24T17:28:21.378" v="2" actId="47"/>
+        <pc:chgData name="Corcoran, Sean" userId="3f12d0a3-3c97-4340-8007-c8fe7e07551f" providerId="ADAL" clId="{5459A468-163D-4B73-99D4-BFBFBBAFC711}" dt="2025-01-29T00:42:36.671" v="0" actId="47"/>
         <pc:sldMkLst>
           <pc:docMk/>
           <pc:sldMk cId="665011408" sldId="352"/>
         </pc:sldMkLst>
       </pc:sldChg>
       <pc:sldChg chg="del">
-        <pc:chgData name="Corcoran, Sean" userId="3f12d0a3-3c97-4340-8007-c8fe7e07551f" providerId="ADAL" clId="{7A8166D5-C54C-44D0-AED6-FAF708623ED8}" dt="2024-10-24T17:27:06.855" v="1" actId="47"/>
-        <pc:sldMkLst>
-          <pc:docMk/>
-          <pc:sldMk cId="2637792102" sldId="353"/>
-        </pc:sldMkLst>
-      </pc:sldChg>
-      <pc:sldChg chg="del">
-        <pc:chgData name="Corcoran, Sean" userId="3f12d0a3-3c97-4340-8007-c8fe7e07551f" providerId="ADAL" clId="{7A8166D5-C54C-44D0-AED6-FAF708623ED8}" dt="2024-10-24T17:28:21.378" v="2" actId="47"/>
-        <pc:sldMkLst>
-          <pc:docMk/>
-          <pc:sldMk cId="1788891208" sldId="354"/>
-        </pc:sldMkLst>
-      </pc:sldChg>
-      <pc:sldChg chg="del">
-        <pc:chgData name="Corcoran, Sean" userId="3f12d0a3-3c97-4340-8007-c8fe7e07551f" providerId="ADAL" clId="{7A8166D5-C54C-44D0-AED6-FAF708623ED8}" dt="2024-10-24T17:28:21.378" v="2" actId="47"/>
-        <pc:sldMkLst>
-          <pc:docMk/>
-          <pc:sldMk cId="2198078673" sldId="356"/>
-        </pc:sldMkLst>
-      </pc:sldChg>
-      <pc:sldChg chg="del">
-        <pc:chgData name="Corcoran, Sean" userId="3f12d0a3-3c97-4340-8007-c8fe7e07551f" providerId="ADAL" clId="{7A8166D5-C54C-44D0-AED6-FAF708623ED8}" dt="2024-10-24T17:28:21.378" v="2" actId="47"/>
+        <pc:chgData name="Corcoran, Sean" userId="3f12d0a3-3c97-4340-8007-c8fe7e07551f" providerId="ADAL" clId="{5459A468-163D-4B73-99D4-BFBFBBAFC711}" dt="2025-01-29T00:42:36.671" v="0" actId="47"/>
         <pc:sldMkLst>
           <pc:docMk/>
           <pc:sldMk cId="827475395" sldId="357"/>
-        </pc:sldMkLst>
-      </pc:sldChg>
-      <pc:sldChg chg="del">
-        <pc:chgData name="Corcoran, Sean" userId="3f12d0a3-3c97-4340-8007-c8fe7e07551f" providerId="ADAL" clId="{7A8166D5-C54C-44D0-AED6-FAF708623ED8}" dt="2024-10-24T17:28:21.378" v="2" actId="47"/>
-        <pc:sldMkLst>
-          <pc:docMk/>
-          <pc:sldMk cId="3334194665" sldId="358"/>
-        </pc:sldMkLst>
-      </pc:sldChg>
-      <pc:sldChg chg="del">
-        <pc:chgData name="Corcoran, Sean" userId="3f12d0a3-3c97-4340-8007-c8fe7e07551f" providerId="ADAL" clId="{7A8166D5-C54C-44D0-AED6-FAF708623ED8}" dt="2024-10-24T17:28:21.378" v="2" actId="47"/>
-        <pc:sldMkLst>
-          <pc:docMk/>
-          <pc:sldMk cId="1507353024" sldId="359"/>
-        </pc:sldMkLst>
-      </pc:sldChg>
-      <pc:sldChg chg="del">
-        <pc:chgData name="Corcoran, Sean" userId="3f12d0a3-3c97-4340-8007-c8fe7e07551f" providerId="ADAL" clId="{7A8166D5-C54C-44D0-AED6-FAF708623ED8}" dt="2024-10-24T17:28:21.378" v="2" actId="47"/>
-        <pc:sldMkLst>
-          <pc:docMk/>
-          <pc:sldMk cId="240556338" sldId="360"/>
-        </pc:sldMkLst>
-      </pc:sldChg>
-      <pc:sldChg chg="del">
-        <pc:chgData name="Corcoran, Sean" userId="3f12d0a3-3c97-4340-8007-c8fe7e07551f" providerId="ADAL" clId="{7A8166D5-C54C-44D0-AED6-FAF708623ED8}" dt="2024-10-24T17:26:18.251" v="0" actId="47"/>
-        <pc:sldMkLst>
-          <pc:docMk/>
-          <pc:sldMk cId="2700213458" sldId="414"/>
         </pc:sldMkLst>
       </pc:sldChg>
     </pc:docChg>
@@ -495,7 +318,7 @@
             <a:fld id="{B2FAF90E-C05B-49F7-A43B-B464C9611E7F}" type="datetimeFigureOut">
               <a:rPr lang="en-US" smtClean="0"/>
               <a:pPr/>
-              <a:t>10/24/2024</a:t>
+              <a:t>1/28/2025</a:t>
             </a:fld>
             <a:endParaRPr lang="en-US"/>
           </a:p>
@@ -662,7 +485,7 @@
             <a:fld id="{01107224-C24B-4742-97C5-BCCF79FAFC5A}" type="datetimeFigureOut">
               <a:rPr lang="en-US" smtClean="0"/>
               <a:pPr/>
-              <a:t>10/24/2024</a:t>
+              <a:t>1/28/2025</a:t>
             </a:fld>
             <a:endParaRPr lang="en-US"/>
           </a:p>
@@ -976,26 +799,7 @@
           <a:bodyPr/>
           <a:lstStyle/>
           <a:p>
-            <a:r>
-              <a:rPr lang="en-US" dirty="0"/>
-              <a:t>After P.G. </a:t>
-            </a:r>
-            <a:r>
-              <a:rPr lang="en-US" dirty="0" err="1"/>
-              <a:t>Shewmon</a:t>
-            </a:r>
-            <a:r>
-              <a:rPr lang="en-US" dirty="0"/>
-              <a:t>, </a:t>
-            </a:r>
-            <a:r>
-              <a:rPr lang="en-US" dirty="0" err="1"/>
-              <a:t>Tranformations</a:t>
-            </a:r>
-            <a:r>
-              <a:rPr lang="en-US" dirty="0"/>
-              <a:t> in Metals, McGraw-Hill, New York, 1969, from C.S. Smith</a:t>
-            </a:r>
+            <a:endParaRPr lang="en-US" dirty="0"/>
           </a:p>
         </p:txBody>
       </p:sp>
@@ -1017,7 +821,7 @@
             <a:fld id="{827965A8-693C-4A5A-A2C9-39477FD733AE}" type="slidenum">
               <a:rPr lang="en-US" smtClean="0"/>
               <a:pPr/>
-              <a:t>2</a:t>
+              <a:t>1</a:t>
             </a:fld>
             <a:endParaRPr lang="en-US"/>
           </a:p>
@@ -1026,7 +830,7 @@
     </p:spTree>
     <p:extLst>
       <p:ext uri="{BB962C8B-B14F-4D97-AF65-F5344CB8AC3E}">
-        <p14:creationId xmlns:p14="http://schemas.microsoft.com/office/powerpoint/2010/main" val="690670385"/>
+        <p14:creationId xmlns:p14="http://schemas.microsoft.com/office/powerpoint/2010/main" val="2950431590"/>
       </p:ext>
     </p:extLst>
   </p:cSld>
@@ -1080,47 +884,104 @@
           <a:bodyPr/>
           <a:lstStyle/>
           <a:p>
+            <a:pPr marL="0" marR="0" lvl="0" indent="0" algn="l" defTabSz="914400" rtl="0" eaLnBrk="1" fontAlgn="auto" latinLnBrk="0" hangingPunct="1">
+              <a:lnSpc>
+                <a:spcPct val="100000"/>
+              </a:lnSpc>
+              <a:spcBef>
+                <a:spcPts val="0"/>
+              </a:spcBef>
+              <a:spcAft>
+                <a:spcPts val="0"/>
+              </a:spcAft>
+              <a:buClrTx/>
+              <a:buSzTx/>
+              <a:buFontTx/>
+              <a:buNone/>
+              <a:tabLst/>
+              <a:defRPr/>
+            </a:pPr>
+            <a:r>
+              <a:rPr lang="en-US" dirty="0"/>
+              <a:t>John </a:t>
+            </a:r>
             <a:r>
               <a:rPr lang="en-US" dirty="0" err="1"/>
-              <a:t>Berkels</a:t>
+              <a:t>Kacher</a:t>
             </a:r>
             <a:r>
               <a:rPr lang="en-US" dirty="0"/>
-              <a:t>, Benjamin &amp; </a:t>
-            </a:r>
-            <a:r>
-              <a:rPr lang="en-US" dirty="0" err="1"/>
-              <a:t>Rätz</a:t>
-            </a:r>
+              <a:t> Dislocation Glide https://youtu.be/EXbiEopDJ_g</a:t>
+            </a:r>
+          </a:p>
+          <a:p>
+            <a:pPr marL="0" marR="0" lvl="0" indent="0" algn="l" defTabSz="914400" rtl="0" eaLnBrk="1" fontAlgn="auto" latinLnBrk="0" hangingPunct="1">
+              <a:lnSpc>
+                <a:spcPct val="100000"/>
+              </a:lnSpc>
+              <a:spcBef>
+                <a:spcPts val="0"/>
+              </a:spcBef>
+              <a:spcAft>
+                <a:spcPts val="0"/>
+              </a:spcAft>
+              <a:buClrTx/>
+              <a:buSzTx/>
+              <a:buFontTx/>
+              <a:buNone/>
+              <a:tabLst/>
+              <a:defRPr/>
+            </a:pPr>
+            <a:endParaRPr lang="en-US" dirty="0"/>
+          </a:p>
+          <a:p>
+            <a:pPr marL="0" marR="0" lvl="0" indent="0" algn="l" defTabSz="914400" rtl="0" eaLnBrk="1" fontAlgn="auto" latinLnBrk="0" hangingPunct="1">
+              <a:lnSpc>
+                <a:spcPct val="100000"/>
+              </a:lnSpc>
+              <a:spcBef>
+                <a:spcPts val="0"/>
+              </a:spcBef>
+              <a:spcAft>
+                <a:spcPts val="0"/>
+              </a:spcAft>
+              <a:buClrTx/>
+              <a:buSzTx/>
+              <a:buFontTx/>
+              <a:buNone/>
+              <a:tabLst/>
+              <a:defRPr/>
+            </a:pPr>
             <a:r>
               <a:rPr lang="en-US" dirty="0"/>
-              <a:t>, Andreas &amp; </a:t>
-            </a:r>
-            <a:r>
-              <a:rPr lang="en-US" dirty="0" err="1"/>
-              <a:t>Rumpf</a:t>
-            </a:r>
+              <a:t>Excerpt from a longer film on bubble rafts, possibly made in the 1940s by William Lawrence Bragg. https://youtu.be/P345p7A4IW8 </a:t>
+            </a:r>
+          </a:p>
+          <a:p>
+            <a:pPr marL="0" marR="0" lvl="0" indent="0" algn="l" defTabSz="914400" rtl="0" eaLnBrk="1" fontAlgn="auto" latinLnBrk="0" hangingPunct="1">
+              <a:lnSpc>
+                <a:spcPct val="100000"/>
+              </a:lnSpc>
+              <a:spcBef>
+                <a:spcPts val="0"/>
+              </a:spcBef>
+              <a:spcAft>
+                <a:spcPts val="0"/>
+              </a:spcAft>
+              <a:buClrTx/>
+              <a:buSzTx/>
+              <a:buFontTx/>
+              <a:buNone/>
+              <a:tabLst/>
+              <a:defRPr/>
+            </a:pPr>
             <a:r>
               <a:rPr lang="en-US" dirty="0"/>
-              <a:t>, Martin &amp; Voigt, Axel. (2007). Identification of Grain Boundary Contours at Atomic Scale. 4485. 765-776. 10.1007/978-3-540-72823-8_66. </a:t>
+              <a:t> </a:t>
             </a:r>
           </a:p>
           <a:p>
             <a:endParaRPr lang="en-US" dirty="0"/>
-          </a:p>
-          <a:p>
-            <a:r>
-              <a:rPr lang="en-US" dirty="0"/>
-              <a:t>Fig 4-15 from Shackelford, James G. Intro to materials science for engineers, 5</a:t>
-            </a:r>
-            <a:r>
-              <a:rPr lang="en-US" baseline="30000" dirty="0"/>
-              <a:t>th</a:t>
-            </a:r>
-            <a:r>
-              <a:rPr lang="en-US" dirty="0"/>
-              <a:t> ed.</a:t>
-            </a:r>
           </a:p>
         </p:txBody>
       </p:sp>
@@ -1142,7 +1003,7 @@
             <a:fld id="{827965A8-693C-4A5A-A2C9-39477FD733AE}" type="slidenum">
               <a:rPr lang="en-US" smtClean="0"/>
               <a:pPr/>
-              <a:t>6</a:t>
+              <a:t>2</a:t>
             </a:fld>
             <a:endParaRPr lang="en-US"/>
           </a:p>
@@ -1151,7 +1012,553 @@
     </p:spTree>
     <p:extLst>
       <p:ext uri="{BB962C8B-B14F-4D97-AF65-F5344CB8AC3E}">
-        <p14:creationId xmlns:p14="http://schemas.microsoft.com/office/powerpoint/2010/main" val="736034157"/>
+        <p14:creationId xmlns:p14="http://schemas.microsoft.com/office/powerpoint/2010/main" val="32942127"/>
+      </p:ext>
+    </p:extLst>
+  </p:cSld>
+  <p:clrMapOvr>
+    <a:masterClrMapping/>
+  </p:clrMapOvr>
+</p:notes>
+</file>
+
+<file path=ppt/notesSlides/notesSlide3.xml><?xml version="1.0" encoding="utf-8"?>
+<p:notes xmlns:a="http://schemas.openxmlformats.org/drawingml/2006/main" xmlns:r="http://schemas.openxmlformats.org/officeDocument/2006/relationships" xmlns:p="http://schemas.openxmlformats.org/presentationml/2006/main">
+  <p:cSld>
+    <p:spTree>
+      <p:nvGrpSpPr>
+        <p:cNvPr id="1" name=""/>
+        <p:cNvGrpSpPr/>
+        <p:nvPr/>
+      </p:nvGrpSpPr>
+      <p:grpSpPr>
+        <a:xfrm>
+          <a:off x="0" y="0"/>
+          <a:ext cx="0" cy="0"/>
+          <a:chOff x="0" y="0"/>
+          <a:chExt cx="0" cy="0"/>
+        </a:xfrm>
+      </p:grpSpPr>
+      <p:sp>
+        <p:nvSpPr>
+          <p:cNvPr id="2" name="Slide Image Placeholder 1"/>
+          <p:cNvSpPr>
+            <a:spLocks noGrp="1" noRot="1" noChangeAspect="1"/>
+          </p:cNvSpPr>
+          <p:nvPr>
+            <p:ph type="sldImg"/>
+          </p:nvPr>
+        </p:nvSpPr>
+        <p:spPr/>
+      </p:sp>
+      <p:sp>
+        <p:nvSpPr>
+          <p:cNvPr id="3" name="Notes Placeholder 2"/>
+          <p:cNvSpPr>
+            <a:spLocks noGrp="1"/>
+          </p:cNvSpPr>
+          <p:nvPr>
+            <p:ph type="body" idx="1"/>
+          </p:nvPr>
+        </p:nvSpPr>
+        <p:spPr/>
+        <p:txBody>
+          <a:bodyPr/>
+          <a:lstStyle/>
+          <a:p>
+            <a:pPr marL="0" marR="0" lvl="0" indent="0" algn="l" defTabSz="914400" rtl="0" eaLnBrk="1" fontAlgn="auto" latinLnBrk="0" hangingPunct="1">
+              <a:lnSpc>
+                <a:spcPct val="100000"/>
+              </a:lnSpc>
+              <a:spcBef>
+                <a:spcPts val="0"/>
+              </a:spcBef>
+              <a:spcAft>
+                <a:spcPts val="0"/>
+              </a:spcAft>
+              <a:buClrTx/>
+              <a:buSzTx/>
+              <a:buFontTx/>
+              <a:buNone/>
+              <a:tabLst/>
+              <a:defRPr/>
+            </a:pPr>
+            <a:r>
+              <a:rPr lang="en-US" dirty="0"/>
+              <a:t>John </a:t>
+            </a:r>
+            <a:r>
+              <a:rPr lang="en-US" dirty="0" err="1"/>
+              <a:t>Kacher</a:t>
+            </a:r>
+            <a:r>
+              <a:rPr lang="en-US" dirty="0"/>
+              <a:t> Dislocation Glide https://youtu.be/EXbiEopDJ_g</a:t>
+            </a:r>
+          </a:p>
+          <a:p>
+            <a:pPr marL="0" marR="0" lvl="0" indent="0" algn="l" defTabSz="914400" rtl="0" eaLnBrk="1" fontAlgn="auto" latinLnBrk="0" hangingPunct="1">
+              <a:lnSpc>
+                <a:spcPct val="100000"/>
+              </a:lnSpc>
+              <a:spcBef>
+                <a:spcPts val="0"/>
+              </a:spcBef>
+              <a:spcAft>
+                <a:spcPts val="0"/>
+              </a:spcAft>
+              <a:buClrTx/>
+              <a:buSzTx/>
+              <a:buFontTx/>
+              <a:buNone/>
+              <a:tabLst/>
+              <a:defRPr/>
+            </a:pPr>
+            <a:endParaRPr lang="en-US" dirty="0"/>
+          </a:p>
+          <a:p>
+            <a:pPr marL="0" marR="0" lvl="0" indent="0" algn="l" defTabSz="914400" rtl="0" eaLnBrk="1" fontAlgn="auto" latinLnBrk="0" hangingPunct="1">
+              <a:lnSpc>
+                <a:spcPct val="100000"/>
+              </a:lnSpc>
+              <a:spcBef>
+                <a:spcPts val="0"/>
+              </a:spcBef>
+              <a:spcAft>
+                <a:spcPts val="0"/>
+              </a:spcAft>
+              <a:buClrTx/>
+              <a:buSzTx/>
+              <a:buFontTx/>
+              <a:buNone/>
+              <a:tabLst/>
+              <a:defRPr/>
+            </a:pPr>
+            <a:r>
+              <a:rPr lang="en-US" dirty="0"/>
+              <a:t>Excerpt from a longer film on bubble rafts, possibly made in the 1940s by William Lawrence Bragg. https://youtu.be/P345p7A4IW8 </a:t>
+            </a:r>
+          </a:p>
+          <a:p>
+            <a:pPr marL="0" marR="0" lvl="0" indent="0" algn="l" defTabSz="914400" rtl="0" eaLnBrk="1" fontAlgn="auto" latinLnBrk="0" hangingPunct="1">
+              <a:lnSpc>
+                <a:spcPct val="100000"/>
+              </a:lnSpc>
+              <a:spcBef>
+                <a:spcPts val="0"/>
+              </a:spcBef>
+              <a:spcAft>
+                <a:spcPts val="0"/>
+              </a:spcAft>
+              <a:buClrTx/>
+              <a:buSzTx/>
+              <a:buFontTx/>
+              <a:buNone/>
+              <a:tabLst/>
+              <a:defRPr/>
+            </a:pPr>
+            <a:r>
+              <a:rPr lang="en-US" dirty="0"/>
+              <a:t> </a:t>
+            </a:r>
+          </a:p>
+          <a:p>
+            <a:endParaRPr lang="en-US" dirty="0"/>
+          </a:p>
+        </p:txBody>
+      </p:sp>
+      <p:sp>
+        <p:nvSpPr>
+          <p:cNvPr id="4" name="Slide Number Placeholder 3"/>
+          <p:cNvSpPr>
+            <a:spLocks noGrp="1"/>
+          </p:cNvSpPr>
+          <p:nvPr>
+            <p:ph type="sldNum" sz="quarter" idx="5"/>
+          </p:nvPr>
+        </p:nvSpPr>
+        <p:spPr/>
+        <p:txBody>
+          <a:bodyPr/>
+          <a:lstStyle/>
+          <a:p>
+            <a:fld id="{827965A8-693C-4A5A-A2C9-39477FD733AE}" type="slidenum">
+              <a:rPr lang="en-US" smtClean="0"/>
+              <a:pPr/>
+              <a:t>3</a:t>
+            </a:fld>
+            <a:endParaRPr lang="en-US"/>
+          </a:p>
+        </p:txBody>
+      </p:sp>
+    </p:spTree>
+    <p:extLst>
+      <p:ext uri="{BB962C8B-B14F-4D97-AF65-F5344CB8AC3E}">
+        <p14:creationId xmlns:p14="http://schemas.microsoft.com/office/powerpoint/2010/main" val="2431772223"/>
+      </p:ext>
+    </p:extLst>
+  </p:cSld>
+  <p:clrMapOvr>
+    <a:masterClrMapping/>
+  </p:clrMapOvr>
+</p:notes>
+</file>
+
+<file path=ppt/notesSlides/notesSlide4.xml><?xml version="1.0" encoding="utf-8"?>
+<p:notes xmlns:a="http://schemas.openxmlformats.org/drawingml/2006/main" xmlns:r="http://schemas.openxmlformats.org/officeDocument/2006/relationships" xmlns:p="http://schemas.openxmlformats.org/presentationml/2006/main">
+  <p:cSld>
+    <p:spTree>
+      <p:nvGrpSpPr>
+        <p:cNvPr id="1" name=""/>
+        <p:cNvGrpSpPr/>
+        <p:nvPr/>
+      </p:nvGrpSpPr>
+      <p:grpSpPr>
+        <a:xfrm>
+          <a:off x="0" y="0"/>
+          <a:ext cx="0" cy="0"/>
+          <a:chOff x="0" y="0"/>
+          <a:chExt cx="0" cy="0"/>
+        </a:xfrm>
+      </p:grpSpPr>
+      <p:sp>
+        <p:nvSpPr>
+          <p:cNvPr id="2" name="Slide Image Placeholder 1"/>
+          <p:cNvSpPr>
+            <a:spLocks noGrp="1" noRot="1" noChangeAspect="1"/>
+          </p:cNvSpPr>
+          <p:nvPr>
+            <p:ph type="sldImg"/>
+          </p:nvPr>
+        </p:nvSpPr>
+        <p:spPr/>
+      </p:sp>
+      <p:sp>
+        <p:nvSpPr>
+          <p:cNvPr id="3" name="Notes Placeholder 2"/>
+          <p:cNvSpPr>
+            <a:spLocks noGrp="1"/>
+          </p:cNvSpPr>
+          <p:nvPr>
+            <p:ph type="body" idx="1"/>
+          </p:nvPr>
+        </p:nvSpPr>
+        <p:spPr/>
+        <p:txBody>
+          <a:bodyPr/>
+          <a:lstStyle/>
+          <a:p>
+            <a:pPr marL="0" marR="0" lvl="0" indent="0" algn="l" defTabSz="914400" rtl="0" eaLnBrk="1" fontAlgn="auto" latinLnBrk="0" hangingPunct="1">
+              <a:lnSpc>
+                <a:spcPct val="100000"/>
+              </a:lnSpc>
+              <a:spcBef>
+                <a:spcPts val="0"/>
+              </a:spcBef>
+              <a:spcAft>
+                <a:spcPts val="0"/>
+              </a:spcAft>
+              <a:buClrTx/>
+              <a:buSzTx/>
+              <a:buFontTx/>
+              <a:buNone/>
+              <a:tabLst/>
+              <a:defRPr/>
+            </a:pPr>
+            <a:r>
+              <a:rPr lang="en-US" dirty="0"/>
+              <a:t>John </a:t>
+            </a:r>
+            <a:r>
+              <a:rPr lang="en-US" dirty="0" err="1"/>
+              <a:t>Kacher</a:t>
+            </a:r>
+            <a:r>
+              <a:rPr lang="en-US" dirty="0"/>
+              <a:t> Dislocation Glide https://youtu.be/EXbiEopDJ_g</a:t>
+            </a:r>
+          </a:p>
+          <a:p>
+            <a:pPr marL="0" marR="0" lvl="0" indent="0" algn="l" defTabSz="914400" rtl="0" eaLnBrk="1" fontAlgn="auto" latinLnBrk="0" hangingPunct="1">
+              <a:lnSpc>
+                <a:spcPct val="100000"/>
+              </a:lnSpc>
+              <a:spcBef>
+                <a:spcPts val="0"/>
+              </a:spcBef>
+              <a:spcAft>
+                <a:spcPts val="0"/>
+              </a:spcAft>
+              <a:buClrTx/>
+              <a:buSzTx/>
+              <a:buFontTx/>
+              <a:buNone/>
+              <a:tabLst/>
+              <a:defRPr/>
+            </a:pPr>
+            <a:endParaRPr lang="en-US" dirty="0"/>
+          </a:p>
+          <a:p>
+            <a:pPr marL="0" marR="0" lvl="0" indent="0" algn="l" defTabSz="914400" rtl="0" eaLnBrk="1" fontAlgn="auto" latinLnBrk="0" hangingPunct="1">
+              <a:lnSpc>
+                <a:spcPct val="100000"/>
+              </a:lnSpc>
+              <a:spcBef>
+                <a:spcPts val="0"/>
+              </a:spcBef>
+              <a:spcAft>
+                <a:spcPts val="0"/>
+              </a:spcAft>
+              <a:buClrTx/>
+              <a:buSzTx/>
+              <a:buFontTx/>
+              <a:buNone/>
+              <a:tabLst/>
+              <a:defRPr/>
+            </a:pPr>
+            <a:r>
+              <a:rPr lang="en-US" dirty="0"/>
+              <a:t>Excerpt from a longer film on bubble rafts, possibly made in the 1940s by William Lawrence Bragg. https://youtu.be/P345p7A4IW8 </a:t>
+            </a:r>
+          </a:p>
+          <a:p>
+            <a:pPr marL="0" marR="0" lvl="0" indent="0" algn="l" defTabSz="914400" rtl="0" eaLnBrk="1" fontAlgn="auto" latinLnBrk="0" hangingPunct="1">
+              <a:lnSpc>
+                <a:spcPct val="100000"/>
+              </a:lnSpc>
+              <a:spcBef>
+                <a:spcPts val="0"/>
+              </a:spcBef>
+              <a:spcAft>
+                <a:spcPts val="0"/>
+              </a:spcAft>
+              <a:buClrTx/>
+              <a:buSzTx/>
+              <a:buFontTx/>
+              <a:buNone/>
+              <a:tabLst/>
+              <a:defRPr/>
+            </a:pPr>
+            <a:r>
+              <a:rPr lang="en-US" dirty="0"/>
+              <a:t> </a:t>
+            </a:r>
+          </a:p>
+          <a:p>
+            <a:endParaRPr lang="en-US" dirty="0"/>
+          </a:p>
+        </p:txBody>
+      </p:sp>
+      <p:sp>
+        <p:nvSpPr>
+          <p:cNvPr id="4" name="Slide Number Placeholder 3"/>
+          <p:cNvSpPr>
+            <a:spLocks noGrp="1"/>
+          </p:cNvSpPr>
+          <p:nvPr>
+            <p:ph type="sldNum" sz="quarter" idx="5"/>
+          </p:nvPr>
+        </p:nvSpPr>
+        <p:spPr/>
+        <p:txBody>
+          <a:bodyPr/>
+          <a:lstStyle/>
+          <a:p>
+            <a:fld id="{827965A8-693C-4A5A-A2C9-39477FD733AE}" type="slidenum">
+              <a:rPr lang="en-US" smtClean="0"/>
+              <a:pPr/>
+              <a:t>4</a:t>
+            </a:fld>
+            <a:endParaRPr lang="en-US"/>
+          </a:p>
+        </p:txBody>
+      </p:sp>
+    </p:spTree>
+    <p:extLst>
+      <p:ext uri="{BB962C8B-B14F-4D97-AF65-F5344CB8AC3E}">
+        <p14:creationId xmlns:p14="http://schemas.microsoft.com/office/powerpoint/2010/main" val="1181028497"/>
+      </p:ext>
+    </p:extLst>
+  </p:cSld>
+  <p:clrMapOvr>
+    <a:masterClrMapping/>
+  </p:clrMapOvr>
+</p:notes>
+</file>
+
+<file path=ppt/notesSlides/notesSlide5.xml><?xml version="1.0" encoding="utf-8"?>
+<p:notes xmlns:a="http://schemas.openxmlformats.org/drawingml/2006/main" xmlns:r="http://schemas.openxmlformats.org/officeDocument/2006/relationships" xmlns:p="http://schemas.openxmlformats.org/presentationml/2006/main">
+  <p:cSld>
+    <p:spTree>
+      <p:nvGrpSpPr>
+        <p:cNvPr id="1" name=""/>
+        <p:cNvGrpSpPr/>
+        <p:nvPr/>
+      </p:nvGrpSpPr>
+      <p:grpSpPr>
+        <a:xfrm>
+          <a:off x="0" y="0"/>
+          <a:ext cx="0" cy="0"/>
+          <a:chOff x="0" y="0"/>
+          <a:chExt cx="0" cy="0"/>
+        </a:xfrm>
+      </p:grpSpPr>
+      <p:sp>
+        <p:nvSpPr>
+          <p:cNvPr id="2" name="Slide Image Placeholder 1"/>
+          <p:cNvSpPr>
+            <a:spLocks noGrp="1" noRot="1" noChangeAspect="1"/>
+          </p:cNvSpPr>
+          <p:nvPr>
+            <p:ph type="sldImg"/>
+          </p:nvPr>
+        </p:nvSpPr>
+        <p:spPr/>
+      </p:sp>
+      <p:sp>
+        <p:nvSpPr>
+          <p:cNvPr id="3" name="Notes Placeholder 2"/>
+          <p:cNvSpPr>
+            <a:spLocks noGrp="1"/>
+          </p:cNvSpPr>
+          <p:nvPr>
+            <p:ph type="body" idx="1"/>
+          </p:nvPr>
+        </p:nvSpPr>
+        <p:spPr/>
+        <p:txBody>
+          <a:bodyPr/>
+          <a:lstStyle/>
+          <a:p>
+            <a:pPr marL="0" marR="0" lvl="0" indent="0" algn="l" defTabSz="914400" rtl="0" eaLnBrk="1" fontAlgn="auto" latinLnBrk="0" hangingPunct="1">
+              <a:lnSpc>
+                <a:spcPct val="100000"/>
+              </a:lnSpc>
+              <a:spcBef>
+                <a:spcPts val="0"/>
+              </a:spcBef>
+              <a:spcAft>
+                <a:spcPts val="0"/>
+              </a:spcAft>
+              <a:buClrTx/>
+              <a:buSzTx/>
+              <a:buFontTx/>
+              <a:buNone/>
+              <a:tabLst/>
+              <a:defRPr/>
+            </a:pPr>
+            <a:r>
+              <a:rPr lang="en-US" dirty="0"/>
+              <a:t>John </a:t>
+            </a:r>
+            <a:r>
+              <a:rPr lang="en-US" dirty="0" err="1"/>
+              <a:t>Kacher</a:t>
+            </a:r>
+            <a:r>
+              <a:rPr lang="en-US" dirty="0"/>
+              <a:t> Dislocation Glide https://youtu.be/EXbiEopDJ_g</a:t>
+            </a:r>
+          </a:p>
+          <a:p>
+            <a:pPr marL="0" marR="0" lvl="0" indent="0" algn="l" defTabSz="914400" rtl="0" eaLnBrk="1" fontAlgn="auto" latinLnBrk="0" hangingPunct="1">
+              <a:lnSpc>
+                <a:spcPct val="100000"/>
+              </a:lnSpc>
+              <a:spcBef>
+                <a:spcPts val="0"/>
+              </a:spcBef>
+              <a:spcAft>
+                <a:spcPts val="0"/>
+              </a:spcAft>
+              <a:buClrTx/>
+              <a:buSzTx/>
+              <a:buFontTx/>
+              <a:buNone/>
+              <a:tabLst/>
+              <a:defRPr/>
+            </a:pPr>
+            <a:endParaRPr lang="en-US" dirty="0"/>
+          </a:p>
+          <a:p>
+            <a:pPr marL="0" marR="0" lvl="0" indent="0" algn="l" defTabSz="914400" rtl="0" eaLnBrk="1" fontAlgn="auto" latinLnBrk="0" hangingPunct="1">
+              <a:lnSpc>
+                <a:spcPct val="100000"/>
+              </a:lnSpc>
+              <a:spcBef>
+                <a:spcPts val="0"/>
+              </a:spcBef>
+              <a:spcAft>
+                <a:spcPts val="0"/>
+              </a:spcAft>
+              <a:buClrTx/>
+              <a:buSzTx/>
+              <a:buFontTx/>
+              <a:buNone/>
+              <a:tabLst/>
+              <a:defRPr/>
+            </a:pPr>
+            <a:r>
+              <a:rPr lang="en-US" dirty="0"/>
+              <a:t>Excerpt from a longer film on bubble rafts, possibly made in the 1940s by William Lawrence Bragg. https://youtu.be/P345p7A4IW8 </a:t>
+            </a:r>
+          </a:p>
+          <a:p>
+            <a:pPr marL="0" marR="0" lvl="0" indent="0" algn="l" defTabSz="914400" rtl="0" eaLnBrk="1" fontAlgn="auto" latinLnBrk="0" hangingPunct="1">
+              <a:lnSpc>
+                <a:spcPct val="100000"/>
+              </a:lnSpc>
+              <a:spcBef>
+                <a:spcPts val="0"/>
+              </a:spcBef>
+              <a:spcAft>
+                <a:spcPts val="0"/>
+              </a:spcAft>
+              <a:buClrTx/>
+              <a:buSzTx/>
+              <a:buFontTx/>
+              <a:buNone/>
+              <a:tabLst/>
+              <a:defRPr/>
+            </a:pPr>
+            <a:r>
+              <a:rPr lang="en-US" dirty="0"/>
+              <a:t> </a:t>
+            </a:r>
+          </a:p>
+          <a:p>
+            <a:endParaRPr lang="en-US" dirty="0"/>
+          </a:p>
+        </p:txBody>
+      </p:sp>
+      <p:sp>
+        <p:nvSpPr>
+          <p:cNvPr id="4" name="Slide Number Placeholder 3"/>
+          <p:cNvSpPr>
+            <a:spLocks noGrp="1"/>
+          </p:cNvSpPr>
+          <p:nvPr>
+            <p:ph type="sldNum" sz="quarter" idx="5"/>
+          </p:nvPr>
+        </p:nvSpPr>
+        <p:spPr/>
+        <p:txBody>
+          <a:bodyPr/>
+          <a:lstStyle/>
+          <a:p>
+            <a:fld id="{827965A8-693C-4A5A-A2C9-39477FD733AE}" type="slidenum">
+              <a:rPr lang="en-US" smtClean="0"/>
+              <a:pPr/>
+              <a:t>5</a:t>
+            </a:fld>
+            <a:endParaRPr lang="en-US"/>
+          </a:p>
+        </p:txBody>
+      </p:sp>
+    </p:spTree>
+    <p:extLst>
+      <p:ext uri="{BB962C8B-B14F-4D97-AF65-F5344CB8AC3E}">
+        <p14:creationId xmlns:p14="http://schemas.microsoft.com/office/powerpoint/2010/main" val="3746776220"/>
       </p:ext>
     </p:extLst>
   </p:cSld>
@@ -4200,6 +4607,17 @@
 <file path=ppt/slides/slide1.xml><?xml version="1.0" encoding="utf-8"?>
 <p:sld xmlns:a="http://schemas.openxmlformats.org/drawingml/2006/main" xmlns:r="http://schemas.openxmlformats.org/officeDocument/2006/relationships" xmlns:p="http://schemas.openxmlformats.org/presentationml/2006/main">
   <p:cSld>
+    <p:bg>
+      <p:bgPr>
+        <a:solidFill>
+          <a:schemeClr val="bg1">
+            <a:tint val="95000"/>
+            <a:satMod val="170000"/>
+          </a:schemeClr>
+        </a:solidFill>
+        <a:effectLst/>
+      </p:bgPr>
+    </p:bg>
     <p:spTree>
       <p:nvGrpSpPr>
         <p:cNvPr id="1" name=""/>
@@ -4216,16 +4634,355 @@
       </p:grpSpPr>
       <p:sp>
         <p:nvSpPr>
-          <p:cNvPr id="49154" name="Rectangle 2"/>
-          <p:cNvSpPr>
+          <p:cNvPr id="12291" name="Text Box 3"/>
+          <p:cNvSpPr txBox="1">
             <a:spLocks noChangeArrowheads="1"/>
           </p:cNvSpPr>
-          <p:nvPr/>
+          <p:nvPr>
+            <p:custDataLst>
+              <p:tags r:id="rId1"/>
+            </p:custDataLst>
+          </p:nvPr>
         </p:nvSpPr>
         <p:spPr bwMode="auto">
           <a:xfrm>
-            <a:off x="1295400" y="609600"/>
-            <a:ext cx="6172200" cy="2743200"/>
+            <a:off x="3384517" y="5257800"/>
+            <a:ext cx="2101884" cy="1371600"/>
+          </a:xfrm>
+          <a:prstGeom prst="rect">
+            <a:avLst/>
+          </a:prstGeom>
+        </p:spPr>
+        <p:txBody>
+          <a:bodyPr vert="horz" lIns="91440" tIns="45720" rIns="91440" bIns="45720" rtlCol="0" anchor="b">
+            <a:normAutofit/>
+          </a:bodyPr>
+          <a:lstStyle/>
+          <a:p>
+            <a:pPr>
+              <a:lnSpc>
+                <a:spcPct val="90000"/>
+              </a:lnSpc>
+              <a:spcAft>
+                <a:spcPts val="600"/>
+              </a:spcAft>
+            </a:pPr>
+            <a:r>
+              <a:rPr lang="en-US" sz="1800" b="1" dirty="0">
+                <a:latin typeface="+mj-lt"/>
+                <a:ea typeface="+mj-ea"/>
+                <a:cs typeface="+mj-cs"/>
+              </a:rPr>
+              <a:t>Dislocations in a </a:t>
+            </a:r>
+          </a:p>
+          <a:p>
+            <a:pPr>
+              <a:lnSpc>
+                <a:spcPct val="90000"/>
+              </a:lnSpc>
+              <a:spcAft>
+                <a:spcPts val="600"/>
+              </a:spcAft>
+            </a:pPr>
+            <a:r>
+              <a:rPr lang="en-US" sz="1800" b="1" dirty="0">
+                <a:latin typeface="+mj-lt"/>
+                <a:ea typeface="+mj-ea"/>
+                <a:cs typeface="+mj-cs"/>
+              </a:rPr>
+              <a:t>titanium alloy </a:t>
+            </a:r>
+          </a:p>
+          <a:p>
+            <a:pPr>
+              <a:lnSpc>
+                <a:spcPct val="90000"/>
+              </a:lnSpc>
+              <a:spcAft>
+                <a:spcPts val="600"/>
+              </a:spcAft>
+            </a:pPr>
+            <a:r>
+              <a:rPr lang="en-US" sz="1800" b="1" dirty="0">
+                <a:latin typeface="+mj-lt"/>
+                <a:ea typeface="+mj-ea"/>
+                <a:cs typeface="+mj-cs"/>
+              </a:rPr>
+              <a:t>at 51,500X</a:t>
+            </a:r>
+          </a:p>
+        </p:txBody>
+      </p:sp>
+      <p:sp>
+        <p:nvSpPr>
+          <p:cNvPr id="73" name="Freeform: Shape 72">
+            <a:extLst>
+              <a:ext uri="{FF2B5EF4-FFF2-40B4-BE49-F238E27FC236}">
+                <a16:creationId xmlns:a16="http://schemas.microsoft.com/office/drawing/2014/main" id="{1DB7C82F-AB7E-4F0C-B829-FA1B9C415180}"/>
+              </a:ext>
+              <a:ext uri="{C183D7F6-B498-43B3-948B-1728B52AA6E4}">
+                <adec:decorative xmlns:adec="http://schemas.microsoft.com/office/drawing/2017/decorative" val="1"/>
+              </a:ext>
+            </a:extLst>
+          </p:cNvPr>
+          <p:cNvSpPr>
+            <a:spLocks noGrp="1" noRot="1" noChangeAspect="1" noMove="1" noResize="1" noEditPoints="1" noAdjustHandles="1" noChangeArrowheads="1" noChangeShapeType="1" noTextEdit="1"/>
+          </p:cNvSpPr>
+          <p:nvPr>
+            <p:extLst>
+              <p:ext uri="{386F3935-93C4-4BCD-93E2-E3B085C9AB24}">
+                <p16:designElem xmlns:p16="http://schemas.microsoft.com/office/powerpoint/2015/main" val="1"/>
+              </p:ext>
+            </p:extLst>
+          </p:nvPr>
+        </p:nvSpPr>
+        <p:spPr>
+          <a:xfrm flipH="1">
+            <a:off x="0" y="0"/>
+            <a:ext cx="4629586" cy="6858000"/>
+          </a:xfrm>
+          <a:custGeom>
+            <a:avLst/>
+            <a:gdLst>
+              <a:gd name="connsiteX0" fmla="*/ 6172782 w 6172782"/>
+              <a:gd name="connsiteY0" fmla="*/ 0 h 6858000"/>
+              <a:gd name="connsiteX1" fmla="*/ 69075 w 6172782"/>
+              <a:gd name="connsiteY1" fmla="*/ 0 h 6858000"/>
+              <a:gd name="connsiteX2" fmla="*/ 35131 w 6172782"/>
+              <a:gd name="connsiteY2" fmla="*/ 267128 h 6858000"/>
+              <a:gd name="connsiteX3" fmla="*/ 0 w 6172782"/>
+              <a:gd name="connsiteY3" fmla="*/ 962845 h 6858000"/>
+              <a:gd name="connsiteX4" fmla="*/ 3276103 w 6172782"/>
+              <a:gd name="connsiteY4" fmla="*/ 6782205 h 6858000"/>
+              <a:gd name="connsiteX5" fmla="*/ 3407923 w 6172782"/>
+              <a:gd name="connsiteY5" fmla="*/ 6858000 h 6858000"/>
+              <a:gd name="connsiteX6" fmla="*/ 6172782 w 6172782"/>
+              <a:gd name="connsiteY6" fmla="*/ 6858000 h 6858000"/>
+            </a:gdLst>
+            <a:ahLst/>
+            <a:cxnLst>
+              <a:cxn ang="0">
+                <a:pos x="connsiteX0" y="connsiteY0"/>
+              </a:cxn>
+              <a:cxn ang="0">
+                <a:pos x="connsiteX1" y="connsiteY1"/>
+              </a:cxn>
+              <a:cxn ang="0">
+                <a:pos x="connsiteX2" y="connsiteY2"/>
+              </a:cxn>
+              <a:cxn ang="0">
+                <a:pos x="connsiteX3" y="connsiteY3"/>
+              </a:cxn>
+              <a:cxn ang="0">
+                <a:pos x="connsiteX4" y="connsiteY4"/>
+              </a:cxn>
+              <a:cxn ang="0">
+                <a:pos x="connsiteX5" y="connsiteY5"/>
+              </a:cxn>
+              <a:cxn ang="0">
+                <a:pos x="connsiteX6" y="connsiteY6"/>
+              </a:cxn>
+            </a:cxnLst>
+            <a:rect l="l" t="t" r="r" b="b"/>
+            <a:pathLst>
+              <a:path w="6172782" h="6858000">
+                <a:moveTo>
+                  <a:pt x="6172782" y="0"/>
+                </a:moveTo>
+                <a:lnTo>
+                  <a:pt x="69075" y="0"/>
+                </a:lnTo>
+                <a:lnTo>
+                  <a:pt x="35131" y="267128"/>
+                </a:lnTo>
+                <a:cubicBezTo>
+                  <a:pt x="11901" y="495874"/>
+                  <a:pt x="0" y="727970"/>
+                  <a:pt x="0" y="962845"/>
+                </a:cubicBezTo>
+                <a:cubicBezTo>
+                  <a:pt x="0" y="3429034"/>
+                  <a:pt x="1312002" y="5588789"/>
+                  <a:pt x="3276103" y="6782205"/>
+                </a:cubicBezTo>
+                <a:lnTo>
+                  <a:pt x="3407923" y="6858000"/>
+                </a:lnTo>
+                <a:lnTo>
+                  <a:pt x="6172782" y="6858000"/>
+                </a:lnTo>
+                <a:close/>
+              </a:path>
+            </a:pathLst>
+          </a:custGeom>
+          <a:solidFill>
+            <a:srgbClr val="FFFFFF">
+              <a:alpha val="80000"/>
+            </a:srgbClr>
+          </a:solidFill>
+          <a:ln>
+            <a:noFill/>
+          </a:ln>
+        </p:spPr>
+        <p:style>
+          <a:lnRef idx="2">
+            <a:schemeClr val="accent1">
+              <a:shade val="50000"/>
+            </a:schemeClr>
+          </a:lnRef>
+          <a:fillRef idx="1">
+            <a:schemeClr val="accent1"/>
+          </a:fillRef>
+          <a:effectRef idx="0">
+            <a:schemeClr val="accent1"/>
+          </a:effectRef>
+          <a:fontRef idx="minor">
+            <a:schemeClr val="lt1"/>
+          </a:fontRef>
+        </p:style>
+        <p:txBody>
+          <a:bodyPr wrap="square" rtlCol="0" anchor="ctr">
+            <a:noAutofit/>
+          </a:bodyPr>
+          <a:lstStyle/>
+          <a:p>
+            <a:pPr marL="0" marR="0" lvl="0" indent="0" algn="ctr" defTabSz="914400" rtl="0" eaLnBrk="1" fontAlgn="auto" latinLnBrk="0" hangingPunct="1">
+              <a:lnSpc>
+                <a:spcPct val="100000"/>
+              </a:lnSpc>
+              <a:spcBef>
+                <a:spcPts val="0"/>
+              </a:spcBef>
+              <a:spcAft>
+                <a:spcPts val="0"/>
+              </a:spcAft>
+              <a:buClrTx/>
+              <a:buSzTx/>
+              <a:buFontTx/>
+              <a:buNone/>
+              <a:tabLst/>
+              <a:defRPr/>
+            </a:pPr>
+            <a:endParaRPr kumimoji="0" lang="en-US" sz="1800" b="0" i="0" u="none" strike="noStrike" kern="1200" cap="none" spc="0" normalizeH="0" baseline="0" noProof="0">
+              <a:ln>
+                <a:noFill/>
+              </a:ln>
+              <a:solidFill>
+                <a:prstClr val="white"/>
+              </a:solidFill>
+              <a:effectLst/>
+              <a:uLnTx/>
+              <a:uFillTx/>
+              <a:latin typeface="Calibri" panose="020F0502020204030204"/>
+              <a:ea typeface="+mn-ea"/>
+              <a:cs typeface="+mn-cs"/>
+            </a:endParaRPr>
+          </a:p>
+        </p:txBody>
+      </p:sp>
+      <p:pic>
+        <p:nvPicPr>
+          <p:cNvPr id="12290" name="Picture 2" descr="c05f11"/>
+          <p:cNvPicPr preferRelativeResize="0">
+            <a:picLocks noChangeAspect="1" noChangeArrowheads="1"/>
+          </p:cNvPicPr>
+          <p:nvPr>
+            <p:custDataLst>
+              <p:tags r:id="rId2"/>
+            </p:custDataLst>
+          </p:nvPr>
+        </p:nvPicPr>
+        <p:blipFill rotWithShape="1">
+          <a:blip r:embed="rId5" cstate="print"/>
+          <a:srcRect l="5824" r="15040"/>
+          <a:stretch/>
+        </p:blipFill>
+        <p:spPr bwMode="auto">
+          <a:xfrm>
+            <a:off x="20" y="10"/>
+            <a:ext cx="4518095" cy="6857990"/>
+          </a:xfrm>
+          <a:custGeom>
+            <a:avLst/>
+            <a:gdLst/>
+            <a:ahLst/>
+            <a:cxnLst/>
+            <a:rect l="l" t="t" r="r" b="b"/>
+            <a:pathLst>
+              <a:path w="6024154" h="6858000">
+                <a:moveTo>
+                  <a:pt x="0" y="0"/>
+                </a:moveTo>
+                <a:lnTo>
+                  <a:pt x="5953780" y="0"/>
+                </a:lnTo>
+                <a:lnTo>
+                  <a:pt x="5989880" y="284091"/>
+                </a:lnTo>
+                <a:cubicBezTo>
+                  <a:pt x="6012544" y="507260"/>
+                  <a:pt x="6024154" y="733696"/>
+                  <a:pt x="6024154" y="962844"/>
+                </a:cubicBezTo>
+                <a:cubicBezTo>
+                  <a:pt x="6024154" y="3483472"/>
+                  <a:pt x="4619336" y="5675986"/>
+                  <a:pt x="2549934" y="6800152"/>
+                </a:cubicBezTo>
+                <a:lnTo>
+                  <a:pt x="2436987" y="6858000"/>
+                </a:lnTo>
+                <a:lnTo>
+                  <a:pt x="0" y="6858000"/>
+                </a:lnTo>
+                <a:close/>
+              </a:path>
+            </a:pathLst>
+          </a:custGeom>
+          <a:noFill/>
+        </p:spPr>
+      </p:pic>
+      <p:sp>
+        <p:nvSpPr>
+          <p:cNvPr id="12292" name="Rectangle 4" hidden="1"/>
+          <p:cNvSpPr>
+            <a:spLocks noGrp="1" noChangeArrowheads="1"/>
+          </p:cNvSpPr>
+          <p:nvPr>
+            <p:ph type="title"/>
+          </p:nvPr>
+        </p:nvSpPr>
+        <p:spPr/>
+        <p:txBody>
+          <a:bodyPr/>
+          <a:lstStyle/>
+          <a:p>
+            <a:r>
+              <a:rPr lang="en-US"/>
+              <a:t>c05f11</a:t>
+            </a:r>
+          </a:p>
+        </p:txBody>
+      </p:sp>
+      <p:sp>
+        <p:nvSpPr>
+          <p:cNvPr id="7" name="Rectangle 2">
+            <a:extLst>
+              <a:ext uri="{FF2B5EF4-FFF2-40B4-BE49-F238E27FC236}">
+                <a16:creationId xmlns:a16="http://schemas.microsoft.com/office/drawing/2014/main" id="{2121E567-3F38-4329-BF69-6AAD7DED8814}"/>
+              </a:ext>
+            </a:extLst>
+          </p:cNvPr>
+          <p:cNvSpPr>
+            <a:spLocks noChangeArrowheads="1"/>
+          </p:cNvSpPr>
+          <p:nvPr/>
+        </p:nvSpPr>
+        <p:spPr bwMode="auto">
+          <a:xfrm>
+            <a:off x="5041902" y="228600"/>
+            <a:ext cx="4025897" cy="3970318"/>
           </a:xfrm>
           <a:prstGeom prst="rect">
             <a:avLst/>
@@ -4240,40 +4997,40 @@
           <a:effectLst/>
         </p:spPr>
         <p:txBody>
-          <a:bodyPr>
+          <a:bodyPr wrap="square">
             <a:spAutoFit/>
           </a:bodyPr>
           <a:lstStyle/>
           <a:p>
             <a:r>
-              <a:rPr lang="en-US" sz="2400" b="1"/>
+              <a:rPr lang="en-US" sz="2400" b="1" dirty="0"/>
               <a:t>Types of imperfections in crystals</a:t>
             </a:r>
           </a:p>
           <a:p>
-            <a:endParaRPr lang="en-US"/>
-          </a:p>
-          <a:p>
-            <a:r>
-              <a:rPr lang="en-US"/>
+            <a:endParaRPr lang="en-US" sz="2400" dirty="0"/>
+          </a:p>
+          <a:p>
+            <a:r>
+              <a:rPr lang="en-US" sz="2400" dirty="0"/>
               <a:t>- point: vacancy, interstitial</a:t>
             </a:r>
           </a:p>
           <a:p>
-            <a:endParaRPr lang="en-US"/>
-          </a:p>
-          <a:p>
-            <a:r>
-              <a:rPr lang="en-US"/>
+            <a:endParaRPr lang="en-US" sz="2400" dirty="0"/>
+          </a:p>
+          <a:p>
+            <a:r>
+              <a:rPr lang="en-US" sz="2400" dirty="0"/>
               <a:t>- line: dislocations</a:t>
             </a:r>
           </a:p>
           <a:p>
-            <a:endParaRPr lang="en-US"/>
-          </a:p>
-          <a:p>
-            <a:r>
-              <a:rPr lang="en-US"/>
+            <a:endParaRPr lang="en-US" sz="2400" dirty="0"/>
+          </a:p>
+          <a:p>
+            <a:r>
+              <a:rPr lang="en-US" sz="2400" dirty="0"/>
               <a:t>- interfacial: grain boundary, twin boundary</a:t>
             </a:r>
           </a:p>
@@ -4283,13 +5040,19 @@
                 <a:spcPct val="50000"/>
               </a:spcBef>
             </a:pPr>
-            <a:endParaRPr lang="en-US"/>
-          </a:p>
-        </p:txBody>
-      </p:sp>
-      <p:sp>
-        <p:nvSpPr>
-          <p:cNvPr id="49155" name="Rectangle 3"/>
+            <a:endParaRPr lang="en-US" sz="2400" dirty="0"/>
+          </a:p>
+        </p:txBody>
+      </p:sp>
+      <p:sp>
+        <p:nvSpPr>
+          <p:cNvPr id="8" name="Rectangle 3">
+            <a:extLst>
+              <a:ext uri="{FF2B5EF4-FFF2-40B4-BE49-F238E27FC236}">
+                <a16:creationId xmlns:a16="http://schemas.microsoft.com/office/drawing/2014/main" id="{F6C3DD9E-CECC-401A-9D0B-C354BFCE06CB}"/>
+              </a:ext>
+            </a:extLst>
+          </p:cNvPr>
           <p:cNvSpPr>
             <a:spLocks noChangeArrowheads="1"/>
           </p:cNvSpPr>
@@ -4297,8 +5060,8 @@
         </p:nvSpPr>
         <p:spPr bwMode="auto">
           <a:xfrm>
-            <a:off x="1295400" y="2514600"/>
-            <a:ext cx="5029200" cy="381000"/>
+            <a:off x="4930430" y="2072326"/>
+            <a:ext cx="3146769" cy="442274"/>
           </a:xfrm>
           <a:prstGeom prst="rect">
             <a:avLst/>
@@ -4323,1154 +5086,15 @@
           </a:p>
         </p:txBody>
       </p:sp>
-      <p:sp>
-        <p:nvSpPr>
-          <p:cNvPr id="2" name="TextBox 1">
-            <a:extLst>
-              <a:ext uri="{FF2B5EF4-FFF2-40B4-BE49-F238E27FC236}">
-                <a16:creationId xmlns:a16="http://schemas.microsoft.com/office/drawing/2014/main" id="{96D5FF53-1184-541A-B6E0-6B5083BB0543}"/>
-              </a:ext>
-            </a:extLst>
-          </p:cNvPr>
-          <p:cNvSpPr txBox="1"/>
-          <p:nvPr/>
-        </p:nvSpPr>
-        <p:spPr>
-          <a:xfrm>
-            <a:off x="914400" y="4419600"/>
-            <a:ext cx="5234318" cy="400110"/>
-          </a:xfrm>
-          <a:prstGeom prst="rect">
-            <a:avLst/>
-          </a:prstGeom>
-          <a:noFill/>
-        </p:spPr>
-        <p:txBody>
-          <a:bodyPr wrap="none" rtlCol="0">
-            <a:spAutoFit/>
-          </a:bodyPr>
-          <a:lstStyle/>
-          <a:p>
-            <a:r>
-              <a:rPr lang="en-US" dirty="0"/>
-              <a:t>Correction on homework problem (110) bcc. </a:t>
-            </a:r>
-          </a:p>
-        </p:txBody>
-      </p:sp>
     </p:spTree>
   </p:cSld>
   <p:clrMapOvr>
-    <a:masterClrMapping/>
+    <a:overrideClrMapping bg1="dk1" tx1="lt1" bg2="dk2" tx2="lt2" accent1="accent1" accent2="accent2" accent3="accent3" accent4="accent4" accent5="accent5" accent6="accent6" hlink="hlink" folHlink="folHlink"/>
   </p:clrMapOvr>
 </p:sld>
 </file>
 
 <file path=ppt/slides/slide2.xml><?xml version="1.0" encoding="utf-8"?>
-<p:sld xmlns:a="http://schemas.openxmlformats.org/drawingml/2006/main" xmlns:r="http://schemas.openxmlformats.org/officeDocument/2006/relationships" xmlns:p="http://schemas.openxmlformats.org/presentationml/2006/main">
-  <p:cSld>
-    <p:spTree>
-      <p:nvGrpSpPr>
-        <p:cNvPr id="1" name=""/>
-        <p:cNvGrpSpPr/>
-        <p:nvPr/>
-      </p:nvGrpSpPr>
-      <p:grpSpPr>
-        <a:xfrm>
-          <a:off x="0" y="0"/>
-          <a:ext cx="0" cy="0"/>
-          <a:chOff x="0" y="0"/>
-          <a:chExt cx="0" cy="0"/>
-        </a:xfrm>
-      </p:grpSpPr>
-      <p:sp>
-        <p:nvSpPr>
-          <p:cNvPr id="13315" name="Text Box 3"/>
-          <p:cNvSpPr txBox="1">
-            <a:spLocks noChangeArrowheads="1"/>
-          </p:cNvSpPr>
-          <p:nvPr>
-            <p:custDataLst>
-              <p:tags r:id="rId1"/>
-            </p:custDataLst>
-          </p:nvPr>
-        </p:nvSpPr>
-        <p:spPr bwMode="auto">
-          <a:xfrm>
-            <a:off x="5337760" y="104395"/>
-            <a:ext cx="3044240" cy="830997"/>
-          </a:xfrm>
-          <a:prstGeom prst="rect">
-            <a:avLst/>
-          </a:prstGeom>
-          <a:noFill/>
-          <a:ln w="9525">
-            <a:noFill/>
-            <a:miter lim="800000"/>
-            <a:headEnd/>
-            <a:tailEnd/>
-          </a:ln>
-          <a:effectLst/>
-        </p:spPr>
-        <p:txBody>
-          <a:bodyPr wrap="square">
-            <a:spAutoFit/>
-          </a:bodyPr>
-          <a:lstStyle/>
-          <a:p>
-            <a:r>
-              <a:rPr lang="en-US" sz="2400" b="1" dirty="0">
-                <a:solidFill>
-                  <a:srgbClr val="272727"/>
-                </a:solidFill>
-              </a:rPr>
-              <a:t>Grain </a:t>
-            </a:r>
-          </a:p>
-          <a:p>
-            <a:r>
-              <a:rPr lang="en-US" sz="2400" b="1" dirty="0">
-                <a:solidFill>
-                  <a:srgbClr val="272727"/>
-                </a:solidFill>
-              </a:rPr>
-              <a:t>boundaries</a:t>
-            </a:r>
-          </a:p>
-        </p:txBody>
-      </p:sp>
-      <p:sp>
-        <p:nvSpPr>
-          <p:cNvPr id="13316" name="Rectangle 4" hidden="1"/>
-          <p:cNvSpPr>
-            <a:spLocks noGrp="1" noChangeArrowheads="1"/>
-          </p:cNvSpPr>
-          <p:nvPr>
-            <p:ph type="title"/>
-          </p:nvPr>
-        </p:nvSpPr>
-        <p:spPr/>
-        <p:txBody>
-          <a:bodyPr/>
-          <a:lstStyle/>
-          <a:p>
-            <a:r>
-              <a:rPr lang="en-US"/>
-              <a:t>c05f12</a:t>
-            </a:r>
-          </a:p>
-        </p:txBody>
-      </p:sp>
-      <p:pic>
-        <p:nvPicPr>
-          <p:cNvPr id="2" name="Picture 1">
-            <a:extLst>
-              <a:ext uri="{FF2B5EF4-FFF2-40B4-BE49-F238E27FC236}">
-                <a16:creationId xmlns:a16="http://schemas.microsoft.com/office/drawing/2014/main" id="{764D8381-D763-4B92-B660-F433F1F4D810}"/>
-              </a:ext>
-            </a:extLst>
-          </p:cNvPr>
-          <p:cNvPicPr>
-            <a:picLocks noChangeAspect="1"/>
-          </p:cNvPicPr>
-          <p:nvPr/>
-        </p:nvPicPr>
-        <p:blipFill>
-          <a:blip r:embed="rId4"/>
-          <a:stretch>
-            <a:fillRect/>
-          </a:stretch>
-        </p:blipFill>
-        <p:spPr>
-          <a:xfrm>
-            <a:off x="228600" y="1372978"/>
-            <a:ext cx="6934785" cy="5201089"/>
-          </a:xfrm>
-          <a:prstGeom prst="rect">
-            <a:avLst/>
-          </a:prstGeom>
-        </p:spPr>
-      </p:pic>
-      <p:sp>
-        <p:nvSpPr>
-          <p:cNvPr id="3" name="TextBox 2">
-            <a:extLst>
-              <a:ext uri="{FF2B5EF4-FFF2-40B4-BE49-F238E27FC236}">
-                <a16:creationId xmlns:a16="http://schemas.microsoft.com/office/drawing/2014/main" id="{3C693AD5-B9F1-466D-85E9-92E06B0F560A}"/>
-              </a:ext>
-            </a:extLst>
-          </p:cNvPr>
-          <p:cNvSpPr txBox="1"/>
-          <p:nvPr/>
-        </p:nvSpPr>
-        <p:spPr>
-          <a:xfrm>
-            <a:off x="514212" y="838200"/>
-            <a:ext cx="3522118" cy="400110"/>
-          </a:xfrm>
-          <a:prstGeom prst="rect">
-            <a:avLst/>
-          </a:prstGeom>
-          <a:noFill/>
-        </p:spPr>
-        <p:txBody>
-          <a:bodyPr wrap="none" rtlCol="0">
-            <a:spAutoFit/>
-          </a:bodyPr>
-          <a:lstStyle/>
-          <a:p>
-            <a:r>
-              <a:rPr lang="en-US" dirty="0"/>
-              <a:t>High angle grain boundaries</a:t>
-            </a:r>
-          </a:p>
-        </p:txBody>
-      </p:sp>
-      <p:sp>
-        <p:nvSpPr>
-          <p:cNvPr id="4" name="TextBox 3">
-            <a:extLst>
-              <a:ext uri="{FF2B5EF4-FFF2-40B4-BE49-F238E27FC236}">
-                <a16:creationId xmlns:a16="http://schemas.microsoft.com/office/drawing/2014/main" id="{207B51B7-CE4E-4861-919A-2E4BEC8C5C17}"/>
-              </a:ext>
-            </a:extLst>
-          </p:cNvPr>
-          <p:cNvSpPr txBox="1"/>
-          <p:nvPr/>
-        </p:nvSpPr>
-        <p:spPr>
-          <a:xfrm>
-            <a:off x="7163385" y="4724400"/>
-            <a:ext cx="1904416" cy="707886"/>
-          </a:xfrm>
-          <a:prstGeom prst="rect">
-            <a:avLst/>
-          </a:prstGeom>
-          <a:noFill/>
-        </p:spPr>
-        <p:txBody>
-          <a:bodyPr wrap="square" rtlCol="0">
-            <a:spAutoFit/>
-          </a:bodyPr>
-          <a:lstStyle/>
-          <a:p>
-            <a:r>
-              <a:rPr lang="en-US" dirty="0"/>
-              <a:t>Low angle grain boundary</a:t>
-            </a:r>
-          </a:p>
-        </p:txBody>
-      </p:sp>
-      <p:cxnSp>
-        <p:nvCxnSpPr>
-          <p:cNvPr id="6" name="Straight Connector 5">
-            <a:extLst>
-              <a:ext uri="{FF2B5EF4-FFF2-40B4-BE49-F238E27FC236}">
-                <a16:creationId xmlns:a16="http://schemas.microsoft.com/office/drawing/2014/main" id="{8559CFC4-F79F-43D1-9E73-C2B9686F5B60}"/>
-              </a:ext>
-            </a:extLst>
-          </p:cNvPr>
-          <p:cNvCxnSpPr/>
-          <p:nvPr/>
-        </p:nvCxnSpPr>
-        <p:spPr>
-          <a:xfrm flipH="1">
-            <a:off x="5486400" y="3505200"/>
-            <a:ext cx="76200" cy="1371600"/>
-          </a:xfrm>
-          <a:prstGeom prst="line">
-            <a:avLst/>
-          </a:prstGeom>
-          <a:ln w="28575">
-            <a:solidFill>
-              <a:srgbClr val="FF0000"/>
-            </a:solidFill>
-          </a:ln>
-        </p:spPr>
-        <p:style>
-          <a:lnRef idx="1">
-            <a:schemeClr val="accent1"/>
-          </a:lnRef>
-          <a:fillRef idx="0">
-            <a:schemeClr val="accent1"/>
-          </a:fillRef>
-          <a:effectRef idx="0">
-            <a:schemeClr val="accent1"/>
-          </a:effectRef>
-          <a:fontRef idx="minor">
-            <a:schemeClr val="tx1"/>
-          </a:fontRef>
-        </p:style>
-      </p:cxnSp>
-      <p:cxnSp>
-        <p:nvCxnSpPr>
-          <p:cNvPr id="10" name="Straight Connector 9">
-            <a:extLst>
-              <a:ext uri="{FF2B5EF4-FFF2-40B4-BE49-F238E27FC236}">
-                <a16:creationId xmlns:a16="http://schemas.microsoft.com/office/drawing/2014/main" id="{20769B0A-536F-4228-A932-71737A8C0361}"/>
-              </a:ext>
-            </a:extLst>
-          </p:cNvPr>
-          <p:cNvCxnSpPr>
-            <a:cxnSpLocks/>
-          </p:cNvCxnSpPr>
-          <p:nvPr/>
-        </p:nvCxnSpPr>
-        <p:spPr>
-          <a:xfrm flipH="1">
-            <a:off x="5196254" y="4876800"/>
-            <a:ext cx="290146" cy="1330569"/>
-          </a:xfrm>
-          <a:prstGeom prst="line">
-            <a:avLst/>
-          </a:prstGeom>
-          <a:ln w="28575">
-            <a:solidFill>
-              <a:srgbClr val="FF0000"/>
-            </a:solidFill>
-          </a:ln>
-        </p:spPr>
-        <p:style>
-          <a:lnRef idx="1">
-            <a:schemeClr val="accent1"/>
-          </a:lnRef>
-          <a:fillRef idx="0">
-            <a:schemeClr val="accent1"/>
-          </a:fillRef>
-          <a:effectRef idx="0">
-            <a:schemeClr val="accent1"/>
-          </a:effectRef>
-          <a:fontRef idx="minor">
-            <a:schemeClr val="tx1"/>
-          </a:fontRef>
-        </p:style>
-      </p:cxnSp>
-      <p:cxnSp>
-        <p:nvCxnSpPr>
-          <p:cNvPr id="12" name="Straight Connector 11">
-            <a:extLst>
-              <a:ext uri="{FF2B5EF4-FFF2-40B4-BE49-F238E27FC236}">
-                <a16:creationId xmlns:a16="http://schemas.microsoft.com/office/drawing/2014/main" id="{66038429-E62F-4591-9629-F6603F2D42FD}"/>
-              </a:ext>
-            </a:extLst>
-          </p:cNvPr>
-          <p:cNvCxnSpPr>
-            <a:cxnSpLocks/>
-          </p:cNvCxnSpPr>
-          <p:nvPr/>
-        </p:nvCxnSpPr>
-        <p:spPr>
-          <a:xfrm flipH="1">
-            <a:off x="5400736" y="4853353"/>
-            <a:ext cx="94456" cy="1700199"/>
-          </a:xfrm>
-          <a:prstGeom prst="line">
-            <a:avLst/>
-          </a:prstGeom>
-          <a:ln w="28575">
-            <a:solidFill>
-              <a:srgbClr val="FF0000"/>
-            </a:solidFill>
-            <a:prstDash val="sysDash"/>
-          </a:ln>
-        </p:spPr>
-        <p:style>
-          <a:lnRef idx="1">
-            <a:schemeClr val="accent1"/>
-          </a:lnRef>
-          <a:fillRef idx="0">
-            <a:schemeClr val="accent1"/>
-          </a:fillRef>
-          <a:effectRef idx="0">
-            <a:schemeClr val="accent1"/>
-          </a:effectRef>
-          <a:fontRef idx="minor">
-            <a:schemeClr val="tx1"/>
-          </a:fontRef>
-        </p:style>
-      </p:cxnSp>
-      <p:cxnSp>
-        <p:nvCxnSpPr>
-          <p:cNvPr id="15" name="Straight Connector 14">
-            <a:extLst>
-              <a:ext uri="{FF2B5EF4-FFF2-40B4-BE49-F238E27FC236}">
-                <a16:creationId xmlns:a16="http://schemas.microsoft.com/office/drawing/2014/main" id="{F6E6DAF8-5648-4147-AB49-136DFA256999}"/>
-              </a:ext>
-            </a:extLst>
-          </p:cNvPr>
-          <p:cNvCxnSpPr>
-            <a:cxnSpLocks/>
-          </p:cNvCxnSpPr>
-          <p:nvPr/>
-        </p:nvCxnSpPr>
-        <p:spPr>
-          <a:xfrm flipH="1">
-            <a:off x="1752600" y="1600200"/>
-            <a:ext cx="457200" cy="1447800"/>
-          </a:xfrm>
-          <a:prstGeom prst="line">
-            <a:avLst/>
-          </a:prstGeom>
-          <a:ln w="28575">
-            <a:solidFill>
-              <a:srgbClr val="FF0000"/>
-            </a:solidFill>
-          </a:ln>
-        </p:spPr>
-        <p:style>
-          <a:lnRef idx="1">
-            <a:schemeClr val="accent1"/>
-          </a:lnRef>
-          <a:fillRef idx="0">
-            <a:schemeClr val="accent1"/>
-          </a:fillRef>
-          <a:effectRef idx="0">
-            <a:schemeClr val="accent1"/>
-          </a:effectRef>
-          <a:fontRef idx="minor">
-            <a:schemeClr val="tx1"/>
-          </a:fontRef>
-        </p:style>
-      </p:cxnSp>
-      <p:cxnSp>
-        <p:nvCxnSpPr>
-          <p:cNvPr id="17" name="Straight Connector 16">
-            <a:extLst>
-              <a:ext uri="{FF2B5EF4-FFF2-40B4-BE49-F238E27FC236}">
-                <a16:creationId xmlns:a16="http://schemas.microsoft.com/office/drawing/2014/main" id="{9045C909-D11E-4CA0-8CB3-C9B247690E70}"/>
-              </a:ext>
-            </a:extLst>
-          </p:cNvPr>
-          <p:cNvCxnSpPr>
-            <a:cxnSpLocks/>
-          </p:cNvCxnSpPr>
-          <p:nvPr/>
-        </p:nvCxnSpPr>
-        <p:spPr>
-          <a:xfrm flipH="1">
-            <a:off x="762000" y="3352800"/>
-            <a:ext cx="838200" cy="1219200"/>
-          </a:xfrm>
-          <a:prstGeom prst="line">
-            <a:avLst/>
-          </a:prstGeom>
-          <a:ln w="28575">
-            <a:solidFill>
-              <a:srgbClr val="FF0000"/>
-            </a:solidFill>
-          </a:ln>
-        </p:spPr>
-        <p:style>
-          <a:lnRef idx="1">
-            <a:schemeClr val="accent1"/>
-          </a:lnRef>
-          <a:fillRef idx="0">
-            <a:schemeClr val="accent1"/>
-          </a:fillRef>
-          <a:effectRef idx="0">
-            <a:schemeClr val="accent1"/>
-          </a:effectRef>
-          <a:fontRef idx="minor">
-            <a:schemeClr val="tx1"/>
-          </a:fontRef>
-        </p:style>
-      </p:cxnSp>
-      <p:cxnSp>
-        <p:nvCxnSpPr>
-          <p:cNvPr id="19" name="Straight Connector 18">
-            <a:extLst>
-              <a:ext uri="{FF2B5EF4-FFF2-40B4-BE49-F238E27FC236}">
-                <a16:creationId xmlns:a16="http://schemas.microsoft.com/office/drawing/2014/main" id="{9CBC6D6A-9837-432F-A49D-F9F97B1178E1}"/>
-              </a:ext>
-            </a:extLst>
-          </p:cNvPr>
-          <p:cNvCxnSpPr>
-            <a:cxnSpLocks/>
-          </p:cNvCxnSpPr>
-          <p:nvPr/>
-        </p:nvCxnSpPr>
-        <p:spPr>
-          <a:xfrm flipH="1">
-            <a:off x="1295400" y="3056461"/>
-            <a:ext cx="457200" cy="1447800"/>
-          </a:xfrm>
-          <a:prstGeom prst="line">
-            <a:avLst/>
-          </a:prstGeom>
-          <a:ln w="28575">
-            <a:solidFill>
-              <a:srgbClr val="FF0000"/>
-            </a:solidFill>
-            <a:prstDash val="sysDash"/>
-          </a:ln>
-        </p:spPr>
-        <p:style>
-          <a:lnRef idx="1">
-            <a:schemeClr val="accent1"/>
-          </a:lnRef>
-          <a:fillRef idx="0">
-            <a:schemeClr val="accent1"/>
-          </a:fillRef>
-          <a:effectRef idx="0">
-            <a:schemeClr val="accent1"/>
-          </a:effectRef>
-          <a:fontRef idx="minor">
-            <a:schemeClr val="tx1"/>
-          </a:fontRef>
-        </p:style>
-      </p:cxnSp>
-    </p:spTree>
-  </p:cSld>
-  <p:clrMapOvr>
-    <a:masterClrMapping/>
-  </p:clrMapOvr>
-</p:sld>
-</file>
-
-<file path=ppt/slides/slide3.xml><?xml version="1.0" encoding="utf-8"?>
-<p:sld xmlns:a="http://schemas.openxmlformats.org/drawingml/2006/main" xmlns:r="http://schemas.openxmlformats.org/officeDocument/2006/relationships" xmlns:p="http://schemas.openxmlformats.org/presentationml/2006/main">
-  <p:cSld>
-    <p:spTree>
-      <p:nvGrpSpPr>
-        <p:cNvPr id="1" name=""/>
-        <p:cNvGrpSpPr/>
-        <p:nvPr/>
-      </p:nvGrpSpPr>
-      <p:grpSpPr>
-        <a:xfrm>
-          <a:off x="0" y="0"/>
-          <a:ext cx="0" cy="0"/>
-          <a:chOff x="0" y="0"/>
-          <a:chExt cx="0" cy="0"/>
-        </a:xfrm>
-      </p:grpSpPr>
-      <p:pic>
-        <p:nvPicPr>
-          <p:cNvPr id="20482" name="Picture 2" descr="c05f19ab"/>
-          <p:cNvPicPr preferRelativeResize="0">
-            <a:picLocks noChangeAspect="1" noChangeArrowheads="1"/>
-          </p:cNvPicPr>
-          <p:nvPr>
-            <p:custDataLst>
-              <p:tags r:id="rId1"/>
-            </p:custDataLst>
-          </p:nvPr>
-        </p:nvPicPr>
-        <p:blipFill>
-          <a:blip r:embed="rId5" cstate="print"/>
-          <a:srcRect r="238" b="55556"/>
-          <a:stretch>
-            <a:fillRect/>
-          </a:stretch>
-        </p:blipFill>
-        <p:spPr bwMode="auto">
-          <a:xfrm>
-            <a:off x="304800" y="1143000"/>
-            <a:ext cx="4371975" cy="4495800"/>
-          </a:xfrm>
-          <a:prstGeom prst="rect">
-            <a:avLst/>
-          </a:prstGeom>
-          <a:noFill/>
-          <a:ln w="9525">
-            <a:noFill/>
-            <a:miter lim="800000"/>
-            <a:headEnd/>
-            <a:tailEnd/>
-          </a:ln>
-          <a:effectLst/>
-        </p:spPr>
-      </p:pic>
-      <p:sp>
-        <p:nvSpPr>
-          <p:cNvPr id="20483" name="Text Box 3"/>
-          <p:cNvSpPr txBox="1">
-            <a:spLocks noChangeArrowheads="1"/>
-          </p:cNvSpPr>
-          <p:nvPr>
-            <p:custDataLst>
-              <p:tags r:id="rId2"/>
-            </p:custDataLst>
-          </p:nvPr>
-        </p:nvSpPr>
-        <p:spPr bwMode="auto">
-          <a:xfrm>
-            <a:off x="1295400" y="381000"/>
-            <a:ext cx="6310313" cy="457200"/>
-          </a:xfrm>
-          <a:prstGeom prst="rect">
-            <a:avLst/>
-          </a:prstGeom>
-          <a:noFill/>
-          <a:ln w="9525">
-            <a:noFill/>
-            <a:miter lim="800000"/>
-            <a:headEnd/>
-            <a:tailEnd/>
-          </a:ln>
-          <a:effectLst/>
-        </p:spPr>
-        <p:txBody>
-          <a:bodyPr wrap="none" anchor="ctr">
-            <a:spAutoFit/>
-          </a:bodyPr>
-          <a:lstStyle/>
-          <a:p>
-            <a:pPr algn="ctr"/>
-            <a:r>
-              <a:rPr lang="en-US" sz="2400" b="1">
-                <a:solidFill>
-                  <a:srgbClr val="272727"/>
-                </a:solidFill>
-              </a:rPr>
-              <a:t>Grain boundaries in an Fe-Cr alloy at 100X</a:t>
-            </a:r>
-          </a:p>
-        </p:txBody>
-      </p:sp>
-      <p:sp>
-        <p:nvSpPr>
-          <p:cNvPr id="20484" name="Rectangle 4" hidden="1"/>
-          <p:cNvSpPr>
-            <a:spLocks noGrp="1" noChangeArrowheads="1"/>
-          </p:cNvSpPr>
-          <p:nvPr>
-            <p:ph type="title"/>
-          </p:nvPr>
-        </p:nvSpPr>
-        <p:spPr/>
-        <p:txBody>
-          <a:bodyPr/>
-          <a:lstStyle/>
-          <a:p>
-            <a:r>
-              <a:rPr lang="en-US"/>
-              <a:t>c05f19ab</a:t>
-            </a:r>
-          </a:p>
-        </p:txBody>
-      </p:sp>
-      <p:pic>
-        <p:nvPicPr>
-          <p:cNvPr id="20485" name="Picture 5" descr="c05f19ab"/>
-          <p:cNvPicPr preferRelativeResize="0">
-            <a:picLocks noChangeAspect="1" noChangeArrowheads="1"/>
-          </p:cNvPicPr>
-          <p:nvPr>
-            <p:custDataLst>
-              <p:tags r:id="rId3"/>
-            </p:custDataLst>
-          </p:nvPr>
-        </p:nvPicPr>
-        <p:blipFill>
-          <a:blip r:embed="rId5" cstate="print"/>
-          <a:srcRect l="-2850" t="48148" b="2469"/>
-          <a:stretch>
-            <a:fillRect/>
-          </a:stretch>
-        </p:blipFill>
-        <p:spPr bwMode="auto">
-          <a:xfrm>
-            <a:off x="4800600" y="1066800"/>
-            <a:ext cx="3987800" cy="4419600"/>
-          </a:xfrm>
-          <a:prstGeom prst="rect">
-            <a:avLst/>
-          </a:prstGeom>
-          <a:noFill/>
-          <a:ln w="9525">
-            <a:noFill/>
-            <a:miter lim="800000"/>
-            <a:headEnd/>
-            <a:tailEnd/>
-          </a:ln>
-          <a:effectLst/>
-        </p:spPr>
-      </p:pic>
-    </p:spTree>
-  </p:cSld>
-  <p:clrMapOvr>
-    <a:masterClrMapping/>
-  </p:clrMapOvr>
-</p:sld>
-</file>
-
-<file path=ppt/slides/slide4.xml><?xml version="1.0" encoding="utf-8"?>
-<p:sld xmlns:a="http://schemas.openxmlformats.org/drawingml/2006/main" xmlns:r="http://schemas.openxmlformats.org/officeDocument/2006/relationships" xmlns:p="http://schemas.openxmlformats.org/presentationml/2006/main">
-  <p:cSld>
-    <p:spTree>
-      <p:nvGrpSpPr>
-        <p:cNvPr id="1" name=""/>
-        <p:cNvGrpSpPr/>
-        <p:nvPr/>
-      </p:nvGrpSpPr>
-      <p:grpSpPr>
-        <a:xfrm>
-          <a:off x="0" y="0"/>
-          <a:ext cx="0" cy="0"/>
-          <a:chOff x="0" y="0"/>
-          <a:chExt cx="0" cy="0"/>
-        </a:xfrm>
-      </p:grpSpPr>
-      <p:sp>
-        <p:nvSpPr>
-          <p:cNvPr id="59396" name="Text Box 4"/>
-          <p:cNvSpPr txBox="1">
-            <a:spLocks noChangeArrowheads="1"/>
-          </p:cNvSpPr>
-          <p:nvPr/>
-        </p:nvSpPr>
-        <p:spPr bwMode="auto">
-          <a:xfrm>
-            <a:off x="762000" y="685800"/>
-            <a:ext cx="5708614" cy="1538883"/>
-          </a:xfrm>
-          <a:prstGeom prst="rect">
-            <a:avLst/>
-          </a:prstGeom>
-          <a:noFill/>
-          <a:ln w="9525">
-            <a:noFill/>
-            <a:miter lim="800000"/>
-            <a:headEnd/>
-            <a:tailEnd/>
-          </a:ln>
-          <a:effectLst/>
-        </p:spPr>
-        <p:txBody>
-          <a:bodyPr wrap="none">
-            <a:spAutoFit/>
-          </a:bodyPr>
-          <a:lstStyle/>
-          <a:p>
-            <a:r>
-              <a:rPr lang="en-US" sz="2400" b="1" dirty="0"/>
-              <a:t>ASTM grain size number, </a:t>
-            </a:r>
-            <a:r>
-              <a:rPr lang="en-US" sz="2400" b="1" i="1" dirty="0"/>
-              <a:t>G</a:t>
-            </a:r>
-            <a:endParaRPr lang="en-US" sz="2400" b="1" dirty="0"/>
-          </a:p>
-          <a:p>
-            <a:endParaRPr lang="en-US" sz="1800" b="1" dirty="0"/>
-          </a:p>
-          <a:p>
-            <a:r>
-              <a:rPr lang="en-US" i="1" dirty="0"/>
-              <a:t>G</a:t>
-            </a:r>
-            <a:r>
-              <a:rPr lang="en-US" dirty="0"/>
-              <a:t> varies 1 to 10, with 10 being very small grains </a:t>
-            </a:r>
-            <a:endParaRPr lang="en-US" sz="2400" dirty="0"/>
-          </a:p>
-          <a:p>
-            <a:endParaRPr lang="en-US" sz="1200" dirty="0"/>
-          </a:p>
-          <a:p>
-            <a:r>
-              <a:rPr lang="en-US" i="1" dirty="0"/>
-              <a:t>n </a:t>
-            </a:r>
-            <a:r>
-              <a:rPr lang="en-US" dirty="0"/>
-              <a:t>= average number of grains/inch</a:t>
-            </a:r>
-            <a:r>
-              <a:rPr lang="en-US" baseline="30000" dirty="0"/>
-              <a:t>2</a:t>
-            </a:r>
-            <a:r>
-              <a:rPr lang="en-US" dirty="0"/>
-              <a:t> at 100X</a:t>
-            </a:r>
-          </a:p>
-        </p:txBody>
-      </p:sp>
-      <p:sp>
-        <p:nvSpPr>
-          <p:cNvPr id="59398" name="Rectangle 6"/>
-          <p:cNvSpPr>
-            <a:spLocks noChangeArrowheads="1"/>
-          </p:cNvSpPr>
-          <p:nvPr/>
-        </p:nvSpPr>
-        <p:spPr bwMode="auto">
-          <a:xfrm>
-            <a:off x="0" y="3036888"/>
-            <a:ext cx="9144000" cy="0"/>
-          </a:xfrm>
-          <a:prstGeom prst="rect">
-            <a:avLst/>
-          </a:prstGeom>
-          <a:noFill/>
-          <a:ln w="9525">
-            <a:noFill/>
-            <a:miter lim="800000"/>
-            <a:headEnd/>
-            <a:tailEnd/>
-          </a:ln>
-          <a:effectLst/>
-        </p:spPr>
-        <p:txBody>
-          <a:bodyPr wrap="none" anchor="ctr">
-            <a:spAutoFit/>
-          </a:bodyPr>
-          <a:lstStyle/>
-          <a:p>
-            <a:endParaRPr lang="en-US"/>
-          </a:p>
-        </p:txBody>
-      </p:sp>
-      <p:graphicFrame>
-        <p:nvGraphicFramePr>
-          <p:cNvPr id="59397" name="Object 5"/>
-          <p:cNvGraphicFramePr>
-            <a:graphicFrameLocks noChangeAspect="1"/>
-          </p:cNvGraphicFramePr>
-          <p:nvPr>
-            <p:extLst>
-              <p:ext uri="{D42A27DB-BD31-4B8C-83A1-F6EECF244321}">
-                <p14:modId xmlns:p14="http://schemas.microsoft.com/office/powerpoint/2010/main" val="3825037195"/>
-              </p:ext>
-            </p:extLst>
-          </p:nvPr>
-        </p:nvGraphicFramePr>
-        <p:xfrm>
-          <a:off x="1676400" y="2464394"/>
-          <a:ext cx="4222587" cy="1066800"/>
-        </p:xfrm>
-        <a:graphic>
-          <a:graphicData uri="http://schemas.openxmlformats.org/presentationml/2006/ole">
-            <mc:AlternateContent xmlns:mc="http://schemas.openxmlformats.org/markup-compatibility/2006">
-              <mc:Choice xmlns:v="urn:schemas-microsoft-com:vml" Requires="v">
-                <p:oleObj name="Equation" r:id="rId2" imgW="1650960" imgH="419040" progId="Equation.3">
-                  <p:embed/>
-                </p:oleObj>
-              </mc:Choice>
-              <mc:Fallback>
-                <p:oleObj name="Equation" r:id="rId2" imgW="1650960" imgH="419040" progId="Equation.3">
-                  <p:embed/>
-                  <p:pic>
-                    <p:nvPicPr>
-                      <p:cNvPr id="59397" name="Object 5"/>
-                      <p:cNvPicPr>
-                        <a:picLocks noChangeAspect="1" noChangeArrowheads="1"/>
-                      </p:cNvPicPr>
-                      <p:nvPr/>
-                    </p:nvPicPr>
-                    <p:blipFill>
-                      <a:blip r:embed="rId3"/>
-                      <a:srcRect/>
-                      <a:stretch>
-                        <a:fillRect/>
-                      </a:stretch>
-                    </p:blipFill>
-                    <p:spPr bwMode="auto">
-                      <a:xfrm>
-                        <a:off x="1676400" y="2464394"/>
-                        <a:ext cx="4222587" cy="1066800"/>
-                      </a:xfrm>
-                      <a:prstGeom prst="rect">
-                        <a:avLst/>
-                      </a:prstGeom>
-                      <a:noFill/>
-                    </p:spPr>
-                  </p:pic>
-                </p:oleObj>
-              </mc:Fallback>
-            </mc:AlternateContent>
-          </a:graphicData>
-        </a:graphic>
-      </p:graphicFrame>
-    </p:spTree>
-  </p:cSld>
-  <p:clrMapOvr>
-    <a:masterClrMapping/>
-  </p:clrMapOvr>
-</p:sld>
-</file>
-
-<file path=ppt/slides/slide5.xml><?xml version="1.0" encoding="utf-8"?>
-<p:sld xmlns:a="http://schemas.openxmlformats.org/drawingml/2006/main" xmlns:r="http://schemas.openxmlformats.org/officeDocument/2006/relationships" xmlns:p="http://schemas.openxmlformats.org/presentationml/2006/main">
-  <p:cSld>
-    <p:spTree>
-      <p:nvGrpSpPr>
-        <p:cNvPr id="1" name=""/>
-        <p:cNvGrpSpPr/>
-        <p:nvPr/>
-      </p:nvGrpSpPr>
-      <p:grpSpPr>
-        <a:xfrm>
-          <a:off x="0" y="0"/>
-          <a:ext cx="0" cy="0"/>
-          <a:chOff x="0" y="0"/>
-          <a:chExt cx="0" cy="0"/>
-        </a:xfrm>
-      </p:grpSpPr>
-      <p:sp>
-        <p:nvSpPr>
-          <p:cNvPr id="60421" name="Rectangle 5"/>
-          <p:cNvSpPr>
-            <a:spLocks noChangeArrowheads="1"/>
-          </p:cNvSpPr>
-          <p:nvPr/>
-        </p:nvSpPr>
-        <p:spPr bwMode="auto">
-          <a:xfrm>
-            <a:off x="914400" y="714375"/>
-            <a:ext cx="1451038" cy="461665"/>
-          </a:xfrm>
-          <a:prstGeom prst="rect">
-            <a:avLst/>
-          </a:prstGeom>
-          <a:noFill/>
-          <a:ln w="9525">
-            <a:noFill/>
-            <a:miter lim="800000"/>
-            <a:headEnd/>
-            <a:tailEnd/>
-          </a:ln>
-          <a:effectLst/>
-        </p:spPr>
-        <p:txBody>
-          <a:bodyPr wrap="none">
-            <a:spAutoFit/>
-          </a:bodyPr>
-          <a:lstStyle/>
-          <a:p>
-            <a:r>
-              <a:rPr lang="en-US" sz="2400" b="1" dirty="0"/>
-              <a:t>Example</a:t>
-            </a:r>
-          </a:p>
-        </p:txBody>
-      </p:sp>
-      <p:sp>
-        <p:nvSpPr>
-          <p:cNvPr id="60422" name="Text Box 6"/>
-          <p:cNvSpPr txBox="1">
-            <a:spLocks noChangeArrowheads="1"/>
-          </p:cNvSpPr>
-          <p:nvPr/>
-        </p:nvSpPr>
-        <p:spPr bwMode="auto">
-          <a:xfrm>
-            <a:off x="898525" y="1333500"/>
-            <a:ext cx="7254875" cy="1938992"/>
-          </a:xfrm>
-          <a:prstGeom prst="rect">
-            <a:avLst/>
-          </a:prstGeom>
-          <a:noFill/>
-          <a:ln w="9525">
-            <a:noFill/>
-            <a:miter lim="800000"/>
-            <a:headEnd/>
-            <a:tailEnd/>
-          </a:ln>
-          <a:effectLst/>
-        </p:spPr>
-        <p:txBody>
-          <a:bodyPr wrap="square">
-            <a:spAutoFit/>
-          </a:bodyPr>
-          <a:lstStyle/>
-          <a:p>
-            <a:pPr>
-              <a:lnSpc>
-                <a:spcPct val="120000"/>
-              </a:lnSpc>
-            </a:pPr>
-            <a:r>
-              <a:rPr lang="en-US" dirty="0"/>
-              <a:t>If 62.6 grains/in</a:t>
-            </a:r>
-            <a:r>
-              <a:rPr lang="en-US" sz="2400" baseline="30000" dirty="0"/>
-              <a:t>2</a:t>
-            </a:r>
-            <a:r>
-              <a:rPr lang="en-US" dirty="0"/>
-              <a:t> are counted on a photograph at 85X, what is </a:t>
-            </a:r>
-          </a:p>
-          <a:p>
-            <a:pPr>
-              <a:lnSpc>
-                <a:spcPct val="120000"/>
-              </a:lnSpc>
-            </a:pPr>
-            <a:r>
-              <a:rPr lang="en-US" dirty="0"/>
-              <a:t>the ASTM grain size number?</a:t>
-            </a:r>
-          </a:p>
-          <a:p>
-            <a:pPr>
-              <a:lnSpc>
-                <a:spcPct val="120000"/>
-              </a:lnSpc>
-            </a:pPr>
-            <a:endParaRPr lang="en-US" dirty="0"/>
-          </a:p>
-          <a:p>
-            <a:pPr>
-              <a:lnSpc>
-                <a:spcPct val="120000"/>
-              </a:lnSpc>
-            </a:pPr>
-            <a:r>
-              <a:rPr lang="en-US" dirty="0"/>
-              <a:t>We first need </a:t>
-            </a:r>
-            <a:r>
-              <a:rPr lang="en-US" i="1" dirty="0"/>
-              <a:t>N</a:t>
-            </a:r>
-            <a:r>
-              <a:rPr lang="en-US" dirty="0"/>
-              <a:t>, the number of grains/in</a:t>
-            </a:r>
-            <a:r>
-              <a:rPr lang="en-US" sz="2400" baseline="30000" dirty="0"/>
-              <a:t>2</a:t>
-            </a:r>
-            <a:r>
-              <a:rPr lang="en-US" dirty="0"/>
-              <a:t> at 100X. Compared </a:t>
-            </a:r>
-          </a:p>
-          <a:p>
-            <a:pPr>
-              <a:lnSpc>
-                <a:spcPct val="120000"/>
-              </a:lnSpc>
-            </a:pPr>
-            <a:r>
-              <a:rPr lang="en-US" dirty="0"/>
-              <a:t>to 85X, at 100X there are fewer grains by the ratio (85/100)</a:t>
-            </a:r>
-            <a:r>
-              <a:rPr lang="en-US" sz="2400" baseline="30000" dirty="0"/>
-              <a:t>2</a:t>
-            </a:r>
-            <a:r>
-              <a:rPr lang="en-US" dirty="0"/>
-              <a:t>.</a:t>
-            </a:r>
-          </a:p>
-        </p:txBody>
-      </p:sp>
-      <p:sp>
-        <p:nvSpPr>
-          <p:cNvPr id="60424" name="Rectangle 8"/>
-          <p:cNvSpPr>
-            <a:spLocks noChangeArrowheads="1"/>
-          </p:cNvSpPr>
-          <p:nvPr/>
-        </p:nvSpPr>
-        <p:spPr bwMode="auto">
-          <a:xfrm>
-            <a:off x="0" y="2465388"/>
-            <a:ext cx="9144000" cy="0"/>
-          </a:xfrm>
-          <a:prstGeom prst="rect">
-            <a:avLst/>
-          </a:prstGeom>
-          <a:noFill/>
-          <a:ln w="9525">
-            <a:noFill/>
-            <a:miter lim="800000"/>
-            <a:headEnd/>
-            <a:tailEnd/>
-          </a:ln>
-          <a:effectLst/>
-        </p:spPr>
-        <p:txBody>
-          <a:bodyPr wrap="none" anchor="ctr">
-            <a:spAutoFit/>
-          </a:bodyPr>
-          <a:lstStyle/>
-          <a:p>
-            <a:endParaRPr lang="en-US"/>
-          </a:p>
-        </p:txBody>
-      </p:sp>
-      <p:graphicFrame>
-        <p:nvGraphicFramePr>
-          <p:cNvPr id="60423" name="Object 7"/>
-          <p:cNvGraphicFramePr>
-            <a:graphicFrameLocks noChangeAspect="1"/>
-          </p:cNvGraphicFramePr>
-          <p:nvPr>
-            <p:extLst>
-              <p:ext uri="{D42A27DB-BD31-4B8C-83A1-F6EECF244321}">
-                <p14:modId xmlns:p14="http://schemas.microsoft.com/office/powerpoint/2010/main" val="2263344359"/>
-              </p:ext>
-            </p:extLst>
-          </p:nvPr>
-        </p:nvGraphicFramePr>
-        <p:xfrm>
-          <a:off x="1447800" y="3733800"/>
-          <a:ext cx="6139906" cy="2211388"/>
-        </p:xfrm>
-        <a:graphic>
-          <a:graphicData uri="http://schemas.openxmlformats.org/presentationml/2006/ole">
-            <mc:AlternateContent xmlns:mc="http://schemas.openxmlformats.org/markup-compatibility/2006">
-              <mc:Choice xmlns:v="urn:schemas-microsoft-com:vml" Requires="v">
-                <p:oleObj name="Equation" r:id="rId2" imgW="2539800" imgH="914400" progId="Equation.3">
-                  <p:embed/>
-                </p:oleObj>
-              </mc:Choice>
-              <mc:Fallback>
-                <p:oleObj name="Equation" r:id="rId2" imgW="2539800" imgH="914400" progId="Equation.3">
-                  <p:embed/>
-                  <p:pic>
-                    <p:nvPicPr>
-                      <p:cNvPr id="60423" name="Object 7"/>
-                      <p:cNvPicPr>
-                        <a:picLocks noChangeAspect="1" noChangeArrowheads="1"/>
-                      </p:cNvPicPr>
-                      <p:nvPr/>
-                    </p:nvPicPr>
-                    <p:blipFill>
-                      <a:blip r:embed="rId3"/>
-                      <a:srcRect/>
-                      <a:stretch>
-                        <a:fillRect/>
-                      </a:stretch>
-                    </p:blipFill>
-                    <p:spPr bwMode="auto">
-                      <a:xfrm>
-                        <a:off x="1447800" y="3733800"/>
-                        <a:ext cx="6139906" cy="2211388"/>
-                      </a:xfrm>
-                      <a:prstGeom prst="rect">
-                        <a:avLst/>
-                      </a:prstGeom>
-                      <a:noFill/>
-                    </p:spPr>
-                  </p:pic>
-                </p:oleObj>
-              </mc:Fallback>
-            </mc:AlternateContent>
-          </a:graphicData>
-        </a:graphic>
-      </p:graphicFrame>
-    </p:spTree>
-  </p:cSld>
-  <p:clrMapOvr>
-    <a:masterClrMapping/>
-  </p:clrMapOvr>
-  <p:transition advClick="0"/>
-</p:sld>
-</file>
-
-<file path=ppt/slides/slide6.xml><?xml version="1.0" encoding="utf-8"?>
 <p:sld xmlns:a="http://schemas.openxmlformats.org/drawingml/2006/main" xmlns:r="http://schemas.openxmlformats.org/officeDocument/2006/relationships" xmlns:p="http://schemas.openxmlformats.org/presentationml/2006/main">
   <p:cSld>
     <p:bg>
@@ -5495,12 +5119,12 @@
           <a:chExt cx="0" cy="0"/>
         </a:xfrm>
       </p:grpSpPr>
-      <p:sp useBgFill="1">
-        <p:nvSpPr>
-          <p:cNvPr id="86020" name="Rectangle 75">
+      <p:sp>
+        <p:nvSpPr>
+          <p:cNvPr id="34" name="Rectangle 12">
             <a:extLst>
               <a:ext uri="{FF2B5EF4-FFF2-40B4-BE49-F238E27FC236}">
-                <a16:creationId xmlns:a16="http://schemas.microsoft.com/office/drawing/2014/main" id="{F0FAE728-C5A9-4B0F-B89E-F4BED82505A6}"/>
+                <a16:creationId xmlns:a16="http://schemas.microsoft.com/office/drawing/2014/main" id="{6F79B0DD-2C63-4EE5-804F-B8E391FC1E45}"/>
               </a:ext>
               <a:ext uri="{C183D7F6-B498-43B3-948B-1728B52AA6E4}">
                 <adec:decorative xmlns:adec="http://schemas.microsoft.com/office/drawing/2017/decorative" val="1"/>
@@ -5520,31 +5144,21 @@
         </p:nvSpPr>
         <p:spPr>
           <a:xfrm>
-            <a:off x="0" y="0"/>
+            <a:off x="2352" y="0"/>
             <a:ext cx="9144000" cy="6858000"/>
           </a:xfrm>
           <a:prstGeom prst="rect">
             <a:avLst/>
           </a:prstGeom>
-          <a:ln w="12700" cap="flat" cmpd="sng" algn="ctr">
+          <a:solidFill>
+            <a:schemeClr val="bg1">
+              <a:lumMod val="75000"/>
+              <a:alpha val="80000"/>
+            </a:schemeClr>
+          </a:solidFill>
+          <a:ln>
             <a:noFill/>
-            <a:prstDash val="solid"/>
-            <a:miter lim="800000"/>
           </a:ln>
-          <a:effectLst/>
-          <a:extLst>
-            <a:ext uri="{91240B29-F687-4F45-9708-019B960494DF}">
-              <a14:hiddenLine xmlns:a14="http://schemas.microsoft.com/office/drawing/2010/main" w="12700" cap="flat" cmpd="sng" algn="ctr">
-                <a:solidFill>
-                  <a:schemeClr val="accent1">
-                    <a:shade val="50000"/>
-                  </a:schemeClr>
-                </a:solidFill>
-                <a:prstDash val="solid"/>
-                <a:miter lim="800000"/>
-              </a14:hiddenLine>
-            </a:ext>
-          </a:extLst>
         </p:spPr>
         <p:style>
           <a:lnRef idx="2">
@@ -5571,21 +5185,21 @@
           </a:p>
         </p:txBody>
       </p:sp>
-      <p:grpSp>
-        <p:nvGrpSpPr>
-          <p:cNvPr id="86021" name="Group 77">
+      <p:sp>
+        <p:nvSpPr>
+          <p:cNvPr id="35" name="Rectangle 14">
             <a:extLst>
               <a:ext uri="{FF2B5EF4-FFF2-40B4-BE49-F238E27FC236}">
-                <a16:creationId xmlns:a16="http://schemas.microsoft.com/office/drawing/2014/main" id="{F938B951-7EFC-40A2-B198-E73D39DFB3FC}"/>
+                <a16:creationId xmlns:a16="http://schemas.microsoft.com/office/drawing/2014/main" id="{627DB8AB-CD55-4C8F-9043-52652B89231A}"/>
               </a:ext>
               <a:ext uri="{C183D7F6-B498-43B3-948B-1728B52AA6E4}">
                 <adec:decorative xmlns:adec="http://schemas.microsoft.com/office/drawing/2017/decorative" val="1"/>
               </a:ext>
             </a:extLst>
           </p:cNvPr>
-          <p:cNvGrpSpPr>
-            <a:grpSpLocks noGrp="1" noUngrp="1" noRot="1" noChangeAspect="1" noMove="1" noResize="1"/>
-          </p:cNvGrpSpPr>
+          <p:cNvSpPr>
+            <a:spLocks noGrp="1" noRot="1" noChangeAspect="1" noMove="1" noResize="1" noEditPoints="1" noAdjustHandles="1" noChangeArrowheads="1" noChangeShapeType="1" noTextEdit="1"/>
+          </p:cNvSpPr>
           <p:nvPr>
             <p:extLst>
               <p:ext uri="{386F3935-93C4-4BCD-93E2-E3B085C9AB24}">
@@ -5593,343 +5207,2476 @@
               </p:ext>
             </p:extLst>
           </p:nvPr>
-        </p:nvGrpSpPr>
-        <p:grpSpPr>
+        </p:nvSpPr>
+        <p:spPr>
           <a:xfrm>
-            <a:off x="0" y="0"/>
-            <a:ext cx="9144000" cy="6858000"/>
-            <a:chOff x="0" y="0"/>
-            <a:chExt cx="12192000" cy="6858000"/>
+            <a:off x="482599" y="643466"/>
+            <a:ext cx="4023191" cy="2706794"/>
           </a:xfrm>
-        </p:grpSpPr>
-        <p:sp>
-          <p:nvSpPr>
-            <p:cNvPr id="79" name="Rectangle 78">
-              <a:extLst>
-                <a:ext uri="{FF2B5EF4-FFF2-40B4-BE49-F238E27FC236}">
-                  <a16:creationId xmlns:a16="http://schemas.microsoft.com/office/drawing/2014/main" id="{92E4506E-6A0E-49A0-BC31-8CADBFF3ECCF}"/>
-                </a:ext>
-                <a:ext uri="{C183D7F6-B498-43B3-948B-1728B52AA6E4}">
-                  <adec:decorative xmlns:adec="http://schemas.microsoft.com/office/drawing/2017/decorative" val="1"/>
-                </a:ext>
-              </a:extLst>
-            </p:cNvPr>
-            <p:cNvSpPr/>
-            <p:nvPr>
-              <p:extLst>
-                <p:ext uri="{386F3935-93C4-4BCD-93E2-E3B085C9AB24}">
-                  <p16:designElem xmlns:p16="http://schemas.microsoft.com/office/powerpoint/2015/main" val="1"/>
-                </p:ext>
-              </p:extLst>
-            </p:nvPr>
-          </p:nvSpPr>
-          <p:spPr>
-            <a:xfrm>
-              <a:off x="0" y="0"/>
-              <a:ext cx="12192000" cy="6858000"/>
-            </a:xfrm>
-            <a:prstGeom prst="rect">
-              <a:avLst/>
-            </a:prstGeom>
-            <a:solidFill>
-              <a:schemeClr val="bg1">
-                <a:lumMod val="95000"/>
-              </a:schemeClr>
-            </a:solidFill>
-            <a:ln>
-              <a:noFill/>
-            </a:ln>
-          </p:spPr>
-          <p:style>
-            <a:lnRef idx="2">
-              <a:schemeClr val="accent1">
-                <a:shade val="50000"/>
-              </a:schemeClr>
-            </a:lnRef>
-            <a:fillRef idx="1">
-              <a:schemeClr val="accent1"/>
-            </a:fillRef>
-            <a:effectRef idx="0">
-              <a:schemeClr val="accent1"/>
-            </a:effectRef>
-            <a:fontRef idx="minor">
-              <a:schemeClr val="lt1"/>
-            </a:fontRef>
-          </p:style>
-          <p:txBody>
-            <a:bodyPr rtlCol="0" anchor="ctr"/>
-            <a:lstStyle/>
-            <a:p>
-              <a:pPr algn="ctr"/>
-              <a:endParaRPr lang="en-US"/>
-            </a:p>
-          </p:txBody>
-        </p:sp>
-        <p:sp>
-          <p:nvSpPr>
-            <p:cNvPr id="86022" name="Rectangle 79">
-              <a:extLst>
-                <a:ext uri="{FF2B5EF4-FFF2-40B4-BE49-F238E27FC236}">
-                  <a16:creationId xmlns:a16="http://schemas.microsoft.com/office/drawing/2014/main" id="{EEED4D51-65BF-4AEE-B596-7CB61A70B966}"/>
-                </a:ext>
-                <a:ext uri="{C183D7F6-B498-43B3-948B-1728B52AA6E4}">
-                  <adec:decorative xmlns:adec="http://schemas.microsoft.com/office/drawing/2017/decorative" val="1"/>
-                </a:ext>
-              </a:extLst>
-            </p:cNvPr>
-            <p:cNvSpPr/>
-            <p:nvPr>
-              <p:extLst>
-                <p:ext uri="{386F3935-93C4-4BCD-93E2-E3B085C9AB24}">
-                  <p16:designElem xmlns:p16="http://schemas.microsoft.com/office/powerpoint/2015/main" val="1"/>
-                </p:ext>
-              </p:extLst>
-            </p:nvPr>
-          </p:nvSpPr>
-          <p:spPr>
-            <a:xfrm>
-              <a:off x="0" y="0"/>
-              <a:ext cx="12192000" cy="6858000"/>
-            </a:xfrm>
-            <a:prstGeom prst="rect">
-              <a:avLst/>
-            </a:prstGeom>
-            <a:solidFill>
-              <a:schemeClr val="accent4">
-                <a:lumMod val="75000"/>
-                <a:alpha val="7000"/>
-              </a:schemeClr>
-            </a:solidFill>
-            <a:ln>
-              <a:noFill/>
-            </a:ln>
-          </p:spPr>
-          <p:style>
-            <a:lnRef idx="2">
-              <a:schemeClr val="accent1">
-                <a:shade val="50000"/>
-              </a:schemeClr>
-            </a:lnRef>
-            <a:fillRef idx="1">
-              <a:schemeClr val="accent1"/>
-            </a:fillRef>
-            <a:effectRef idx="0">
-              <a:schemeClr val="accent1"/>
-            </a:effectRef>
-            <a:fontRef idx="minor">
-              <a:schemeClr val="lt1"/>
-            </a:fontRef>
-          </p:style>
-          <p:txBody>
-            <a:bodyPr rtlCol="0" anchor="ctr"/>
-            <a:lstStyle/>
-            <a:p>
-              <a:pPr algn="ctr"/>
-              <a:endParaRPr lang="en-US"/>
-            </a:p>
-          </p:txBody>
-        </p:sp>
-      </p:grpSp>
-      <p:sp>
-        <p:nvSpPr>
-          <p:cNvPr id="47109" name="Text Box 5"/>
-          <p:cNvSpPr txBox="1">
-            <a:spLocks noChangeArrowheads="1"/>
-          </p:cNvSpPr>
-          <p:nvPr/>
-        </p:nvSpPr>
-        <p:spPr bwMode="auto">
+          <a:prstGeom prst="rect">
+            <a:avLst/>
+          </a:prstGeom>
+          <a:solidFill>
+            <a:srgbClr val="FFFFFF"/>
+          </a:solidFill>
+          <a:ln w="9525">
+            <a:noFill/>
+          </a:ln>
+          <a:effectLst>
+            <a:outerShdw blurRad="63500" dist="17780" dir="5400000" algn="t" rotWithShape="0">
+              <a:prstClr val="black">
+                <a:alpha val="43000"/>
+              </a:prstClr>
+            </a:outerShdw>
+          </a:effectLst>
+        </p:spPr>
+        <p:style>
+          <a:lnRef idx="2">
+            <a:schemeClr val="accent1">
+              <a:shade val="50000"/>
+            </a:schemeClr>
+          </a:lnRef>
+          <a:fillRef idx="1">
+            <a:schemeClr val="accent1"/>
+          </a:fillRef>
+          <a:effectRef idx="0">
+            <a:schemeClr val="accent1"/>
+          </a:effectRef>
+          <a:fontRef idx="minor">
+            <a:schemeClr val="lt1"/>
+          </a:fontRef>
+        </p:style>
+        <p:txBody>
+          <a:bodyPr rtlCol="0" anchor="ctr"/>
+          <a:lstStyle/>
+          <a:p>
+            <a:pPr algn="ctr"/>
+            <a:endParaRPr lang="en-US"/>
+          </a:p>
+        </p:txBody>
+      </p:sp>
+      <p:sp>
+        <p:nvSpPr>
+          <p:cNvPr id="36" name="Rectangle 16">
+            <a:extLst>
+              <a:ext uri="{FF2B5EF4-FFF2-40B4-BE49-F238E27FC236}">
+                <a16:creationId xmlns:a16="http://schemas.microsoft.com/office/drawing/2014/main" id="{53059C5A-91CB-4024-9B4E-20082E25C70B}"/>
+              </a:ext>
+              <a:ext uri="{C183D7F6-B498-43B3-948B-1728B52AA6E4}">
+                <adec:decorative xmlns:adec="http://schemas.microsoft.com/office/drawing/2017/decorative" val="1"/>
+              </a:ext>
+            </a:extLst>
+          </p:cNvPr>
+          <p:cNvSpPr>
+            <a:spLocks noGrp="1" noRot="1" noChangeAspect="1" noMove="1" noResize="1" noEditPoints="1" noAdjustHandles="1" noChangeArrowheads="1" noChangeShapeType="1" noTextEdit="1"/>
+          </p:cNvSpPr>
+          <p:nvPr>
+            <p:extLst>
+              <p:ext uri="{386F3935-93C4-4BCD-93E2-E3B085C9AB24}">
+                <p16:designElem xmlns:p16="http://schemas.microsoft.com/office/powerpoint/2015/main" val="1"/>
+              </p:ext>
+            </p:extLst>
+          </p:nvPr>
+        </p:nvSpPr>
+        <p:spPr>
           <a:xfrm>
-            <a:off x="413147" y="366639"/>
-            <a:ext cx="8317705" cy="675441"/>
+            <a:off x="4626441" y="643466"/>
+            <a:ext cx="4032605" cy="2706794"/>
+          </a:xfrm>
+          <a:prstGeom prst="rect">
+            <a:avLst/>
+          </a:prstGeom>
+          <a:solidFill>
+            <a:srgbClr val="FFFFFF"/>
+          </a:solidFill>
+          <a:ln w="9525">
+            <a:noFill/>
+          </a:ln>
+          <a:effectLst>
+            <a:outerShdw blurRad="63500" dist="17780" dir="5400000" algn="t" rotWithShape="0">
+              <a:prstClr val="black">
+                <a:alpha val="43000"/>
+              </a:prstClr>
+            </a:outerShdw>
+          </a:effectLst>
+        </p:spPr>
+        <p:style>
+          <a:lnRef idx="2">
+            <a:schemeClr val="accent1">
+              <a:shade val="50000"/>
+            </a:schemeClr>
+          </a:lnRef>
+          <a:fillRef idx="1">
+            <a:schemeClr val="accent1"/>
+          </a:fillRef>
+          <a:effectRef idx="0">
+            <a:schemeClr val="accent1"/>
+          </a:effectRef>
+          <a:fontRef idx="minor">
+            <a:schemeClr val="lt1"/>
+          </a:fontRef>
+        </p:style>
+        <p:txBody>
+          <a:bodyPr rtlCol="0" anchor="ctr"/>
+          <a:lstStyle/>
+          <a:p>
+            <a:pPr algn="ctr"/>
+            <a:endParaRPr lang="en-US"/>
+          </a:p>
+        </p:txBody>
+      </p:sp>
+      <p:pic>
+        <p:nvPicPr>
+          <p:cNvPr id="7" name="TheoreticalStrength.mpg">
+            <a:hlinkClick r:id="" action="ppaction://media"/>
+            <a:extLst>
+              <a:ext uri="{FF2B5EF4-FFF2-40B4-BE49-F238E27FC236}">
+                <a16:creationId xmlns:a16="http://schemas.microsoft.com/office/drawing/2014/main" id="{D00487CB-E47C-496B-A767-4E667BC60CB3}"/>
+              </a:ext>
+            </a:extLst>
+          </p:cNvPr>
+          <p:cNvPicPr>
+            <a:picLocks noChangeAspect="1"/>
+          </p:cNvPicPr>
+          <p:nvPr>
+            <a:videoFile r:link="rId2"/>
+            <p:extLst>
+              <p:ext uri="{DAA4B4D4-6D71-4841-9C94-3DE7FCFB9230}">
+                <p14:media xmlns:p14="http://schemas.microsoft.com/office/powerpoint/2010/main" r:embed="rId1"/>
+              </p:ext>
+            </p:extLst>
+          </p:nvPr>
+        </p:nvPicPr>
+        <p:blipFill rotWithShape="1">
+          <a:blip r:embed="rId9" cstate="print"/>
+          <a:srcRect l="6266" t="11186" r="2689" b="17177"/>
+          <a:stretch/>
+        </p:blipFill>
+        <p:spPr>
+          <a:xfrm>
+            <a:off x="893756" y="966713"/>
+            <a:ext cx="3200400" cy="2060298"/>
           </a:xfrm>
           <a:prstGeom prst="rect">
             <a:avLst/>
           </a:prstGeom>
         </p:spPr>
-        <p:txBody>
-          <a:bodyPr vert="horz" wrap="square" lIns="91440" tIns="45720" rIns="91440" bIns="45720" rtlCol="0" anchor="t">
-            <a:normAutofit/>
-          </a:bodyPr>
-          <a:lstStyle/>
-          <a:p>
-            <a:pPr>
-              <a:lnSpc>
-                <a:spcPct val="90000"/>
-              </a:lnSpc>
-              <a:spcAft>
-                <a:spcPts val="600"/>
-              </a:spcAft>
-            </a:pPr>
-            <a:r>
-              <a:rPr lang="en-US" sz="3700" b="1" dirty="0">
-                <a:latin typeface="+mj-lt"/>
-                <a:ea typeface="+mj-ea"/>
-                <a:cs typeface="+mj-cs"/>
-              </a:rPr>
-              <a:t>Twin boundaries </a:t>
-            </a:r>
-          </a:p>
-        </p:txBody>
-      </p:sp>
-      <p:pic>
-        <p:nvPicPr>
-          <p:cNvPr id="47108" name="Picture 4" descr="twin boundary"/>
-          <p:cNvPicPr>
-            <a:picLocks noChangeAspect="1" noChangeArrowheads="1"/>
-          </p:cNvPicPr>
-          <p:nvPr/>
-        </p:nvPicPr>
-        <p:blipFill rotWithShape="1">
-          <a:blip r:embed="rId4" cstate="print"/>
-          <a:srcRect l="2469" t="6967" r="4938" b="19765"/>
-          <a:stretch/>
-        </p:blipFill>
-        <p:spPr bwMode="auto">
+      </p:pic>
+      <p:sp>
+        <p:nvSpPr>
+          <p:cNvPr id="37" name="Rectangle 18">
+            <a:extLst>
+              <a:ext uri="{FF2B5EF4-FFF2-40B4-BE49-F238E27FC236}">
+                <a16:creationId xmlns:a16="http://schemas.microsoft.com/office/drawing/2014/main" id="{184884BF-A898-4EFF-9504-E13EBE3FF62E}"/>
+              </a:ext>
+              <a:ext uri="{C183D7F6-B498-43B3-948B-1728B52AA6E4}">
+                <adec:decorative xmlns:adec="http://schemas.microsoft.com/office/drawing/2017/decorative" val="1"/>
+              </a:ext>
+            </a:extLst>
+          </p:cNvPr>
+          <p:cNvSpPr>
+            <a:spLocks noGrp="1" noRot="1" noChangeAspect="1" noMove="1" noResize="1" noEditPoints="1" noAdjustHandles="1" noChangeArrowheads="1" noChangeShapeType="1" noTextEdit="1"/>
+          </p:cNvSpPr>
+          <p:nvPr>
+            <p:extLst>
+              <p:ext uri="{386F3935-93C4-4BCD-93E2-E3B085C9AB24}">
+                <p16:designElem xmlns:p16="http://schemas.microsoft.com/office/powerpoint/2015/main" val="1"/>
+              </p:ext>
+            </p:extLst>
+          </p:nvPr>
+        </p:nvSpPr>
+        <p:spPr>
           <a:xfrm>
-            <a:off x="4750715" y="3159505"/>
-            <a:ext cx="4405317" cy="3088896"/>
+            <a:off x="482599" y="3514513"/>
+            <a:ext cx="4023191" cy="2703406"/>
           </a:xfrm>
           <a:prstGeom prst="rect">
             <a:avLst/>
           </a:prstGeom>
-          <a:noFill/>
+          <a:solidFill>
+            <a:srgbClr val="FFFFFF"/>
+          </a:solidFill>
+          <a:ln w="9525">
+            <a:noFill/>
+          </a:ln>
           <a:effectLst>
-            <a:outerShdw blurRad="508000" dist="101600" dir="5400000" algn="tl" rotWithShape="0">
+            <a:outerShdw blurRad="63500" dist="17780" dir="5400000" algn="t" rotWithShape="0">
               <a:prstClr val="black">
-                <a:alpha val="10000"/>
+                <a:alpha val="43000"/>
               </a:prstClr>
             </a:outerShdw>
           </a:effectLst>
         </p:spPr>
-      </p:pic>
+        <p:style>
+          <a:lnRef idx="2">
+            <a:schemeClr val="accent1">
+              <a:shade val="50000"/>
+            </a:schemeClr>
+          </a:lnRef>
+          <a:fillRef idx="1">
+            <a:schemeClr val="accent1"/>
+          </a:fillRef>
+          <a:effectRef idx="0">
+            <a:schemeClr val="accent1"/>
+          </a:effectRef>
+          <a:fontRef idx="minor">
+            <a:schemeClr val="lt1"/>
+          </a:fontRef>
+        </p:style>
+        <p:txBody>
+          <a:bodyPr rtlCol="0" anchor="ctr"/>
+          <a:lstStyle/>
+          <a:p>
+            <a:pPr algn="ctr"/>
+            <a:endParaRPr lang="en-US"/>
+          </a:p>
+        </p:txBody>
+      </p:sp>
+      <p:sp>
+        <p:nvSpPr>
+          <p:cNvPr id="38" name="Rectangle 20">
+            <a:extLst>
+              <a:ext uri="{FF2B5EF4-FFF2-40B4-BE49-F238E27FC236}">
+                <a16:creationId xmlns:a16="http://schemas.microsoft.com/office/drawing/2014/main" id="{7B32D337-FDA6-4468-ADB1-7038E5FC0BA9}"/>
+              </a:ext>
+              <a:ext uri="{C183D7F6-B498-43B3-948B-1728B52AA6E4}">
+                <adec:decorative xmlns:adec="http://schemas.microsoft.com/office/drawing/2017/decorative" val="1"/>
+              </a:ext>
+            </a:extLst>
+          </p:cNvPr>
+          <p:cNvSpPr>
+            <a:spLocks noGrp="1" noRot="1" noChangeAspect="1" noMove="1" noResize="1" noEditPoints="1" noAdjustHandles="1" noChangeArrowheads="1" noChangeShapeType="1" noTextEdit="1"/>
+          </p:cNvSpPr>
+          <p:nvPr>
+            <p:extLst>
+              <p:ext uri="{386F3935-93C4-4BCD-93E2-E3B085C9AB24}">
+                <p16:designElem xmlns:p16="http://schemas.microsoft.com/office/powerpoint/2015/main" val="1"/>
+              </p:ext>
+            </p:extLst>
+          </p:nvPr>
+        </p:nvSpPr>
+        <p:spPr>
+          <a:xfrm>
+            <a:off x="4626441" y="3514513"/>
+            <a:ext cx="4032605" cy="2706794"/>
+          </a:xfrm>
+          <a:prstGeom prst="rect">
+            <a:avLst/>
+          </a:prstGeom>
+          <a:solidFill>
+            <a:srgbClr val="FFFFFF"/>
+          </a:solidFill>
+          <a:ln w="9525">
+            <a:noFill/>
+          </a:ln>
+          <a:effectLst>
+            <a:outerShdw blurRad="63500" dist="17780" dir="5400000" algn="t" rotWithShape="0">
+              <a:prstClr val="black">
+                <a:alpha val="43000"/>
+              </a:prstClr>
+            </a:outerShdw>
+          </a:effectLst>
+        </p:spPr>
+        <p:style>
+          <a:lnRef idx="2">
+            <a:schemeClr val="accent1">
+              <a:shade val="50000"/>
+            </a:schemeClr>
+          </a:lnRef>
+          <a:fillRef idx="1">
+            <a:schemeClr val="accent1"/>
+          </a:fillRef>
+          <a:effectRef idx="0">
+            <a:schemeClr val="accent1"/>
+          </a:effectRef>
+          <a:fontRef idx="minor">
+            <a:schemeClr val="lt1"/>
+          </a:fontRef>
+        </p:style>
+        <p:txBody>
+          <a:bodyPr rtlCol="0" anchor="ctr"/>
+          <a:lstStyle/>
+          <a:p>
+            <a:pPr algn="ctr"/>
+            <a:endParaRPr lang="en-US"/>
+          </a:p>
+        </p:txBody>
+      </p:sp>
       <p:pic>
         <p:nvPicPr>
-          <p:cNvPr id="86018" name="Picture 2" descr="Two results of grain boundary detection on TEM-images: input ...">
+          <p:cNvPr id="8" name="edge under shear.mpg">
+            <a:hlinkClick r:id="" action="ppaction://media"/>
             <a:extLst>
               <a:ext uri="{FF2B5EF4-FFF2-40B4-BE49-F238E27FC236}">
-                <a16:creationId xmlns:a16="http://schemas.microsoft.com/office/drawing/2014/main" id="{7208A407-56DB-463A-8487-31126AC5C1C0}"/>
+                <a16:creationId xmlns:a16="http://schemas.microsoft.com/office/drawing/2014/main" id="{0C0F8B3E-54AA-4F60-BB26-FDE496C6343C}"/>
               </a:ext>
             </a:extLst>
           </p:cNvPr>
           <p:cNvPicPr>
+            <a:picLocks noChangeAspect="1"/>
+          </p:cNvPicPr>
+          <p:nvPr>
+            <a:videoFile r:link="rId4"/>
+            <p:extLst>
+              <p:ext uri="{DAA4B4D4-6D71-4841-9C94-3DE7FCFB9230}">
+                <p14:media xmlns:p14="http://schemas.microsoft.com/office/powerpoint/2010/main" r:embed="rId3"/>
+              </p:ext>
+            </p:extLst>
+          </p:nvPr>
+        </p:nvPicPr>
+        <p:blipFill>
+          <a:blip r:embed="rId10" cstate="print"/>
+          <a:stretch>
+            <a:fillRect/>
+          </a:stretch>
+        </p:blipFill>
+        <p:spPr>
+          <a:xfrm>
+            <a:off x="5272612" y="831710"/>
+            <a:ext cx="2848151" cy="2330305"/>
+          </a:xfrm>
+          <a:prstGeom prst="rect">
+            <a:avLst/>
+          </a:prstGeom>
+        </p:spPr>
+      </p:pic>
+      <p:pic>
+        <p:nvPicPr>
+          <p:cNvPr id="2" name="Online Media 1" title="Dislocation glide">
+            <a:hlinkClick r:id="" action="ppaction://media"/>
+            <a:extLst>
+              <a:ext uri="{FF2B5EF4-FFF2-40B4-BE49-F238E27FC236}">
+                <a16:creationId xmlns:a16="http://schemas.microsoft.com/office/drawing/2014/main" id="{4BE029CA-7D88-4D8C-AEBA-DC117C83BE0C}"/>
+              </a:ext>
+            </a:extLst>
+          </p:cNvPr>
+          <p:cNvPicPr>
+            <a:picLocks noRot="1" noChangeAspect="1"/>
+          </p:cNvPicPr>
+          <p:nvPr>
+            <a:videoFile r:link="rId5"/>
+          </p:nvPr>
+        </p:nvPicPr>
+        <p:blipFill>
+          <a:blip r:embed="rId11"/>
+          <a:stretch>
+            <a:fillRect/>
+          </a:stretch>
+        </p:blipFill>
+        <p:spPr>
+          <a:xfrm>
+            <a:off x="304800" y="135748"/>
+            <a:ext cx="7711673" cy="5783755"/>
+          </a:xfrm>
+          <a:prstGeom prst="rect">
+            <a:avLst/>
+          </a:prstGeom>
+        </p:spPr>
+      </p:pic>
+      <p:pic>
+        <p:nvPicPr>
+          <p:cNvPr id="4" name="Online Media 1" title="Bubble Raft Model - part 1">
+            <a:hlinkClick r:id="" action="ppaction://media"/>
+            <a:extLst>
+              <a:ext uri="{FF2B5EF4-FFF2-40B4-BE49-F238E27FC236}">
+                <a16:creationId xmlns:a16="http://schemas.microsoft.com/office/drawing/2014/main" id="{7C9C8180-0FA4-4A6A-818D-07E82D35ED37}"/>
+              </a:ext>
+            </a:extLst>
+          </p:cNvPr>
+          <p:cNvPicPr>
+            <a:picLocks noRot="1" noChangeAspect="1"/>
+          </p:cNvPicPr>
+          <p:nvPr>
+            <a:videoFile r:link="rId6"/>
+          </p:nvPr>
+        </p:nvPicPr>
+        <p:blipFill>
+          <a:blip r:embed="rId12"/>
+          <a:stretch>
+            <a:fillRect/>
+          </a:stretch>
+        </p:blipFill>
+        <p:spPr>
+          <a:xfrm>
+            <a:off x="1120424" y="3810000"/>
+            <a:ext cx="2781820" cy="2086365"/>
+          </a:xfrm>
+          <a:prstGeom prst="rect">
+            <a:avLst/>
+          </a:prstGeom>
+        </p:spPr>
+      </p:pic>
+    </p:spTree>
+    <p:extLst>
+      <p:ext uri="{BB962C8B-B14F-4D97-AF65-F5344CB8AC3E}">
+        <p14:creationId xmlns:p14="http://schemas.microsoft.com/office/powerpoint/2010/main" val="2198078673"/>
+      </p:ext>
+    </p:extLst>
+  </p:cSld>
+  <p:clrMapOvr>
+    <a:masterClrMapping/>
+  </p:clrMapOvr>
+  <p:timing>
+    <p:tnLst>
+      <p:par>
+        <p:cTn id="1" dur="indefinite" restart="never" nodeType="tmRoot">
+          <p:childTnLst>
+            <p:video>
+              <p:cMediaNode vol="80000">
+                <p:cTn id="2" fill="hold" display="0">
+                  <p:stCondLst>
+                    <p:cond delay="indefinite"/>
+                  </p:stCondLst>
+                </p:cTn>
+                <p:tgtEl>
+                  <p:spTgt spid="2"/>
+                </p:tgtEl>
+              </p:cMediaNode>
+            </p:video>
+            <p:video>
+              <p:cMediaNode vol="80000">
+                <p:cTn id="3" fill="hold" display="0">
+                  <p:stCondLst>
+                    <p:cond delay="indefinite"/>
+                  </p:stCondLst>
+                </p:cTn>
+                <p:tgtEl>
+                  <p:spTgt spid="4"/>
+                </p:tgtEl>
+              </p:cMediaNode>
+            </p:video>
+            <p:video>
+              <p:cMediaNode>
+                <p:cTn id="4" fill="hold" display="0">
+                  <p:stCondLst>
+                    <p:cond delay="indefinite"/>
+                  </p:stCondLst>
+                  <p:endCondLst>
+                    <p:cond evt="onNext" delay="0">
+                      <p:tgtEl>
+                        <p:sldTgt/>
+                      </p:tgtEl>
+                    </p:cond>
+                    <p:cond evt="onPrev" delay="0">
+                      <p:tgtEl>
+                        <p:sldTgt/>
+                      </p:tgtEl>
+                    </p:cond>
+                  </p:endCondLst>
+                </p:cTn>
+                <p:tgtEl>
+                  <p:spTgt spid="7"/>
+                </p:tgtEl>
+              </p:cMediaNode>
+            </p:video>
+            <p:video>
+              <p:cMediaNode>
+                <p:cTn id="5" fill="hold" display="0">
+                  <p:stCondLst>
+                    <p:cond delay="indefinite"/>
+                  </p:stCondLst>
+                  <p:endCondLst>
+                    <p:cond evt="onNext" delay="0">
+                      <p:tgtEl>
+                        <p:sldTgt/>
+                      </p:tgtEl>
+                    </p:cond>
+                    <p:cond evt="onPrev" delay="0">
+                      <p:tgtEl>
+                        <p:sldTgt/>
+                      </p:tgtEl>
+                    </p:cond>
+                  </p:endCondLst>
+                </p:cTn>
+                <p:tgtEl>
+                  <p:spTgt spid="8"/>
+                </p:tgtEl>
+              </p:cMediaNode>
+            </p:video>
+          </p:childTnLst>
+        </p:cTn>
+      </p:par>
+    </p:tnLst>
+  </p:timing>
+</p:sld>
+</file>
+
+<file path=ppt/slides/slide3.xml><?xml version="1.0" encoding="utf-8"?>
+<p:sld xmlns:a="http://schemas.openxmlformats.org/drawingml/2006/main" xmlns:r="http://schemas.openxmlformats.org/officeDocument/2006/relationships" xmlns:p="http://schemas.openxmlformats.org/presentationml/2006/main">
+  <p:cSld>
+    <p:bg>
+      <p:bgPr>
+        <a:solidFill>
+          <a:schemeClr val="bg1"/>
+        </a:solidFill>
+        <a:effectLst/>
+      </p:bgPr>
+    </p:bg>
+    <p:spTree>
+      <p:nvGrpSpPr>
+        <p:cNvPr id="1" name=""/>
+        <p:cNvGrpSpPr/>
+        <p:nvPr/>
+      </p:nvGrpSpPr>
+      <p:grpSpPr>
+        <a:xfrm>
+          <a:off x="0" y="0"/>
+          <a:ext cx="0" cy="0"/>
+          <a:chOff x="0" y="0"/>
+          <a:chExt cx="0" cy="0"/>
+        </a:xfrm>
+      </p:grpSpPr>
+      <p:sp>
+        <p:nvSpPr>
+          <p:cNvPr id="34" name="Rectangle 12">
+            <a:extLst>
+              <a:ext uri="{FF2B5EF4-FFF2-40B4-BE49-F238E27FC236}">
+                <a16:creationId xmlns:a16="http://schemas.microsoft.com/office/drawing/2014/main" id="{6F79B0DD-2C63-4EE5-804F-B8E391FC1E45}"/>
+              </a:ext>
+              <a:ext uri="{C183D7F6-B498-43B3-948B-1728B52AA6E4}">
+                <adec:decorative xmlns:adec="http://schemas.microsoft.com/office/drawing/2017/decorative" val="1"/>
+              </a:ext>
+            </a:extLst>
+          </p:cNvPr>
+          <p:cNvSpPr>
+            <a:spLocks noGrp="1" noRot="1" noChangeAspect="1" noMove="1" noResize="1" noEditPoints="1" noAdjustHandles="1" noChangeArrowheads="1" noChangeShapeType="1" noTextEdit="1"/>
+          </p:cNvSpPr>
+          <p:nvPr>
+            <p:extLst>
+              <p:ext uri="{386F3935-93C4-4BCD-93E2-E3B085C9AB24}">
+                <p16:designElem xmlns:p16="http://schemas.microsoft.com/office/powerpoint/2015/main" val="1"/>
+              </p:ext>
+            </p:extLst>
+          </p:nvPr>
+        </p:nvSpPr>
+        <p:spPr>
+          <a:xfrm>
+            <a:off x="2352" y="0"/>
+            <a:ext cx="9144000" cy="6858000"/>
+          </a:xfrm>
+          <a:prstGeom prst="rect">
+            <a:avLst/>
+          </a:prstGeom>
+          <a:solidFill>
+            <a:schemeClr val="bg1">
+              <a:lumMod val="75000"/>
+              <a:alpha val="80000"/>
+            </a:schemeClr>
+          </a:solidFill>
+          <a:ln>
+            <a:noFill/>
+          </a:ln>
+        </p:spPr>
+        <p:style>
+          <a:lnRef idx="2">
+            <a:schemeClr val="accent1">
+              <a:shade val="50000"/>
+            </a:schemeClr>
+          </a:lnRef>
+          <a:fillRef idx="1">
+            <a:schemeClr val="accent1"/>
+          </a:fillRef>
+          <a:effectRef idx="0">
+            <a:schemeClr val="accent1"/>
+          </a:effectRef>
+          <a:fontRef idx="minor">
+            <a:schemeClr val="lt1"/>
+          </a:fontRef>
+        </p:style>
+        <p:txBody>
+          <a:bodyPr rtlCol="0" anchor="ctr"/>
+          <a:lstStyle/>
+          <a:p>
+            <a:pPr algn="ctr"/>
+            <a:endParaRPr lang="en-US"/>
+          </a:p>
+        </p:txBody>
+      </p:sp>
+      <p:sp>
+        <p:nvSpPr>
+          <p:cNvPr id="35" name="Rectangle 14">
+            <a:extLst>
+              <a:ext uri="{FF2B5EF4-FFF2-40B4-BE49-F238E27FC236}">
+                <a16:creationId xmlns:a16="http://schemas.microsoft.com/office/drawing/2014/main" id="{627DB8AB-CD55-4C8F-9043-52652B89231A}"/>
+              </a:ext>
+              <a:ext uri="{C183D7F6-B498-43B3-948B-1728B52AA6E4}">
+                <adec:decorative xmlns:adec="http://schemas.microsoft.com/office/drawing/2017/decorative" val="1"/>
+              </a:ext>
+            </a:extLst>
+          </p:cNvPr>
+          <p:cNvSpPr>
+            <a:spLocks noGrp="1" noRot="1" noChangeAspect="1" noMove="1" noResize="1" noEditPoints="1" noAdjustHandles="1" noChangeArrowheads="1" noChangeShapeType="1" noTextEdit="1"/>
+          </p:cNvSpPr>
+          <p:nvPr>
+            <p:extLst>
+              <p:ext uri="{386F3935-93C4-4BCD-93E2-E3B085C9AB24}">
+                <p16:designElem xmlns:p16="http://schemas.microsoft.com/office/powerpoint/2015/main" val="1"/>
+              </p:ext>
+            </p:extLst>
+          </p:nvPr>
+        </p:nvSpPr>
+        <p:spPr>
+          <a:xfrm>
+            <a:off x="482599" y="643466"/>
+            <a:ext cx="4023191" cy="2706794"/>
+          </a:xfrm>
+          <a:prstGeom prst="rect">
+            <a:avLst/>
+          </a:prstGeom>
+          <a:solidFill>
+            <a:srgbClr val="FFFFFF"/>
+          </a:solidFill>
+          <a:ln w="9525">
+            <a:noFill/>
+          </a:ln>
+          <a:effectLst>
+            <a:outerShdw blurRad="63500" dist="17780" dir="5400000" algn="t" rotWithShape="0">
+              <a:prstClr val="black">
+                <a:alpha val="43000"/>
+              </a:prstClr>
+            </a:outerShdw>
+          </a:effectLst>
+        </p:spPr>
+        <p:style>
+          <a:lnRef idx="2">
+            <a:schemeClr val="accent1">
+              <a:shade val="50000"/>
+            </a:schemeClr>
+          </a:lnRef>
+          <a:fillRef idx="1">
+            <a:schemeClr val="accent1"/>
+          </a:fillRef>
+          <a:effectRef idx="0">
+            <a:schemeClr val="accent1"/>
+          </a:effectRef>
+          <a:fontRef idx="minor">
+            <a:schemeClr val="lt1"/>
+          </a:fontRef>
+        </p:style>
+        <p:txBody>
+          <a:bodyPr rtlCol="0" anchor="ctr"/>
+          <a:lstStyle/>
+          <a:p>
+            <a:pPr algn="ctr"/>
+            <a:endParaRPr lang="en-US"/>
+          </a:p>
+        </p:txBody>
+      </p:sp>
+      <p:sp>
+        <p:nvSpPr>
+          <p:cNvPr id="36" name="Rectangle 16">
+            <a:extLst>
+              <a:ext uri="{FF2B5EF4-FFF2-40B4-BE49-F238E27FC236}">
+                <a16:creationId xmlns:a16="http://schemas.microsoft.com/office/drawing/2014/main" id="{53059C5A-91CB-4024-9B4E-20082E25C70B}"/>
+              </a:ext>
+              <a:ext uri="{C183D7F6-B498-43B3-948B-1728B52AA6E4}">
+                <adec:decorative xmlns:adec="http://schemas.microsoft.com/office/drawing/2017/decorative" val="1"/>
+              </a:ext>
+            </a:extLst>
+          </p:cNvPr>
+          <p:cNvSpPr>
+            <a:spLocks noGrp="1" noRot="1" noChangeAspect="1" noMove="1" noResize="1" noEditPoints="1" noAdjustHandles="1" noChangeArrowheads="1" noChangeShapeType="1" noTextEdit="1"/>
+          </p:cNvSpPr>
+          <p:nvPr>
+            <p:extLst>
+              <p:ext uri="{386F3935-93C4-4BCD-93E2-E3B085C9AB24}">
+                <p16:designElem xmlns:p16="http://schemas.microsoft.com/office/powerpoint/2015/main" val="1"/>
+              </p:ext>
+            </p:extLst>
+          </p:nvPr>
+        </p:nvSpPr>
+        <p:spPr>
+          <a:xfrm>
+            <a:off x="4626441" y="643466"/>
+            <a:ext cx="4032605" cy="2706794"/>
+          </a:xfrm>
+          <a:prstGeom prst="rect">
+            <a:avLst/>
+          </a:prstGeom>
+          <a:solidFill>
+            <a:srgbClr val="FFFFFF"/>
+          </a:solidFill>
+          <a:ln w="9525">
+            <a:noFill/>
+          </a:ln>
+          <a:effectLst>
+            <a:outerShdw blurRad="63500" dist="17780" dir="5400000" algn="t" rotWithShape="0">
+              <a:prstClr val="black">
+                <a:alpha val="43000"/>
+              </a:prstClr>
+            </a:outerShdw>
+          </a:effectLst>
+        </p:spPr>
+        <p:style>
+          <a:lnRef idx="2">
+            <a:schemeClr val="accent1">
+              <a:shade val="50000"/>
+            </a:schemeClr>
+          </a:lnRef>
+          <a:fillRef idx="1">
+            <a:schemeClr val="accent1"/>
+          </a:fillRef>
+          <a:effectRef idx="0">
+            <a:schemeClr val="accent1"/>
+          </a:effectRef>
+          <a:fontRef idx="minor">
+            <a:schemeClr val="lt1"/>
+          </a:fontRef>
+        </p:style>
+        <p:txBody>
+          <a:bodyPr rtlCol="0" anchor="ctr"/>
+          <a:lstStyle/>
+          <a:p>
+            <a:pPr algn="ctr"/>
+            <a:endParaRPr lang="en-US"/>
+          </a:p>
+        </p:txBody>
+      </p:sp>
+      <p:pic>
+        <p:nvPicPr>
+          <p:cNvPr id="7" name="TheoreticalStrength.mpg">
+            <a:hlinkClick r:id="" action="ppaction://media"/>
+            <a:extLst>
+              <a:ext uri="{FF2B5EF4-FFF2-40B4-BE49-F238E27FC236}">
+                <a16:creationId xmlns:a16="http://schemas.microsoft.com/office/drawing/2014/main" id="{D00487CB-E47C-496B-A767-4E667BC60CB3}"/>
+              </a:ext>
+            </a:extLst>
+          </p:cNvPr>
+          <p:cNvPicPr>
+            <a:picLocks noChangeAspect="1"/>
+          </p:cNvPicPr>
+          <p:nvPr>
+            <a:videoFile r:link="rId2"/>
+            <p:extLst>
+              <p:ext uri="{DAA4B4D4-6D71-4841-9C94-3DE7FCFB9230}">
+                <p14:media xmlns:p14="http://schemas.microsoft.com/office/powerpoint/2010/main" r:embed="rId1"/>
+              </p:ext>
+            </p:extLst>
+          </p:nvPr>
+        </p:nvPicPr>
+        <p:blipFill rotWithShape="1">
+          <a:blip r:embed="rId9" cstate="print"/>
+          <a:srcRect l="6266" t="11186" r="2689" b="17177"/>
+          <a:stretch/>
+        </p:blipFill>
+        <p:spPr>
+          <a:xfrm>
+            <a:off x="893756" y="966713"/>
+            <a:ext cx="3200400" cy="2060298"/>
+          </a:xfrm>
+          <a:prstGeom prst="rect">
+            <a:avLst/>
+          </a:prstGeom>
+        </p:spPr>
+      </p:pic>
+      <p:sp>
+        <p:nvSpPr>
+          <p:cNvPr id="37" name="Rectangle 18">
+            <a:extLst>
+              <a:ext uri="{FF2B5EF4-FFF2-40B4-BE49-F238E27FC236}">
+                <a16:creationId xmlns:a16="http://schemas.microsoft.com/office/drawing/2014/main" id="{184884BF-A898-4EFF-9504-E13EBE3FF62E}"/>
+              </a:ext>
+              <a:ext uri="{C183D7F6-B498-43B3-948B-1728B52AA6E4}">
+                <adec:decorative xmlns:adec="http://schemas.microsoft.com/office/drawing/2017/decorative" val="1"/>
+              </a:ext>
+            </a:extLst>
+          </p:cNvPr>
+          <p:cNvSpPr>
+            <a:spLocks noGrp="1" noRot="1" noChangeAspect="1" noMove="1" noResize="1" noEditPoints="1" noAdjustHandles="1" noChangeArrowheads="1" noChangeShapeType="1" noTextEdit="1"/>
+          </p:cNvSpPr>
+          <p:nvPr>
+            <p:extLst>
+              <p:ext uri="{386F3935-93C4-4BCD-93E2-E3B085C9AB24}">
+                <p16:designElem xmlns:p16="http://schemas.microsoft.com/office/powerpoint/2015/main" val="1"/>
+              </p:ext>
+            </p:extLst>
+          </p:nvPr>
+        </p:nvSpPr>
+        <p:spPr>
+          <a:xfrm>
+            <a:off x="482599" y="3514513"/>
+            <a:ext cx="4023191" cy="2703406"/>
+          </a:xfrm>
+          <a:prstGeom prst="rect">
+            <a:avLst/>
+          </a:prstGeom>
+          <a:solidFill>
+            <a:srgbClr val="FFFFFF"/>
+          </a:solidFill>
+          <a:ln w="9525">
+            <a:noFill/>
+          </a:ln>
+          <a:effectLst>
+            <a:outerShdw blurRad="63500" dist="17780" dir="5400000" algn="t" rotWithShape="0">
+              <a:prstClr val="black">
+                <a:alpha val="43000"/>
+              </a:prstClr>
+            </a:outerShdw>
+          </a:effectLst>
+        </p:spPr>
+        <p:style>
+          <a:lnRef idx="2">
+            <a:schemeClr val="accent1">
+              <a:shade val="50000"/>
+            </a:schemeClr>
+          </a:lnRef>
+          <a:fillRef idx="1">
+            <a:schemeClr val="accent1"/>
+          </a:fillRef>
+          <a:effectRef idx="0">
+            <a:schemeClr val="accent1"/>
+          </a:effectRef>
+          <a:fontRef idx="minor">
+            <a:schemeClr val="lt1"/>
+          </a:fontRef>
+        </p:style>
+        <p:txBody>
+          <a:bodyPr rtlCol="0" anchor="ctr"/>
+          <a:lstStyle/>
+          <a:p>
+            <a:pPr algn="ctr"/>
+            <a:endParaRPr lang="en-US"/>
+          </a:p>
+        </p:txBody>
+      </p:sp>
+      <p:sp>
+        <p:nvSpPr>
+          <p:cNvPr id="38" name="Rectangle 20">
+            <a:extLst>
+              <a:ext uri="{FF2B5EF4-FFF2-40B4-BE49-F238E27FC236}">
+                <a16:creationId xmlns:a16="http://schemas.microsoft.com/office/drawing/2014/main" id="{7B32D337-FDA6-4468-ADB1-7038E5FC0BA9}"/>
+              </a:ext>
+              <a:ext uri="{C183D7F6-B498-43B3-948B-1728B52AA6E4}">
+                <adec:decorative xmlns:adec="http://schemas.microsoft.com/office/drawing/2017/decorative" val="1"/>
+              </a:ext>
+            </a:extLst>
+          </p:cNvPr>
+          <p:cNvSpPr>
+            <a:spLocks noGrp="1" noRot="1" noChangeAspect="1" noMove="1" noResize="1" noEditPoints="1" noAdjustHandles="1" noChangeArrowheads="1" noChangeShapeType="1" noTextEdit="1"/>
+          </p:cNvSpPr>
+          <p:nvPr>
+            <p:extLst>
+              <p:ext uri="{386F3935-93C4-4BCD-93E2-E3B085C9AB24}">
+                <p16:designElem xmlns:p16="http://schemas.microsoft.com/office/powerpoint/2015/main" val="1"/>
+              </p:ext>
+            </p:extLst>
+          </p:nvPr>
+        </p:nvSpPr>
+        <p:spPr>
+          <a:xfrm>
+            <a:off x="4626441" y="3514513"/>
+            <a:ext cx="4032605" cy="2706794"/>
+          </a:xfrm>
+          <a:prstGeom prst="rect">
+            <a:avLst/>
+          </a:prstGeom>
+          <a:solidFill>
+            <a:srgbClr val="FFFFFF"/>
+          </a:solidFill>
+          <a:ln w="9525">
+            <a:noFill/>
+          </a:ln>
+          <a:effectLst>
+            <a:outerShdw blurRad="63500" dist="17780" dir="5400000" algn="t" rotWithShape="0">
+              <a:prstClr val="black">
+                <a:alpha val="43000"/>
+              </a:prstClr>
+            </a:outerShdw>
+          </a:effectLst>
+        </p:spPr>
+        <p:style>
+          <a:lnRef idx="2">
+            <a:schemeClr val="accent1">
+              <a:shade val="50000"/>
+            </a:schemeClr>
+          </a:lnRef>
+          <a:fillRef idx="1">
+            <a:schemeClr val="accent1"/>
+          </a:fillRef>
+          <a:effectRef idx="0">
+            <a:schemeClr val="accent1"/>
+          </a:effectRef>
+          <a:fontRef idx="minor">
+            <a:schemeClr val="lt1"/>
+          </a:fontRef>
+        </p:style>
+        <p:txBody>
+          <a:bodyPr rtlCol="0" anchor="ctr"/>
+          <a:lstStyle/>
+          <a:p>
+            <a:pPr algn="ctr"/>
+            <a:endParaRPr lang="en-US"/>
+          </a:p>
+        </p:txBody>
+      </p:sp>
+      <p:pic>
+        <p:nvPicPr>
+          <p:cNvPr id="2" name="Online Media 1" title="Dislocation glide">
+            <a:hlinkClick r:id="" action="ppaction://media"/>
+            <a:extLst>
+              <a:ext uri="{FF2B5EF4-FFF2-40B4-BE49-F238E27FC236}">
+                <a16:creationId xmlns:a16="http://schemas.microsoft.com/office/drawing/2014/main" id="{4BE029CA-7D88-4D8C-AEBA-DC117C83BE0C}"/>
+              </a:ext>
+            </a:extLst>
+          </p:cNvPr>
+          <p:cNvPicPr>
+            <a:picLocks noRot="1" noChangeAspect="1"/>
+          </p:cNvPicPr>
+          <p:nvPr>
+            <a:videoFile r:link="rId3"/>
+          </p:nvPr>
+        </p:nvPicPr>
+        <p:blipFill>
+          <a:blip r:embed="rId10"/>
+          <a:stretch>
+            <a:fillRect/>
+          </a:stretch>
+        </p:blipFill>
+        <p:spPr>
+          <a:xfrm>
+            <a:off x="5269409" y="3859205"/>
+            <a:ext cx="2747064" cy="2060298"/>
+          </a:xfrm>
+          <a:prstGeom prst="rect">
+            <a:avLst/>
+          </a:prstGeom>
+        </p:spPr>
+      </p:pic>
+      <p:pic>
+        <p:nvPicPr>
+          <p:cNvPr id="8" name="edge under shear.mpg">
+            <a:hlinkClick r:id="" action="ppaction://media"/>
+            <a:extLst>
+              <a:ext uri="{FF2B5EF4-FFF2-40B4-BE49-F238E27FC236}">
+                <a16:creationId xmlns:a16="http://schemas.microsoft.com/office/drawing/2014/main" id="{0C0F8B3E-54AA-4F60-BB26-FDE496C6343C}"/>
+              </a:ext>
+            </a:extLst>
+          </p:cNvPr>
+          <p:cNvPicPr>
+            <a:picLocks noChangeAspect="1"/>
+          </p:cNvPicPr>
+          <p:nvPr>
+            <a:videoFile r:link="rId5"/>
+            <p:extLst>
+              <p:ext uri="{DAA4B4D4-6D71-4841-9C94-3DE7FCFB9230}">
+                <p14:media xmlns:p14="http://schemas.microsoft.com/office/powerpoint/2010/main" r:embed="rId4"/>
+              </p:ext>
+            </p:extLst>
+          </p:nvPr>
+        </p:nvPicPr>
+        <p:blipFill>
+          <a:blip r:embed="rId11" cstate="print"/>
+          <a:stretch>
+            <a:fillRect/>
+          </a:stretch>
+        </p:blipFill>
+        <p:spPr>
+          <a:xfrm>
+            <a:off x="5272612" y="831710"/>
+            <a:ext cx="2848151" cy="2330305"/>
+          </a:xfrm>
+          <a:prstGeom prst="rect">
+            <a:avLst/>
+          </a:prstGeom>
+        </p:spPr>
+      </p:pic>
+      <p:pic>
+        <p:nvPicPr>
+          <p:cNvPr id="4" name="Online Media 1" title="Bubble Raft Model - part 1">
+            <a:hlinkClick r:id="" action="ppaction://media"/>
+            <a:extLst>
+              <a:ext uri="{FF2B5EF4-FFF2-40B4-BE49-F238E27FC236}">
+                <a16:creationId xmlns:a16="http://schemas.microsoft.com/office/drawing/2014/main" id="{7C9C8180-0FA4-4A6A-818D-07E82D35ED37}"/>
+              </a:ext>
+            </a:extLst>
+          </p:cNvPr>
+          <p:cNvPicPr>
+            <a:picLocks noRot="1" noChangeAspect="1"/>
+          </p:cNvPicPr>
+          <p:nvPr>
+            <a:videoFile r:link="rId6"/>
+          </p:nvPr>
+        </p:nvPicPr>
+        <p:blipFill>
+          <a:blip r:embed="rId12"/>
+          <a:stretch>
+            <a:fillRect/>
+          </a:stretch>
+        </p:blipFill>
+        <p:spPr>
+          <a:xfrm>
+            <a:off x="1120424" y="1421733"/>
+            <a:ext cx="5966176" cy="4474632"/>
+          </a:xfrm>
+          <a:prstGeom prst="rect">
+            <a:avLst/>
+          </a:prstGeom>
+        </p:spPr>
+      </p:pic>
+    </p:spTree>
+    <p:extLst>
+      <p:ext uri="{BB962C8B-B14F-4D97-AF65-F5344CB8AC3E}">
+        <p14:creationId xmlns:p14="http://schemas.microsoft.com/office/powerpoint/2010/main" val="3334194665"/>
+      </p:ext>
+    </p:extLst>
+  </p:cSld>
+  <p:clrMapOvr>
+    <a:masterClrMapping/>
+  </p:clrMapOvr>
+  <mc:AlternateContent xmlns:mc="http://schemas.openxmlformats.org/markup-compatibility/2006" xmlns:p159="http://schemas.microsoft.com/office/powerpoint/2015/09/main">
+    <mc:Choice Requires="p159">
+      <p:transition xmlns:p14="http://schemas.microsoft.com/office/powerpoint/2010/main" spd="slow" p14:dur="2000">
+        <p159:morph option="byObject"/>
+      </p:transition>
+    </mc:Choice>
+    <mc:Fallback xmlns="">
+      <p:transition spd="slow">
+        <p:fade/>
+      </p:transition>
+    </mc:Fallback>
+  </mc:AlternateContent>
+  <p:timing>
+    <p:tnLst>
+      <p:par>
+        <p:cTn id="1" dur="indefinite" restart="never" nodeType="tmRoot">
+          <p:childTnLst>
+            <p:video>
+              <p:cMediaNode vol="80000">
+                <p:cTn id="2" fill="hold" display="0">
+                  <p:stCondLst>
+                    <p:cond delay="indefinite"/>
+                  </p:stCondLst>
+                </p:cTn>
+                <p:tgtEl>
+                  <p:spTgt spid="2"/>
+                </p:tgtEl>
+              </p:cMediaNode>
+            </p:video>
+            <p:video>
+              <p:cMediaNode vol="80000">
+                <p:cTn id="3" fill="hold" display="0">
+                  <p:stCondLst>
+                    <p:cond delay="indefinite"/>
+                  </p:stCondLst>
+                </p:cTn>
+                <p:tgtEl>
+                  <p:spTgt spid="4"/>
+                </p:tgtEl>
+              </p:cMediaNode>
+            </p:video>
+            <p:video>
+              <p:cMediaNode>
+                <p:cTn id="4" fill="hold" display="0">
+                  <p:stCondLst>
+                    <p:cond delay="indefinite"/>
+                  </p:stCondLst>
+                  <p:endCondLst>
+                    <p:cond evt="onNext" delay="0">
+                      <p:tgtEl>
+                        <p:sldTgt/>
+                      </p:tgtEl>
+                    </p:cond>
+                    <p:cond evt="onPrev" delay="0">
+                      <p:tgtEl>
+                        <p:sldTgt/>
+                      </p:tgtEl>
+                    </p:cond>
+                  </p:endCondLst>
+                </p:cTn>
+                <p:tgtEl>
+                  <p:spTgt spid="7"/>
+                </p:tgtEl>
+              </p:cMediaNode>
+            </p:video>
+            <p:video>
+              <p:cMediaNode>
+                <p:cTn id="5" fill="hold" display="0">
+                  <p:stCondLst>
+                    <p:cond delay="indefinite"/>
+                  </p:stCondLst>
+                  <p:endCondLst>
+                    <p:cond evt="onNext" delay="0">
+                      <p:tgtEl>
+                        <p:sldTgt/>
+                      </p:tgtEl>
+                    </p:cond>
+                    <p:cond evt="onPrev" delay="0">
+                      <p:tgtEl>
+                        <p:sldTgt/>
+                      </p:tgtEl>
+                    </p:cond>
+                  </p:endCondLst>
+                </p:cTn>
+                <p:tgtEl>
+                  <p:spTgt spid="8"/>
+                </p:tgtEl>
+              </p:cMediaNode>
+            </p:video>
+          </p:childTnLst>
+        </p:cTn>
+      </p:par>
+    </p:tnLst>
+  </p:timing>
+</p:sld>
+</file>
+
+<file path=ppt/slides/slide4.xml><?xml version="1.0" encoding="utf-8"?>
+<p:sld xmlns:a="http://schemas.openxmlformats.org/drawingml/2006/main" xmlns:r="http://schemas.openxmlformats.org/officeDocument/2006/relationships" xmlns:p="http://schemas.openxmlformats.org/presentationml/2006/main">
+  <p:cSld>
+    <p:bg>
+      <p:bgPr>
+        <a:solidFill>
+          <a:schemeClr val="bg1"/>
+        </a:solidFill>
+        <a:effectLst/>
+      </p:bgPr>
+    </p:bg>
+    <p:spTree>
+      <p:nvGrpSpPr>
+        <p:cNvPr id="1" name=""/>
+        <p:cNvGrpSpPr/>
+        <p:nvPr/>
+      </p:nvGrpSpPr>
+      <p:grpSpPr>
+        <a:xfrm>
+          <a:off x="0" y="0"/>
+          <a:ext cx="0" cy="0"/>
+          <a:chOff x="0" y="0"/>
+          <a:chExt cx="0" cy="0"/>
+        </a:xfrm>
+      </p:grpSpPr>
+      <p:sp>
+        <p:nvSpPr>
+          <p:cNvPr id="34" name="Rectangle 12">
+            <a:extLst>
+              <a:ext uri="{FF2B5EF4-FFF2-40B4-BE49-F238E27FC236}">
+                <a16:creationId xmlns:a16="http://schemas.microsoft.com/office/drawing/2014/main" id="{6F79B0DD-2C63-4EE5-804F-B8E391FC1E45}"/>
+              </a:ext>
+              <a:ext uri="{C183D7F6-B498-43B3-948B-1728B52AA6E4}">
+                <adec:decorative xmlns:adec="http://schemas.microsoft.com/office/drawing/2017/decorative" val="1"/>
+              </a:ext>
+            </a:extLst>
+          </p:cNvPr>
+          <p:cNvSpPr>
+            <a:spLocks noGrp="1" noRot="1" noChangeAspect="1" noMove="1" noResize="1" noEditPoints="1" noAdjustHandles="1" noChangeArrowheads="1" noChangeShapeType="1" noTextEdit="1"/>
+          </p:cNvSpPr>
+          <p:nvPr>
+            <p:extLst>
+              <p:ext uri="{386F3935-93C4-4BCD-93E2-E3B085C9AB24}">
+                <p16:designElem xmlns:p16="http://schemas.microsoft.com/office/powerpoint/2015/main" val="1"/>
+              </p:ext>
+            </p:extLst>
+          </p:nvPr>
+        </p:nvSpPr>
+        <p:spPr>
+          <a:xfrm>
+            <a:off x="2352" y="0"/>
+            <a:ext cx="9144000" cy="6858000"/>
+          </a:xfrm>
+          <a:prstGeom prst="rect">
+            <a:avLst/>
+          </a:prstGeom>
+          <a:solidFill>
+            <a:schemeClr val="bg1">
+              <a:lumMod val="75000"/>
+              <a:alpha val="80000"/>
+            </a:schemeClr>
+          </a:solidFill>
+          <a:ln>
+            <a:noFill/>
+          </a:ln>
+        </p:spPr>
+        <p:style>
+          <a:lnRef idx="2">
+            <a:schemeClr val="accent1">
+              <a:shade val="50000"/>
+            </a:schemeClr>
+          </a:lnRef>
+          <a:fillRef idx="1">
+            <a:schemeClr val="accent1"/>
+          </a:fillRef>
+          <a:effectRef idx="0">
+            <a:schemeClr val="accent1"/>
+          </a:effectRef>
+          <a:fontRef idx="minor">
+            <a:schemeClr val="lt1"/>
+          </a:fontRef>
+        </p:style>
+        <p:txBody>
+          <a:bodyPr rtlCol="0" anchor="ctr"/>
+          <a:lstStyle/>
+          <a:p>
+            <a:pPr algn="ctr"/>
+            <a:endParaRPr lang="en-US"/>
+          </a:p>
+        </p:txBody>
+      </p:sp>
+      <p:sp>
+        <p:nvSpPr>
+          <p:cNvPr id="35" name="Rectangle 14">
+            <a:extLst>
+              <a:ext uri="{FF2B5EF4-FFF2-40B4-BE49-F238E27FC236}">
+                <a16:creationId xmlns:a16="http://schemas.microsoft.com/office/drawing/2014/main" id="{627DB8AB-CD55-4C8F-9043-52652B89231A}"/>
+              </a:ext>
+              <a:ext uri="{C183D7F6-B498-43B3-948B-1728B52AA6E4}">
+                <adec:decorative xmlns:adec="http://schemas.microsoft.com/office/drawing/2017/decorative" val="1"/>
+              </a:ext>
+            </a:extLst>
+          </p:cNvPr>
+          <p:cNvSpPr>
+            <a:spLocks noGrp="1" noRot="1" noChangeAspect="1" noMove="1" noResize="1" noEditPoints="1" noAdjustHandles="1" noChangeArrowheads="1" noChangeShapeType="1" noTextEdit="1"/>
+          </p:cNvSpPr>
+          <p:nvPr>
+            <p:extLst>
+              <p:ext uri="{386F3935-93C4-4BCD-93E2-E3B085C9AB24}">
+                <p16:designElem xmlns:p16="http://schemas.microsoft.com/office/powerpoint/2015/main" val="1"/>
+              </p:ext>
+            </p:extLst>
+          </p:nvPr>
+        </p:nvSpPr>
+        <p:spPr>
+          <a:xfrm>
+            <a:off x="482599" y="643466"/>
+            <a:ext cx="4023191" cy="2706794"/>
+          </a:xfrm>
+          <a:prstGeom prst="rect">
+            <a:avLst/>
+          </a:prstGeom>
+          <a:solidFill>
+            <a:srgbClr val="FFFFFF"/>
+          </a:solidFill>
+          <a:ln w="9525">
+            <a:noFill/>
+          </a:ln>
+          <a:effectLst>
+            <a:outerShdw blurRad="63500" dist="17780" dir="5400000" algn="t" rotWithShape="0">
+              <a:prstClr val="black">
+                <a:alpha val="43000"/>
+              </a:prstClr>
+            </a:outerShdw>
+          </a:effectLst>
+        </p:spPr>
+        <p:style>
+          <a:lnRef idx="2">
+            <a:schemeClr val="accent1">
+              <a:shade val="50000"/>
+            </a:schemeClr>
+          </a:lnRef>
+          <a:fillRef idx="1">
+            <a:schemeClr val="accent1"/>
+          </a:fillRef>
+          <a:effectRef idx="0">
+            <a:schemeClr val="accent1"/>
+          </a:effectRef>
+          <a:fontRef idx="minor">
+            <a:schemeClr val="lt1"/>
+          </a:fontRef>
+        </p:style>
+        <p:txBody>
+          <a:bodyPr rtlCol="0" anchor="ctr"/>
+          <a:lstStyle/>
+          <a:p>
+            <a:pPr algn="ctr"/>
+            <a:endParaRPr lang="en-US"/>
+          </a:p>
+        </p:txBody>
+      </p:sp>
+      <p:sp>
+        <p:nvSpPr>
+          <p:cNvPr id="36" name="Rectangle 16">
+            <a:extLst>
+              <a:ext uri="{FF2B5EF4-FFF2-40B4-BE49-F238E27FC236}">
+                <a16:creationId xmlns:a16="http://schemas.microsoft.com/office/drawing/2014/main" id="{53059C5A-91CB-4024-9B4E-20082E25C70B}"/>
+              </a:ext>
+              <a:ext uri="{C183D7F6-B498-43B3-948B-1728B52AA6E4}">
+                <adec:decorative xmlns:adec="http://schemas.microsoft.com/office/drawing/2017/decorative" val="1"/>
+              </a:ext>
+            </a:extLst>
+          </p:cNvPr>
+          <p:cNvSpPr>
+            <a:spLocks noGrp="1" noRot="1" noChangeAspect="1" noMove="1" noResize="1" noEditPoints="1" noAdjustHandles="1" noChangeArrowheads="1" noChangeShapeType="1" noTextEdit="1"/>
+          </p:cNvSpPr>
+          <p:nvPr>
+            <p:extLst>
+              <p:ext uri="{386F3935-93C4-4BCD-93E2-E3B085C9AB24}">
+                <p16:designElem xmlns:p16="http://schemas.microsoft.com/office/powerpoint/2015/main" val="1"/>
+              </p:ext>
+            </p:extLst>
+          </p:nvPr>
+        </p:nvSpPr>
+        <p:spPr>
+          <a:xfrm>
+            <a:off x="4626441" y="643466"/>
+            <a:ext cx="4032605" cy="2706794"/>
+          </a:xfrm>
+          <a:prstGeom prst="rect">
+            <a:avLst/>
+          </a:prstGeom>
+          <a:solidFill>
+            <a:srgbClr val="FFFFFF"/>
+          </a:solidFill>
+          <a:ln w="9525">
+            <a:noFill/>
+          </a:ln>
+          <a:effectLst>
+            <a:outerShdw blurRad="63500" dist="17780" dir="5400000" algn="t" rotWithShape="0">
+              <a:prstClr val="black">
+                <a:alpha val="43000"/>
+              </a:prstClr>
+            </a:outerShdw>
+          </a:effectLst>
+        </p:spPr>
+        <p:style>
+          <a:lnRef idx="2">
+            <a:schemeClr val="accent1">
+              <a:shade val="50000"/>
+            </a:schemeClr>
+          </a:lnRef>
+          <a:fillRef idx="1">
+            <a:schemeClr val="accent1"/>
+          </a:fillRef>
+          <a:effectRef idx="0">
+            <a:schemeClr val="accent1"/>
+          </a:effectRef>
+          <a:fontRef idx="minor">
+            <a:schemeClr val="lt1"/>
+          </a:fontRef>
+        </p:style>
+        <p:txBody>
+          <a:bodyPr rtlCol="0" anchor="ctr"/>
+          <a:lstStyle/>
+          <a:p>
+            <a:pPr algn="ctr"/>
+            <a:endParaRPr lang="en-US"/>
+          </a:p>
+        </p:txBody>
+      </p:sp>
+      <p:pic>
+        <p:nvPicPr>
+          <p:cNvPr id="7" name="TheoreticalStrength.mpg">
+            <a:hlinkClick r:id="" action="ppaction://media"/>
+            <a:extLst>
+              <a:ext uri="{FF2B5EF4-FFF2-40B4-BE49-F238E27FC236}">
+                <a16:creationId xmlns:a16="http://schemas.microsoft.com/office/drawing/2014/main" id="{D00487CB-E47C-496B-A767-4E667BC60CB3}"/>
+              </a:ext>
+            </a:extLst>
+          </p:cNvPr>
+          <p:cNvPicPr>
+            <a:picLocks noChangeAspect="1"/>
+          </p:cNvPicPr>
+          <p:nvPr>
+            <a:videoFile r:link="rId2"/>
+            <p:extLst>
+              <p:ext uri="{DAA4B4D4-6D71-4841-9C94-3DE7FCFB9230}">
+                <p14:media xmlns:p14="http://schemas.microsoft.com/office/powerpoint/2010/main" r:embed="rId1"/>
+              </p:ext>
+            </p:extLst>
+          </p:nvPr>
+        </p:nvPicPr>
+        <p:blipFill rotWithShape="1">
+          <a:blip r:embed="rId9" cstate="print"/>
+          <a:srcRect l="6266" t="11186" r="2689" b="17177"/>
+          <a:stretch/>
+        </p:blipFill>
+        <p:spPr>
+          <a:xfrm>
+            <a:off x="893756" y="966713"/>
+            <a:ext cx="3200400" cy="2060298"/>
+          </a:xfrm>
+          <a:prstGeom prst="rect">
+            <a:avLst/>
+          </a:prstGeom>
+        </p:spPr>
+      </p:pic>
+      <p:sp>
+        <p:nvSpPr>
+          <p:cNvPr id="37" name="Rectangle 18">
+            <a:extLst>
+              <a:ext uri="{FF2B5EF4-FFF2-40B4-BE49-F238E27FC236}">
+                <a16:creationId xmlns:a16="http://schemas.microsoft.com/office/drawing/2014/main" id="{184884BF-A898-4EFF-9504-E13EBE3FF62E}"/>
+              </a:ext>
+              <a:ext uri="{C183D7F6-B498-43B3-948B-1728B52AA6E4}">
+                <adec:decorative xmlns:adec="http://schemas.microsoft.com/office/drawing/2017/decorative" val="1"/>
+              </a:ext>
+            </a:extLst>
+          </p:cNvPr>
+          <p:cNvSpPr>
+            <a:spLocks noGrp="1" noRot="1" noChangeAspect="1" noMove="1" noResize="1" noEditPoints="1" noAdjustHandles="1" noChangeArrowheads="1" noChangeShapeType="1" noTextEdit="1"/>
+          </p:cNvSpPr>
+          <p:nvPr>
+            <p:extLst>
+              <p:ext uri="{386F3935-93C4-4BCD-93E2-E3B085C9AB24}">
+                <p16:designElem xmlns:p16="http://schemas.microsoft.com/office/powerpoint/2015/main" val="1"/>
+              </p:ext>
+            </p:extLst>
+          </p:nvPr>
+        </p:nvSpPr>
+        <p:spPr>
+          <a:xfrm>
+            <a:off x="482599" y="3514513"/>
+            <a:ext cx="4023191" cy="2703406"/>
+          </a:xfrm>
+          <a:prstGeom prst="rect">
+            <a:avLst/>
+          </a:prstGeom>
+          <a:solidFill>
+            <a:srgbClr val="FFFFFF"/>
+          </a:solidFill>
+          <a:ln w="9525">
+            <a:noFill/>
+          </a:ln>
+          <a:effectLst>
+            <a:outerShdw blurRad="63500" dist="17780" dir="5400000" algn="t" rotWithShape="0">
+              <a:prstClr val="black">
+                <a:alpha val="43000"/>
+              </a:prstClr>
+            </a:outerShdw>
+          </a:effectLst>
+        </p:spPr>
+        <p:style>
+          <a:lnRef idx="2">
+            <a:schemeClr val="accent1">
+              <a:shade val="50000"/>
+            </a:schemeClr>
+          </a:lnRef>
+          <a:fillRef idx="1">
+            <a:schemeClr val="accent1"/>
+          </a:fillRef>
+          <a:effectRef idx="0">
+            <a:schemeClr val="accent1"/>
+          </a:effectRef>
+          <a:fontRef idx="minor">
+            <a:schemeClr val="lt1"/>
+          </a:fontRef>
+        </p:style>
+        <p:txBody>
+          <a:bodyPr rtlCol="0" anchor="ctr"/>
+          <a:lstStyle/>
+          <a:p>
+            <a:pPr algn="ctr"/>
+            <a:endParaRPr lang="en-US"/>
+          </a:p>
+        </p:txBody>
+      </p:sp>
+      <p:sp>
+        <p:nvSpPr>
+          <p:cNvPr id="38" name="Rectangle 20">
+            <a:extLst>
+              <a:ext uri="{FF2B5EF4-FFF2-40B4-BE49-F238E27FC236}">
+                <a16:creationId xmlns:a16="http://schemas.microsoft.com/office/drawing/2014/main" id="{7B32D337-FDA6-4468-ADB1-7038E5FC0BA9}"/>
+              </a:ext>
+              <a:ext uri="{C183D7F6-B498-43B3-948B-1728B52AA6E4}">
+                <adec:decorative xmlns:adec="http://schemas.microsoft.com/office/drawing/2017/decorative" val="1"/>
+              </a:ext>
+            </a:extLst>
+          </p:cNvPr>
+          <p:cNvSpPr>
+            <a:spLocks noGrp="1" noRot="1" noChangeAspect="1" noMove="1" noResize="1" noEditPoints="1" noAdjustHandles="1" noChangeArrowheads="1" noChangeShapeType="1" noTextEdit="1"/>
+          </p:cNvSpPr>
+          <p:nvPr>
+            <p:extLst>
+              <p:ext uri="{386F3935-93C4-4BCD-93E2-E3B085C9AB24}">
+                <p16:designElem xmlns:p16="http://schemas.microsoft.com/office/powerpoint/2015/main" val="1"/>
+              </p:ext>
+            </p:extLst>
+          </p:nvPr>
+        </p:nvSpPr>
+        <p:spPr>
+          <a:xfrm>
+            <a:off x="4626441" y="3514513"/>
+            <a:ext cx="4032605" cy="2706794"/>
+          </a:xfrm>
+          <a:prstGeom prst="rect">
+            <a:avLst/>
+          </a:prstGeom>
+          <a:solidFill>
+            <a:srgbClr val="FFFFFF"/>
+          </a:solidFill>
+          <a:ln w="9525">
+            <a:noFill/>
+          </a:ln>
+          <a:effectLst>
+            <a:outerShdw blurRad="63500" dist="17780" dir="5400000" algn="t" rotWithShape="0">
+              <a:prstClr val="black">
+                <a:alpha val="43000"/>
+              </a:prstClr>
+            </a:outerShdw>
+          </a:effectLst>
+        </p:spPr>
+        <p:style>
+          <a:lnRef idx="2">
+            <a:schemeClr val="accent1">
+              <a:shade val="50000"/>
+            </a:schemeClr>
+          </a:lnRef>
+          <a:fillRef idx="1">
+            <a:schemeClr val="accent1"/>
+          </a:fillRef>
+          <a:effectRef idx="0">
+            <a:schemeClr val="accent1"/>
+          </a:effectRef>
+          <a:fontRef idx="minor">
+            <a:schemeClr val="lt1"/>
+          </a:fontRef>
+        </p:style>
+        <p:txBody>
+          <a:bodyPr rtlCol="0" anchor="ctr"/>
+          <a:lstStyle/>
+          <a:p>
+            <a:pPr algn="ctr"/>
+            <a:endParaRPr lang="en-US"/>
+          </a:p>
+        </p:txBody>
+      </p:sp>
+      <p:pic>
+        <p:nvPicPr>
+          <p:cNvPr id="8" name="edge under shear.mpg">
+            <a:hlinkClick r:id="" action="ppaction://media"/>
+            <a:extLst>
+              <a:ext uri="{FF2B5EF4-FFF2-40B4-BE49-F238E27FC236}">
+                <a16:creationId xmlns:a16="http://schemas.microsoft.com/office/drawing/2014/main" id="{0C0F8B3E-54AA-4F60-BB26-FDE496C6343C}"/>
+              </a:ext>
+            </a:extLst>
+          </p:cNvPr>
+          <p:cNvPicPr>
+            <a:picLocks noChangeAspect="1"/>
+          </p:cNvPicPr>
+          <p:nvPr>
+            <a:videoFile r:link="rId4"/>
+            <p:extLst>
+              <p:ext uri="{DAA4B4D4-6D71-4841-9C94-3DE7FCFB9230}">
+                <p14:media xmlns:p14="http://schemas.microsoft.com/office/powerpoint/2010/main" r:embed="rId3"/>
+              </p:ext>
+            </p:extLst>
+          </p:nvPr>
+        </p:nvPicPr>
+        <p:blipFill>
+          <a:blip r:embed="rId10" cstate="print"/>
+          <a:stretch>
+            <a:fillRect/>
+          </a:stretch>
+        </p:blipFill>
+        <p:spPr>
+          <a:xfrm>
+            <a:off x="5272612" y="831710"/>
+            <a:ext cx="2848151" cy="2330305"/>
+          </a:xfrm>
+          <a:prstGeom prst="rect">
+            <a:avLst/>
+          </a:prstGeom>
+        </p:spPr>
+      </p:pic>
+      <p:pic>
+        <p:nvPicPr>
+          <p:cNvPr id="4" name="Online Media 1" title="Bubble Raft Model - part 1">
+            <a:hlinkClick r:id="" action="ppaction://media"/>
+            <a:extLst>
+              <a:ext uri="{FF2B5EF4-FFF2-40B4-BE49-F238E27FC236}">
+                <a16:creationId xmlns:a16="http://schemas.microsoft.com/office/drawing/2014/main" id="{7C9C8180-0FA4-4A6A-818D-07E82D35ED37}"/>
+              </a:ext>
+            </a:extLst>
+          </p:cNvPr>
+          <p:cNvPicPr>
+            <a:picLocks noRot="1" noChangeAspect="1"/>
+          </p:cNvPicPr>
+          <p:nvPr>
+            <a:videoFile r:link="rId5"/>
+          </p:nvPr>
+        </p:nvPicPr>
+        <p:blipFill>
+          <a:blip r:embed="rId11"/>
+          <a:stretch>
+            <a:fillRect/>
+          </a:stretch>
+        </p:blipFill>
+        <p:spPr>
+          <a:xfrm>
+            <a:off x="1120424" y="3859205"/>
+            <a:ext cx="2716213" cy="2037160"/>
+          </a:xfrm>
+          <a:prstGeom prst="rect">
+            <a:avLst/>
+          </a:prstGeom>
+        </p:spPr>
+      </p:pic>
+      <p:pic>
+        <p:nvPicPr>
+          <p:cNvPr id="2" name="Online Media 1" title="Dislocation glide">
+            <a:hlinkClick r:id="" action="ppaction://media"/>
+            <a:extLst>
+              <a:ext uri="{FF2B5EF4-FFF2-40B4-BE49-F238E27FC236}">
+                <a16:creationId xmlns:a16="http://schemas.microsoft.com/office/drawing/2014/main" id="{4BE029CA-7D88-4D8C-AEBA-DC117C83BE0C}"/>
+              </a:ext>
+            </a:extLst>
+          </p:cNvPr>
+          <p:cNvPicPr>
+            <a:picLocks noRot="1" noChangeAspect="1"/>
+          </p:cNvPicPr>
+          <p:nvPr>
+            <a:videoFile r:link="rId6"/>
+          </p:nvPr>
+        </p:nvPicPr>
+        <p:blipFill>
+          <a:blip r:embed="rId12"/>
+          <a:stretch>
+            <a:fillRect/>
+          </a:stretch>
+        </p:blipFill>
+        <p:spPr>
+          <a:xfrm>
+            <a:off x="1905000" y="1335898"/>
+            <a:ext cx="6111473" cy="4583605"/>
+          </a:xfrm>
+          <a:prstGeom prst="rect">
+            <a:avLst/>
+          </a:prstGeom>
+        </p:spPr>
+      </p:pic>
+    </p:spTree>
+    <p:extLst>
+      <p:ext uri="{BB962C8B-B14F-4D97-AF65-F5344CB8AC3E}">
+        <p14:creationId xmlns:p14="http://schemas.microsoft.com/office/powerpoint/2010/main" val="1507353024"/>
+      </p:ext>
+    </p:extLst>
+  </p:cSld>
+  <p:clrMapOvr>
+    <a:masterClrMapping/>
+  </p:clrMapOvr>
+  <mc:AlternateContent xmlns:mc="http://schemas.openxmlformats.org/markup-compatibility/2006" xmlns:p159="http://schemas.microsoft.com/office/powerpoint/2015/09/main">
+    <mc:Choice Requires="p159">
+      <p:transition xmlns:p14="http://schemas.microsoft.com/office/powerpoint/2010/main" spd="slow" p14:dur="2000">
+        <p159:morph option="byObject"/>
+      </p:transition>
+    </mc:Choice>
+    <mc:Fallback xmlns="">
+      <p:transition spd="slow">
+        <p:fade/>
+      </p:transition>
+    </mc:Fallback>
+  </mc:AlternateContent>
+  <p:timing>
+    <p:tnLst>
+      <p:par>
+        <p:cTn id="1" dur="indefinite" restart="never" nodeType="tmRoot">
+          <p:childTnLst>
+            <p:video>
+              <p:cMediaNode vol="80000">
+                <p:cTn id="2" fill="hold" display="0">
+                  <p:stCondLst>
+                    <p:cond delay="indefinite"/>
+                  </p:stCondLst>
+                </p:cTn>
+                <p:tgtEl>
+                  <p:spTgt spid="2"/>
+                </p:tgtEl>
+              </p:cMediaNode>
+            </p:video>
+            <p:video>
+              <p:cMediaNode vol="80000">
+                <p:cTn id="3" fill="hold" display="0">
+                  <p:stCondLst>
+                    <p:cond delay="indefinite"/>
+                  </p:stCondLst>
+                </p:cTn>
+                <p:tgtEl>
+                  <p:spTgt spid="4"/>
+                </p:tgtEl>
+              </p:cMediaNode>
+            </p:video>
+            <p:video>
+              <p:cMediaNode>
+                <p:cTn id="4" fill="hold" display="0">
+                  <p:stCondLst>
+                    <p:cond delay="indefinite"/>
+                  </p:stCondLst>
+                  <p:endCondLst>
+                    <p:cond evt="onNext" delay="0">
+                      <p:tgtEl>
+                        <p:sldTgt/>
+                      </p:tgtEl>
+                    </p:cond>
+                    <p:cond evt="onPrev" delay="0">
+                      <p:tgtEl>
+                        <p:sldTgt/>
+                      </p:tgtEl>
+                    </p:cond>
+                  </p:endCondLst>
+                </p:cTn>
+                <p:tgtEl>
+                  <p:spTgt spid="7"/>
+                </p:tgtEl>
+              </p:cMediaNode>
+            </p:video>
+            <p:video>
+              <p:cMediaNode>
+                <p:cTn id="5" fill="hold" display="0">
+                  <p:stCondLst>
+                    <p:cond delay="indefinite"/>
+                  </p:stCondLst>
+                  <p:endCondLst>
+                    <p:cond evt="onNext" delay="0">
+                      <p:tgtEl>
+                        <p:sldTgt/>
+                      </p:tgtEl>
+                    </p:cond>
+                    <p:cond evt="onPrev" delay="0">
+                      <p:tgtEl>
+                        <p:sldTgt/>
+                      </p:tgtEl>
+                    </p:cond>
+                  </p:endCondLst>
+                </p:cTn>
+                <p:tgtEl>
+                  <p:spTgt spid="8"/>
+                </p:tgtEl>
+              </p:cMediaNode>
+            </p:video>
+          </p:childTnLst>
+        </p:cTn>
+      </p:par>
+    </p:tnLst>
+  </p:timing>
+</p:sld>
+</file>
+
+<file path=ppt/slides/slide5.xml><?xml version="1.0" encoding="utf-8"?>
+<p:sld xmlns:a="http://schemas.openxmlformats.org/drawingml/2006/main" xmlns:r="http://schemas.openxmlformats.org/officeDocument/2006/relationships" xmlns:p="http://schemas.openxmlformats.org/presentationml/2006/main">
+  <p:cSld>
+    <p:bg>
+      <p:bgPr>
+        <a:solidFill>
+          <a:schemeClr val="bg1"/>
+        </a:solidFill>
+        <a:effectLst/>
+      </p:bgPr>
+    </p:bg>
+    <p:spTree>
+      <p:nvGrpSpPr>
+        <p:cNvPr id="1" name=""/>
+        <p:cNvGrpSpPr/>
+        <p:nvPr/>
+      </p:nvGrpSpPr>
+      <p:grpSpPr>
+        <a:xfrm>
+          <a:off x="0" y="0"/>
+          <a:ext cx="0" cy="0"/>
+          <a:chOff x="0" y="0"/>
+          <a:chExt cx="0" cy="0"/>
+        </a:xfrm>
+      </p:grpSpPr>
+      <p:sp>
+        <p:nvSpPr>
+          <p:cNvPr id="34" name="Rectangle 12">
+            <a:extLst>
+              <a:ext uri="{FF2B5EF4-FFF2-40B4-BE49-F238E27FC236}">
+                <a16:creationId xmlns:a16="http://schemas.microsoft.com/office/drawing/2014/main" id="{6F79B0DD-2C63-4EE5-804F-B8E391FC1E45}"/>
+              </a:ext>
+              <a:ext uri="{C183D7F6-B498-43B3-948B-1728B52AA6E4}">
+                <adec:decorative xmlns:adec="http://schemas.microsoft.com/office/drawing/2017/decorative" val="1"/>
+              </a:ext>
+            </a:extLst>
+          </p:cNvPr>
+          <p:cNvSpPr>
+            <a:spLocks noGrp="1" noRot="1" noChangeAspect="1" noMove="1" noResize="1" noEditPoints="1" noAdjustHandles="1" noChangeArrowheads="1" noChangeShapeType="1" noTextEdit="1"/>
+          </p:cNvSpPr>
+          <p:nvPr>
+            <p:extLst>
+              <p:ext uri="{386F3935-93C4-4BCD-93E2-E3B085C9AB24}">
+                <p16:designElem xmlns:p16="http://schemas.microsoft.com/office/powerpoint/2015/main" val="1"/>
+              </p:ext>
+            </p:extLst>
+          </p:nvPr>
+        </p:nvSpPr>
+        <p:spPr>
+          <a:xfrm>
+            <a:off x="2352" y="0"/>
+            <a:ext cx="9144000" cy="6858000"/>
+          </a:xfrm>
+          <a:prstGeom prst="rect">
+            <a:avLst/>
+          </a:prstGeom>
+          <a:solidFill>
+            <a:schemeClr val="bg1">
+              <a:lumMod val="75000"/>
+              <a:alpha val="80000"/>
+            </a:schemeClr>
+          </a:solidFill>
+          <a:ln>
+            <a:noFill/>
+          </a:ln>
+        </p:spPr>
+        <p:style>
+          <a:lnRef idx="2">
+            <a:schemeClr val="accent1">
+              <a:shade val="50000"/>
+            </a:schemeClr>
+          </a:lnRef>
+          <a:fillRef idx="1">
+            <a:schemeClr val="accent1"/>
+          </a:fillRef>
+          <a:effectRef idx="0">
+            <a:schemeClr val="accent1"/>
+          </a:effectRef>
+          <a:fontRef idx="minor">
+            <a:schemeClr val="lt1"/>
+          </a:fontRef>
+        </p:style>
+        <p:txBody>
+          <a:bodyPr rtlCol="0" anchor="ctr"/>
+          <a:lstStyle/>
+          <a:p>
+            <a:pPr algn="ctr"/>
+            <a:endParaRPr lang="en-US"/>
+          </a:p>
+        </p:txBody>
+      </p:sp>
+      <p:sp>
+        <p:nvSpPr>
+          <p:cNvPr id="35" name="Rectangle 14">
+            <a:extLst>
+              <a:ext uri="{FF2B5EF4-FFF2-40B4-BE49-F238E27FC236}">
+                <a16:creationId xmlns:a16="http://schemas.microsoft.com/office/drawing/2014/main" id="{627DB8AB-CD55-4C8F-9043-52652B89231A}"/>
+              </a:ext>
+              <a:ext uri="{C183D7F6-B498-43B3-948B-1728B52AA6E4}">
+                <adec:decorative xmlns:adec="http://schemas.microsoft.com/office/drawing/2017/decorative" val="1"/>
+              </a:ext>
+            </a:extLst>
+          </p:cNvPr>
+          <p:cNvSpPr>
+            <a:spLocks noGrp="1" noRot="1" noChangeAspect="1" noMove="1" noResize="1" noEditPoints="1" noAdjustHandles="1" noChangeArrowheads="1" noChangeShapeType="1" noTextEdit="1"/>
+          </p:cNvSpPr>
+          <p:nvPr>
+            <p:extLst>
+              <p:ext uri="{386F3935-93C4-4BCD-93E2-E3B085C9AB24}">
+                <p16:designElem xmlns:p16="http://schemas.microsoft.com/office/powerpoint/2015/main" val="1"/>
+              </p:ext>
+            </p:extLst>
+          </p:nvPr>
+        </p:nvSpPr>
+        <p:spPr>
+          <a:xfrm>
+            <a:off x="482599" y="643466"/>
+            <a:ext cx="4023191" cy="2706794"/>
+          </a:xfrm>
+          <a:prstGeom prst="rect">
+            <a:avLst/>
+          </a:prstGeom>
+          <a:solidFill>
+            <a:srgbClr val="FFFFFF"/>
+          </a:solidFill>
+          <a:ln w="9525">
+            <a:noFill/>
+          </a:ln>
+          <a:effectLst>
+            <a:outerShdw blurRad="63500" dist="17780" dir="5400000" algn="t" rotWithShape="0">
+              <a:prstClr val="black">
+                <a:alpha val="43000"/>
+              </a:prstClr>
+            </a:outerShdw>
+          </a:effectLst>
+        </p:spPr>
+        <p:style>
+          <a:lnRef idx="2">
+            <a:schemeClr val="accent1">
+              <a:shade val="50000"/>
+            </a:schemeClr>
+          </a:lnRef>
+          <a:fillRef idx="1">
+            <a:schemeClr val="accent1"/>
+          </a:fillRef>
+          <a:effectRef idx="0">
+            <a:schemeClr val="accent1"/>
+          </a:effectRef>
+          <a:fontRef idx="minor">
+            <a:schemeClr val="lt1"/>
+          </a:fontRef>
+        </p:style>
+        <p:txBody>
+          <a:bodyPr rtlCol="0" anchor="ctr"/>
+          <a:lstStyle/>
+          <a:p>
+            <a:pPr algn="ctr"/>
+            <a:endParaRPr lang="en-US"/>
+          </a:p>
+        </p:txBody>
+      </p:sp>
+      <p:sp>
+        <p:nvSpPr>
+          <p:cNvPr id="36" name="Rectangle 16">
+            <a:extLst>
+              <a:ext uri="{FF2B5EF4-FFF2-40B4-BE49-F238E27FC236}">
+                <a16:creationId xmlns:a16="http://schemas.microsoft.com/office/drawing/2014/main" id="{53059C5A-91CB-4024-9B4E-20082E25C70B}"/>
+              </a:ext>
+              <a:ext uri="{C183D7F6-B498-43B3-948B-1728B52AA6E4}">
+                <adec:decorative xmlns:adec="http://schemas.microsoft.com/office/drawing/2017/decorative" val="1"/>
+              </a:ext>
+            </a:extLst>
+          </p:cNvPr>
+          <p:cNvSpPr>
+            <a:spLocks noGrp="1" noRot="1" noChangeAspect="1" noMove="1" noResize="1" noEditPoints="1" noAdjustHandles="1" noChangeArrowheads="1" noChangeShapeType="1" noTextEdit="1"/>
+          </p:cNvSpPr>
+          <p:nvPr>
+            <p:extLst>
+              <p:ext uri="{386F3935-93C4-4BCD-93E2-E3B085C9AB24}">
+                <p16:designElem xmlns:p16="http://schemas.microsoft.com/office/powerpoint/2015/main" val="1"/>
+              </p:ext>
+            </p:extLst>
+          </p:nvPr>
+        </p:nvSpPr>
+        <p:spPr>
+          <a:xfrm>
+            <a:off x="4626441" y="643466"/>
+            <a:ext cx="4032605" cy="2706794"/>
+          </a:xfrm>
+          <a:prstGeom prst="rect">
+            <a:avLst/>
+          </a:prstGeom>
+          <a:solidFill>
+            <a:srgbClr val="FFFFFF"/>
+          </a:solidFill>
+          <a:ln w="9525">
+            <a:noFill/>
+          </a:ln>
+          <a:effectLst>
+            <a:outerShdw blurRad="63500" dist="17780" dir="5400000" algn="t" rotWithShape="0">
+              <a:prstClr val="black">
+                <a:alpha val="43000"/>
+              </a:prstClr>
+            </a:outerShdw>
+          </a:effectLst>
+        </p:spPr>
+        <p:style>
+          <a:lnRef idx="2">
+            <a:schemeClr val="accent1">
+              <a:shade val="50000"/>
+            </a:schemeClr>
+          </a:lnRef>
+          <a:fillRef idx="1">
+            <a:schemeClr val="accent1"/>
+          </a:fillRef>
+          <a:effectRef idx="0">
+            <a:schemeClr val="accent1"/>
+          </a:effectRef>
+          <a:fontRef idx="minor">
+            <a:schemeClr val="lt1"/>
+          </a:fontRef>
+        </p:style>
+        <p:txBody>
+          <a:bodyPr rtlCol="0" anchor="ctr"/>
+          <a:lstStyle/>
+          <a:p>
+            <a:pPr algn="ctr"/>
+            <a:endParaRPr lang="en-US"/>
+          </a:p>
+        </p:txBody>
+      </p:sp>
+      <p:pic>
+        <p:nvPicPr>
+          <p:cNvPr id="7" name="TheoreticalStrength.mpg">
+            <a:hlinkClick r:id="" action="ppaction://media"/>
+            <a:extLst>
+              <a:ext uri="{FF2B5EF4-FFF2-40B4-BE49-F238E27FC236}">
+                <a16:creationId xmlns:a16="http://schemas.microsoft.com/office/drawing/2014/main" id="{D00487CB-E47C-496B-A767-4E667BC60CB3}"/>
+              </a:ext>
+            </a:extLst>
+          </p:cNvPr>
+          <p:cNvPicPr>
+            <a:picLocks noChangeAspect="1"/>
+          </p:cNvPicPr>
+          <p:nvPr>
+            <a:videoFile r:link="rId2"/>
+            <p:extLst>
+              <p:ext uri="{DAA4B4D4-6D71-4841-9C94-3DE7FCFB9230}">
+                <p14:media xmlns:p14="http://schemas.microsoft.com/office/powerpoint/2010/main" r:embed="rId1"/>
+              </p:ext>
+            </p:extLst>
+          </p:nvPr>
+        </p:nvPicPr>
+        <p:blipFill rotWithShape="1">
+          <a:blip r:embed="rId9" cstate="print"/>
+          <a:srcRect l="6266" t="11186" r="2689" b="17177"/>
+          <a:stretch/>
+        </p:blipFill>
+        <p:spPr>
+          <a:xfrm>
+            <a:off x="893756" y="966713"/>
+            <a:ext cx="3200400" cy="2060298"/>
+          </a:xfrm>
+          <a:prstGeom prst="rect">
+            <a:avLst/>
+          </a:prstGeom>
+        </p:spPr>
+      </p:pic>
+      <p:sp>
+        <p:nvSpPr>
+          <p:cNvPr id="37" name="Rectangle 18">
+            <a:extLst>
+              <a:ext uri="{FF2B5EF4-FFF2-40B4-BE49-F238E27FC236}">
+                <a16:creationId xmlns:a16="http://schemas.microsoft.com/office/drawing/2014/main" id="{184884BF-A898-4EFF-9504-E13EBE3FF62E}"/>
+              </a:ext>
+              <a:ext uri="{C183D7F6-B498-43B3-948B-1728B52AA6E4}">
+                <adec:decorative xmlns:adec="http://schemas.microsoft.com/office/drawing/2017/decorative" val="1"/>
+              </a:ext>
+            </a:extLst>
+          </p:cNvPr>
+          <p:cNvSpPr>
+            <a:spLocks noGrp="1" noRot="1" noChangeAspect="1" noMove="1" noResize="1" noEditPoints="1" noAdjustHandles="1" noChangeArrowheads="1" noChangeShapeType="1" noTextEdit="1"/>
+          </p:cNvSpPr>
+          <p:nvPr>
+            <p:extLst>
+              <p:ext uri="{386F3935-93C4-4BCD-93E2-E3B085C9AB24}">
+                <p16:designElem xmlns:p16="http://schemas.microsoft.com/office/powerpoint/2015/main" val="1"/>
+              </p:ext>
+            </p:extLst>
+          </p:nvPr>
+        </p:nvSpPr>
+        <p:spPr>
+          <a:xfrm>
+            <a:off x="482599" y="3514513"/>
+            <a:ext cx="4023191" cy="2703406"/>
+          </a:xfrm>
+          <a:prstGeom prst="rect">
+            <a:avLst/>
+          </a:prstGeom>
+          <a:solidFill>
+            <a:srgbClr val="FFFFFF"/>
+          </a:solidFill>
+          <a:ln w="9525">
+            <a:noFill/>
+          </a:ln>
+          <a:effectLst>
+            <a:outerShdw blurRad="63500" dist="17780" dir="5400000" algn="t" rotWithShape="0">
+              <a:prstClr val="black">
+                <a:alpha val="43000"/>
+              </a:prstClr>
+            </a:outerShdw>
+          </a:effectLst>
+        </p:spPr>
+        <p:style>
+          <a:lnRef idx="2">
+            <a:schemeClr val="accent1">
+              <a:shade val="50000"/>
+            </a:schemeClr>
+          </a:lnRef>
+          <a:fillRef idx="1">
+            <a:schemeClr val="accent1"/>
+          </a:fillRef>
+          <a:effectRef idx="0">
+            <a:schemeClr val="accent1"/>
+          </a:effectRef>
+          <a:fontRef idx="minor">
+            <a:schemeClr val="lt1"/>
+          </a:fontRef>
+        </p:style>
+        <p:txBody>
+          <a:bodyPr rtlCol="0" anchor="ctr"/>
+          <a:lstStyle/>
+          <a:p>
+            <a:pPr algn="ctr"/>
+            <a:endParaRPr lang="en-US"/>
+          </a:p>
+        </p:txBody>
+      </p:sp>
+      <p:sp>
+        <p:nvSpPr>
+          <p:cNvPr id="38" name="Rectangle 20">
+            <a:extLst>
+              <a:ext uri="{FF2B5EF4-FFF2-40B4-BE49-F238E27FC236}">
+                <a16:creationId xmlns:a16="http://schemas.microsoft.com/office/drawing/2014/main" id="{7B32D337-FDA6-4468-ADB1-7038E5FC0BA9}"/>
+              </a:ext>
+              <a:ext uri="{C183D7F6-B498-43B3-948B-1728B52AA6E4}">
+                <adec:decorative xmlns:adec="http://schemas.microsoft.com/office/drawing/2017/decorative" val="1"/>
+              </a:ext>
+            </a:extLst>
+          </p:cNvPr>
+          <p:cNvSpPr>
+            <a:spLocks noGrp="1" noRot="1" noChangeAspect="1" noMove="1" noResize="1" noEditPoints="1" noAdjustHandles="1" noChangeArrowheads="1" noChangeShapeType="1" noTextEdit="1"/>
+          </p:cNvSpPr>
+          <p:nvPr>
+            <p:extLst>
+              <p:ext uri="{386F3935-93C4-4BCD-93E2-E3B085C9AB24}">
+                <p16:designElem xmlns:p16="http://schemas.microsoft.com/office/powerpoint/2015/main" val="1"/>
+              </p:ext>
+            </p:extLst>
+          </p:nvPr>
+        </p:nvSpPr>
+        <p:spPr>
+          <a:xfrm>
+            <a:off x="4626441" y="3514513"/>
+            <a:ext cx="4032605" cy="2706794"/>
+          </a:xfrm>
+          <a:prstGeom prst="rect">
+            <a:avLst/>
+          </a:prstGeom>
+          <a:solidFill>
+            <a:srgbClr val="FFFFFF"/>
+          </a:solidFill>
+          <a:ln w="9525">
+            <a:noFill/>
+          </a:ln>
+          <a:effectLst>
+            <a:outerShdw blurRad="63500" dist="17780" dir="5400000" algn="t" rotWithShape="0">
+              <a:prstClr val="black">
+                <a:alpha val="43000"/>
+              </a:prstClr>
+            </a:outerShdw>
+          </a:effectLst>
+        </p:spPr>
+        <p:style>
+          <a:lnRef idx="2">
+            <a:schemeClr val="accent1">
+              <a:shade val="50000"/>
+            </a:schemeClr>
+          </a:lnRef>
+          <a:fillRef idx="1">
+            <a:schemeClr val="accent1"/>
+          </a:fillRef>
+          <a:effectRef idx="0">
+            <a:schemeClr val="accent1"/>
+          </a:effectRef>
+          <a:fontRef idx="minor">
+            <a:schemeClr val="lt1"/>
+          </a:fontRef>
+        </p:style>
+        <p:txBody>
+          <a:bodyPr rtlCol="0" anchor="ctr"/>
+          <a:lstStyle/>
+          <a:p>
+            <a:pPr algn="ctr"/>
+            <a:endParaRPr lang="en-US"/>
+          </a:p>
+        </p:txBody>
+      </p:sp>
+      <p:pic>
+        <p:nvPicPr>
+          <p:cNvPr id="8" name="edge under shear.mpg">
+            <a:hlinkClick r:id="" action="ppaction://media"/>
+            <a:extLst>
+              <a:ext uri="{FF2B5EF4-FFF2-40B4-BE49-F238E27FC236}">
+                <a16:creationId xmlns:a16="http://schemas.microsoft.com/office/drawing/2014/main" id="{0C0F8B3E-54AA-4F60-BB26-FDE496C6343C}"/>
+              </a:ext>
+            </a:extLst>
+          </p:cNvPr>
+          <p:cNvPicPr>
+            <a:picLocks noChangeAspect="1"/>
+          </p:cNvPicPr>
+          <p:nvPr>
+            <a:videoFile r:link="rId4"/>
+            <p:extLst>
+              <p:ext uri="{DAA4B4D4-6D71-4841-9C94-3DE7FCFB9230}">
+                <p14:media xmlns:p14="http://schemas.microsoft.com/office/powerpoint/2010/main" r:embed="rId3"/>
+              </p:ext>
+            </p:extLst>
+          </p:nvPr>
+        </p:nvPicPr>
+        <p:blipFill>
+          <a:blip r:embed="rId10" cstate="print"/>
+          <a:stretch>
+            <a:fillRect/>
+          </a:stretch>
+        </p:blipFill>
+        <p:spPr>
+          <a:xfrm>
+            <a:off x="5272612" y="831710"/>
+            <a:ext cx="2848151" cy="2330305"/>
+          </a:xfrm>
+          <a:prstGeom prst="rect">
+            <a:avLst/>
+          </a:prstGeom>
+        </p:spPr>
+      </p:pic>
+      <p:pic>
+        <p:nvPicPr>
+          <p:cNvPr id="4" name="Online Media 1" title="Bubble Raft Model - part 1">
+            <a:hlinkClick r:id="" action="ppaction://media"/>
+            <a:extLst>
+              <a:ext uri="{FF2B5EF4-FFF2-40B4-BE49-F238E27FC236}">
+                <a16:creationId xmlns:a16="http://schemas.microsoft.com/office/drawing/2014/main" id="{7C9C8180-0FA4-4A6A-818D-07E82D35ED37}"/>
+              </a:ext>
+            </a:extLst>
+          </p:cNvPr>
+          <p:cNvPicPr>
+            <a:picLocks noRot="1" noChangeAspect="1"/>
+          </p:cNvPicPr>
+          <p:nvPr>
+            <a:videoFile r:link="rId5"/>
+          </p:nvPr>
+        </p:nvPicPr>
+        <p:blipFill>
+          <a:blip r:embed="rId11"/>
+          <a:stretch>
+            <a:fillRect/>
+          </a:stretch>
+        </p:blipFill>
+        <p:spPr>
+          <a:xfrm>
+            <a:off x="1120424" y="3859205"/>
+            <a:ext cx="2716213" cy="2037160"/>
+          </a:xfrm>
+          <a:prstGeom prst="rect">
+            <a:avLst/>
+          </a:prstGeom>
+        </p:spPr>
+      </p:pic>
+      <p:pic>
+        <p:nvPicPr>
+          <p:cNvPr id="2" name="Online Media 1" title="Dislocation glide">
+            <a:hlinkClick r:id="" action="ppaction://media"/>
+            <a:extLst>
+              <a:ext uri="{FF2B5EF4-FFF2-40B4-BE49-F238E27FC236}">
+                <a16:creationId xmlns:a16="http://schemas.microsoft.com/office/drawing/2014/main" id="{4BE029CA-7D88-4D8C-AEBA-DC117C83BE0C}"/>
+              </a:ext>
+            </a:extLst>
+          </p:cNvPr>
+          <p:cNvPicPr>
+            <a:picLocks noRot="1" noChangeAspect="1"/>
+          </p:cNvPicPr>
+          <p:nvPr>
+            <a:videoFile r:link="rId6"/>
+          </p:nvPr>
+        </p:nvPicPr>
+        <p:blipFill>
+          <a:blip r:embed="rId12"/>
+          <a:stretch>
+            <a:fillRect/>
+          </a:stretch>
+        </p:blipFill>
+        <p:spPr>
+          <a:xfrm>
+            <a:off x="5203802" y="3810000"/>
+            <a:ext cx="2812671" cy="2109503"/>
+          </a:xfrm>
+          <a:prstGeom prst="rect">
+            <a:avLst/>
+          </a:prstGeom>
+        </p:spPr>
+      </p:pic>
+    </p:spTree>
+    <p:extLst>
+      <p:ext uri="{BB962C8B-B14F-4D97-AF65-F5344CB8AC3E}">
+        <p14:creationId xmlns:p14="http://schemas.microsoft.com/office/powerpoint/2010/main" val="240556338"/>
+      </p:ext>
+    </p:extLst>
+  </p:cSld>
+  <p:clrMapOvr>
+    <a:masterClrMapping/>
+  </p:clrMapOvr>
+  <mc:AlternateContent xmlns:mc="http://schemas.openxmlformats.org/markup-compatibility/2006" xmlns:p159="http://schemas.microsoft.com/office/powerpoint/2015/09/main">
+    <mc:Choice Requires="p159">
+      <p:transition xmlns:p14="http://schemas.microsoft.com/office/powerpoint/2010/main" spd="slow" p14:dur="2000">
+        <p159:morph option="byObject"/>
+      </p:transition>
+    </mc:Choice>
+    <mc:Fallback xmlns="">
+      <p:transition spd="slow">
+        <p:fade/>
+      </p:transition>
+    </mc:Fallback>
+  </mc:AlternateContent>
+  <p:timing>
+    <p:tnLst>
+      <p:par>
+        <p:cTn id="1" dur="indefinite" restart="never" nodeType="tmRoot">
+          <p:childTnLst>
+            <p:video>
+              <p:cMediaNode vol="80000">
+                <p:cTn id="2" fill="hold" display="0">
+                  <p:stCondLst>
+                    <p:cond delay="indefinite"/>
+                  </p:stCondLst>
+                </p:cTn>
+                <p:tgtEl>
+                  <p:spTgt spid="2"/>
+                </p:tgtEl>
+              </p:cMediaNode>
+            </p:video>
+            <p:video>
+              <p:cMediaNode vol="80000">
+                <p:cTn id="3" fill="hold" display="0">
+                  <p:stCondLst>
+                    <p:cond delay="indefinite"/>
+                  </p:stCondLst>
+                </p:cTn>
+                <p:tgtEl>
+                  <p:spTgt spid="4"/>
+                </p:tgtEl>
+              </p:cMediaNode>
+            </p:video>
+            <p:video>
+              <p:cMediaNode>
+                <p:cTn id="4" fill="hold" display="0">
+                  <p:stCondLst>
+                    <p:cond delay="indefinite"/>
+                  </p:stCondLst>
+                  <p:endCondLst>
+                    <p:cond evt="onNext" delay="0">
+                      <p:tgtEl>
+                        <p:sldTgt/>
+                      </p:tgtEl>
+                    </p:cond>
+                    <p:cond evt="onPrev" delay="0">
+                      <p:tgtEl>
+                        <p:sldTgt/>
+                      </p:tgtEl>
+                    </p:cond>
+                  </p:endCondLst>
+                </p:cTn>
+                <p:tgtEl>
+                  <p:spTgt spid="7"/>
+                </p:tgtEl>
+              </p:cMediaNode>
+            </p:video>
+            <p:video>
+              <p:cMediaNode>
+                <p:cTn id="5" fill="hold" display="0">
+                  <p:stCondLst>
+                    <p:cond delay="indefinite"/>
+                  </p:stCondLst>
+                  <p:endCondLst>
+                    <p:cond evt="onNext" delay="0">
+                      <p:tgtEl>
+                        <p:sldTgt/>
+                      </p:tgtEl>
+                    </p:cond>
+                    <p:cond evt="onPrev" delay="0">
+                      <p:tgtEl>
+                        <p:sldTgt/>
+                      </p:tgtEl>
+                    </p:cond>
+                  </p:endCondLst>
+                </p:cTn>
+                <p:tgtEl>
+                  <p:spTgt spid="8"/>
+                </p:tgtEl>
+              </p:cMediaNode>
+            </p:video>
+          </p:childTnLst>
+        </p:cTn>
+      </p:par>
+    </p:tnLst>
+  </p:timing>
+</p:sld>
+</file>
+
+<file path=ppt/slides/slide6.xml><?xml version="1.0" encoding="utf-8"?>
+<p:sld xmlns:a="http://schemas.openxmlformats.org/drawingml/2006/main" xmlns:r="http://schemas.openxmlformats.org/officeDocument/2006/relationships" xmlns:p="http://schemas.openxmlformats.org/presentationml/2006/main">
+  <p:cSld>
+    <p:spTree>
+      <p:nvGrpSpPr>
+        <p:cNvPr id="1" name=""/>
+        <p:cNvGrpSpPr/>
+        <p:nvPr/>
+      </p:nvGrpSpPr>
+      <p:grpSpPr>
+        <a:xfrm>
+          <a:off x="0" y="0"/>
+          <a:ext cx="0" cy="0"/>
+          <a:chOff x="0" y="0"/>
+          <a:chExt cx="0" cy="0"/>
+        </a:xfrm>
+      </p:grpSpPr>
+      <p:pic>
+        <p:nvPicPr>
+          <p:cNvPr id="9218" name="Picture 2" descr="c05f08"/>
+          <p:cNvPicPr preferRelativeResize="0">
             <a:picLocks noChangeAspect="1" noChangeArrowheads="1"/>
           </p:cNvPicPr>
-          <p:nvPr/>
+          <p:nvPr>
+            <p:custDataLst>
+              <p:tags r:id="rId1"/>
+            </p:custDataLst>
+          </p:nvPr>
         </p:nvPicPr>
         <p:blipFill>
-          <a:blip r:embed="rId5">
-            <a:extLst>
-              <a:ext uri="{28A0092B-C50C-407E-A947-70E740481C1C}">
-                <a14:useLocalDpi xmlns:a14="http://schemas.microsoft.com/office/drawing/2010/main" val="0"/>
-              </a:ext>
-            </a:extLst>
-          </a:blip>
+          <a:blip r:embed="rId4" cstate="print"/>
+          <a:srcRect/>
           <a:stretch>
             <a:fillRect/>
           </a:stretch>
         </p:blipFill>
         <p:spPr bwMode="auto">
           <a:xfrm>
-            <a:off x="5673593" y="476568"/>
-            <a:ext cx="2175889" cy="2175889"/>
+            <a:off x="457200" y="838200"/>
+            <a:ext cx="6629400" cy="5362575"/>
           </a:xfrm>
           <a:prstGeom prst="rect">
             <a:avLst/>
           </a:prstGeom>
           <a:noFill/>
-          <a:effectLst>
-            <a:outerShdw blurRad="508000" dist="101600" dir="5400000" algn="tl" rotWithShape="0">
-              <a:prstClr val="black">
-                <a:alpha val="10000"/>
-              </a:prstClr>
-            </a:outerShdw>
-          </a:effectLst>
-          <a:extLst>
-            <a:ext uri="{909E8E84-426E-40DD-AFC4-6F175D3DCCD1}">
-              <a14:hiddenFill xmlns:a14="http://schemas.microsoft.com/office/drawing/2010/main">
-                <a:solidFill>
-                  <a:srgbClr val="FFFFFF"/>
-                </a:solidFill>
-              </a14:hiddenFill>
-            </a:ext>
-          </a:extLst>
+          <a:ln w="9525">
+            <a:noFill/>
+            <a:miter lim="800000"/>
+            <a:headEnd/>
+            <a:tailEnd/>
+          </a:ln>
+          <a:effectLst/>
         </p:spPr>
       </p:pic>
-      <p:pic>
-        <p:nvPicPr>
-          <p:cNvPr id="8" name="Picture 5" descr="c05f18abc">
-            <a:extLst>
-              <a:ext uri="{FF2B5EF4-FFF2-40B4-BE49-F238E27FC236}">
-                <a16:creationId xmlns:a16="http://schemas.microsoft.com/office/drawing/2014/main" id="{4DFA9FBB-CBB8-4EF5-861D-2A12539BDD77}"/>
-              </a:ext>
-            </a:extLst>
-          </p:cNvPr>
-          <p:cNvPicPr preferRelativeResize="0">
-            <a:picLocks noChangeAspect="1" noChangeArrowheads="1"/>
-          </p:cNvPicPr>
+      <p:sp>
+        <p:nvSpPr>
+          <p:cNvPr id="9219" name="Text Box 3"/>
+          <p:cNvSpPr txBox="1">
+            <a:spLocks noChangeArrowheads="1"/>
+          </p:cNvSpPr>
           <p:nvPr>
             <p:custDataLst>
-              <p:tags r:id="rId1"/>
+              <p:tags r:id="rId2"/>
             </p:custDataLst>
           </p:nvPr>
-        </p:nvPicPr>
-        <p:blipFill>
-          <a:blip r:embed="rId6" cstate="print"/>
-          <a:srcRect l="6544" t="54321" r="15576" b="2042"/>
-          <a:stretch>
-            <a:fillRect/>
-          </a:stretch>
-        </p:blipFill>
+        </p:nvSpPr>
         <p:spPr bwMode="auto">
           <a:xfrm>
-            <a:off x="209318" y="1219200"/>
-            <a:ext cx="4461889" cy="4878137"/>
+            <a:off x="5059363" y="228600"/>
+            <a:ext cx="2619375" cy="457200"/>
           </a:xfrm>
           <a:prstGeom prst="rect">
             <a:avLst/>
           </a:prstGeom>
           <a:noFill/>
-          <a:effectLst>
-            <a:outerShdw blurRad="508000" dist="101600" dir="5400000" algn="tl" rotWithShape="0">
-              <a:prstClr val="black">
-                <a:alpha val="10000"/>
-              </a:prstClr>
-            </a:outerShdw>
-          </a:effectLst>
+          <a:ln w="9525">
+            <a:noFill/>
+            <a:miter lim="800000"/>
+            <a:headEnd/>
+            <a:tailEnd/>
+          </a:ln>
+          <a:effectLst/>
         </p:spPr>
-      </p:pic>
-      <p:sp>
-        <p:nvSpPr>
-          <p:cNvPr id="2" name="TextBox 1">
-            <a:extLst>
-              <a:ext uri="{FF2B5EF4-FFF2-40B4-BE49-F238E27FC236}">
-                <a16:creationId xmlns:a16="http://schemas.microsoft.com/office/drawing/2014/main" id="{EB741327-5347-41B8-8089-E8A9A2FB1B58}"/>
-              </a:ext>
-            </a:extLst>
-          </p:cNvPr>
-          <p:cNvSpPr txBox="1"/>
-          <p:nvPr/>
-        </p:nvSpPr>
-        <p:spPr>
-          <a:xfrm>
-            <a:off x="209318" y="1143000"/>
-            <a:ext cx="1467068" cy="369332"/>
-          </a:xfrm>
-          <a:prstGeom prst="rect">
-            <a:avLst/>
-          </a:prstGeom>
-          <a:noFill/>
-        </p:spPr>
-        <p:txBody>
-          <a:bodyPr wrap="none" rtlCol="0">
+        <p:txBody>
+          <a:bodyPr wrap="none">
             <a:spAutoFit/>
           </a:bodyPr>
           <a:lstStyle/>
           <a:p>
-            <a:r>
-              <a:rPr lang="en-US" sz="1800" dirty="0"/>
-              <a:t>Brass at 60x</a:t>
+            <a:pPr algn="ctr"/>
+            <a:r>
+              <a:rPr lang="en-US" sz="2400" b="1">
+                <a:solidFill>
+                  <a:srgbClr val="272727"/>
+                </a:solidFill>
+              </a:rPr>
+              <a:t>Edge dislocation</a:t>
+            </a:r>
+          </a:p>
+        </p:txBody>
+      </p:sp>
+      <p:sp>
+        <p:nvSpPr>
+          <p:cNvPr id="9220" name="Rectangle 4" hidden="1"/>
+          <p:cNvSpPr>
+            <a:spLocks noGrp="1" noChangeArrowheads="1"/>
+          </p:cNvSpPr>
+          <p:nvPr>
+            <p:ph type="title"/>
+          </p:nvPr>
+        </p:nvSpPr>
+        <p:spPr/>
+        <p:txBody>
+          <a:bodyPr/>
+          <a:lstStyle/>
+          <a:p>
+            <a:r>
+              <a:rPr lang="en-US"/>
+              <a:t>c05f08</a:t>
             </a:r>
           </a:p>
         </p:txBody>
@@ -5961,7 +7708,7 @@
       </p:grpSpPr>
       <p:pic>
         <p:nvPicPr>
-          <p:cNvPr id="16386" name="Picture 2" descr="c05f15"/>
+          <p:cNvPr id="10242" name="Picture 2" descr="c05f09"/>
           <p:cNvPicPr preferRelativeResize="0">
             <a:picLocks noChangeAspect="1" noChangeArrowheads="1"/>
           </p:cNvPicPr>
@@ -5973,15 +7720,15 @@
         </p:nvPicPr>
         <p:blipFill>
           <a:blip r:embed="rId4" cstate="print"/>
-          <a:srcRect/>
+          <a:srcRect r="296" b="44444"/>
           <a:stretch>
             <a:fillRect/>
           </a:stretch>
         </p:blipFill>
         <p:spPr bwMode="auto">
           <a:xfrm>
-            <a:off x="457200" y="1854200"/>
-            <a:ext cx="8229600" cy="3144838"/>
+            <a:off x="1257795" y="1295400"/>
+            <a:ext cx="5334000" cy="4898609"/>
           </a:xfrm>
           <a:prstGeom prst="rect">
             <a:avLst/>
@@ -5998,7 +7745,7 @@
       </p:pic>
       <p:sp>
         <p:nvSpPr>
-          <p:cNvPr id="16387" name="Text Box 3"/>
+          <p:cNvPr id="10243" name="Text Box 3"/>
           <p:cNvSpPr txBox="1">
             <a:spLocks noChangeArrowheads="1"/>
           </p:cNvSpPr>
@@ -6010,8 +7757,8 @@
         </p:nvSpPr>
         <p:spPr bwMode="auto">
           <a:xfrm>
-            <a:off x="1676400" y="381000"/>
-            <a:ext cx="5338321" cy="769441"/>
+            <a:off x="5562600" y="838200"/>
+            <a:ext cx="2773363" cy="457200"/>
           </a:xfrm>
           <a:prstGeom prst="rect">
             <a:avLst/>
@@ -6026,35 +7773,26 @@
           <a:effectLst/>
         </p:spPr>
         <p:txBody>
-          <a:bodyPr wrap="none">
+          <a:bodyPr wrap="none" anchor="ctr">
             <a:spAutoFit/>
           </a:bodyPr>
           <a:lstStyle/>
           <a:p>
-            <a:r>
-              <a:rPr lang="en-US" sz="2400" b="1" dirty="0">
+            <a:pPr algn="ctr"/>
+            <a:r>
+              <a:rPr lang="en-US" sz="2400" b="1">
                 <a:solidFill>
                   <a:srgbClr val="272727"/>
                 </a:solidFill>
               </a:rPr>
-              <a:t>Free surface</a:t>
-            </a:r>
-          </a:p>
-          <a:p>
-            <a:r>
-              <a:rPr lang="en-US" dirty="0">
-                <a:solidFill>
-                  <a:srgbClr val="272727"/>
-                </a:solidFill>
-              </a:rPr>
-              <a:t>- Is also considered to be an interfacial defect</a:t>
-            </a:r>
-          </a:p>
-        </p:txBody>
-      </p:sp>
-      <p:sp>
-        <p:nvSpPr>
-          <p:cNvPr id="16388" name="Rectangle 4" hidden="1"/>
+              <a:t>Screw dislocation</a:t>
+            </a:r>
+          </a:p>
+        </p:txBody>
+      </p:sp>
+      <p:sp>
+        <p:nvSpPr>
+          <p:cNvPr id="10244" name="Rectangle 4" hidden="1"/>
           <p:cNvSpPr>
             <a:spLocks noGrp="1" noChangeArrowheads="1"/>
           </p:cNvSpPr>
@@ -6069,165 +7807,12 @@
           <a:p>
             <a:r>
               <a:rPr lang="en-US"/>
-              <a:t>c05f15</a:t>
-            </a:r>
-          </a:p>
-        </p:txBody>
-      </p:sp>
-      <p:sp>
-        <p:nvSpPr>
-          <p:cNvPr id="5" name="TextBox 4"/>
-          <p:cNvSpPr txBox="1"/>
-          <p:nvPr/>
-        </p:nvSpPr>
-        <p:spPr>
-          <a:xfrm>
-            <a:off x="381000" y="5715000"/>
-            <a:ext cx="8382000" cy="707886"/>
-          </a:xfrm>
-          <a:prstGeom prst="rect">
-            <a:avLst/>
-          </a:prstGeom>
-          <a:noFill/>
-        </p:spPr>
-        <p:txBody>
-          <a:bodyPr wrap="square" rtlCol="0">
-            <a:spAutoFit/>
-          </a:bodyPr>
-          <a:lstStyle/>
-          <a:p>
-            <a:r>
-              <a:rPr lang="en-US" dirty="0"/>
-              <a:t>The energy of a free surface is directly related to the planar density of atoms.  </a:t>
+              <a:t>c05f09</a:t>
             </a:r>
           </a:p>
         </p:txBody>
       </p:sp>
     </p:spTree>
-  </p:cSld>
-  <p:clrMapOvr>
-    <a:masterClrMapping/>
-  </p:clrMapOvr>
-</p:sld>
-</file>
-
-<file path=ppt/slides/slide8.xml><?xml version="1.0" encoding="utf-8"?>
-<p:sld xmlns:a="http://schemas.openxmlformats.org/drawingml/2006/main" xmlns:r="http://schemas.openxmlformats.org/officeDocument/2006/relationships" xmlns:p="http://schemas.openxmlformats.org/presentationml/2006/main">
-  <p:cSld>
-    <p:spTree>
-      <p:nvGrpSpPr>
-        <p:cNvPr id="1" name=""/>
-        <p:cNvGrpSpPr/>
-        <p:nvPr/>
-      </p:nvGrpSpPr>
-      <p:grpSpPr>
-        <a:xfrm>
-          <a:off x="0" y="0"/>
-          <a:ext cx="0" cy="0"/>
-          <a:chOff x="0" y="0"/>
-          <a:chExt cx="0" cy="0"/>
-        </a:xfrm>
-      </p:grpSpPr>
-      <p:sp>
-        <p:nvSpPr>
-          <p:cNvPr id="2" name="Title 1"/>
-          <p:cNvSpPr>
-            <a:spLocks noGrp="1"/>
-          </p:cNvSpPr>
-          <p:nvPr>
-            <p:ph type="title"/>
-          </p:nvPr>
-        </p:nvSpPr>
-        <p:spPr>
-          <a:xfrm>
-            <a:off x="457200" y="0"/>
-            <a:ext cx="8229600" cy="685800"/>
-          </a:xfrm>
-        </p:spPr>
-        <p:txBody>
-          <a:bodyPr/>
-          <a:lstStyle/>
-          <a:p>
-            <a:r>
-              <a:rPr lang="en-US" dirty="0"/>
-              <a:t>Surfaces</a:t>
-            </a:r>
-          </a:p>
-        </p:txBody>
-      </p:sp>
-      <p:pic>
-        <p:nvPicPr>
-          <p:cNvPr id="103426" name="Picture 2"/>
-          <p:cNvPicPr>
-            <a:picLocks noChangeAspect="1" noChangeArrowheads="1"/>
-          </p:cNvPicPr>
-          <p:nvPr/>
-        </p:nvPicPr>
-        <p:blipFill>
-          <a:blip r:embed="rId2" cstate="print"/>
-          <a:srcRect/>
-          <a:stretch>
-            <a:fillRect/>
-          </a:stretch>
-        </p:blipFill>
-        <p:spPr bwMode="auto">
-          <a:xfrm>
-            <a:off x="1676400" y="1977875"/>
-            <a:ext cx="5257800" cy="4884083"/>
-          </a:xfrm>
-          <a:prstGeom prst="rect">
-            <a:avLst/>
-          </a:prstGeom>
-          <a:noFill/>
-          <a:ln w="9525">
-            <a:noFill/>
-            <a:miter lim="800000"/>
-            <a:headEnd/>
-            <a:tailEnd/>
-          </a:ln>
-        </p:spPr>
-      </p:pic>
-      <p:sp>
-        <p:nvSpPr>
-          <p:cNvPr id="4" name="TextBox 3">
-            <a:extLst>
-              <a:ext uri="{FF2B5EF4-FFF2-40B4-BE49-F238E27FC236}">
-                <a16:creationId xmlns:a16="http://schemas.microsoft.com/office/drawing/2014/main" id="{3449F5AC-0F62-496C-9CDB-EE89A6FE1C36}"/>
-              </a:ext>
-            </a:extLst>
-          </p:cNvPr>
-          <p:cNvSpPr txBox="1"/>
-          <p:nvPr/>
-        </p:nvSpPr>
-        <p:spPr>
-          <a:xfrm>
-            <a:off x="609600" y="1295400"/>
-            <a:ext cx="8077200" cy="707886"/>
-          </a:xfrm>
-          <a:prstGeom prst="rect">
-            <a:avLst/>
-          </a:prstGeom>
-          <a:noFill/>
-        </p:spPr>
-        <p:txBody>
-          <a:bodyPr wrap="square" rtlCol="0">
-            <a:spAutoFit/>
-          </a:bodyPr>
-          <a:lstStyle/>
-          <a:p>
-            <a:r>
-              <a:rPr lang="en-US" dirty="0"/>
-              <a:t>When considering the energy of a surface, higher planar density equals lower surface energy.</a:t>
-            </a:r>
-          </a:p>
-        </p:txBody>
-      </p:sp>
-    </p:spTree>
-    <p:extLst>
-      <p:ext uri="{BB962C8B-B14F-4D97-AF65-F5344CB8AC3E}">
-        <p14:creationId xmlns:p14="http://schemas.microsoft.com/office/powerpoint/2010/main" val="1006915575"/>
-      </p:ext>
-    </p:extLst>
   </p:cSld>
   <p:clrMapOvr>
     <a:masterClrMapping/>
@@ -6249,13 +7834,13 @@
 
 <file path=ppt/tags/tag3.xml><?xml version="1.0" encoding="utf-8"?>
 <p:tagLst xmlns:a="http://schemas.openxmlformats.org/drawingml/2006/main" xmlns:r="http://schemas.openxmlformats.org/officeDocument/2006/relationships" xmlns:p="http://schemas.openxmlformats.org/presentationml/2006/main">
-  <p:tag name="IIW_TYPE_CAPTION" val="Picture 2"/>
+  <p:tag name="IIW_TYPE_IMAGE" val="Text Box 3"/>
 </p:tagLst>
 </file>
 
 <file path=ppt/tags/tag4.xml><?xml version="1.0" encoding="utf-8"?>
 <p:tagLst xmlns:a="http://schemas.openxmlformats.org/drawingml/2006/main" xmlns:r="http://schemas.openxmlformats.org/officeDocument/2006/relationships" xmlns:p="http://schemas.openxmlformats.org/presentationml/2006/main">
-  <p:tag name="IIW_TYPE_IMAGE" val="Text Box 3"/>
+  <p:tag name="IIW_TYPE_CAPTION" val="Picture 2"/>
 </p:tagLst>
 </file>
 
@@ -6266,12 +7851,6 @@
 </file>
 
 <file path=ppt/tags/tag6.xml><?xml version="1.0" encoding="utf-8"?>
-<p:tagLst xmlns:a="http://schemas.openxmlformats.org/drawingml/2006/main" xmlns:r="http://schemas.openxmlformats.org/officeDocument/2006/relationships" xmlns:p="http://schemas.openxmlformats.org/presentationml/2006/main">
-  <p:tag name="IIW_TYPE_IMAGE" val="Text Box 3"/>
-</p:tagLst>
-</file>
-
-<file path=ppt/tags/tag7.xml><?xml version="1.0" encoding="utf-8"?>
 <p:tagLst xmlns:a="http://schemas.openxmlformats.org/drawingml/2006/main" xmlns:r="http://schemas.openxmlformats.org/officeDocument/2006/relationships" xmlns:p="http://schemas.openxmlformats.org/presentationml/2006/main">
   <p:tag name="IIW_TYPE_CAPTION" val="Picture 2"/>
 </p:tagLst>
@@ -7562,17 +9141,8 @@
 </file>
 
 <file path=customXml/item1.xml><?xml version="1.0" encoding="utf-8"?>
-<?mso-contentType ?>
-<FormTemplates xmlns="http://schemas.microsoft.com/sharepoint/v3/contenttype/forms">
-  <Display>DocumentLibraryForm</Display>
-  <Edit>DocumentLibraryForm</Edit>
-  <New>DocumentLibraryForm</New>
-</FormTemplates>
-</file>
-
-<file path=customXml/item2.xml><?xml version="1.0" encoding="utf-8"?>
-<ct:contentTypeSchema xmlns:ct="http://schemas.microsoft.com/office/2006/metadata/contentType" xmlns:ma="http://schemas.microsoft.com/office/2006/metadata/properties/metaAttributes" ct:_="" ma:_="" ma:contentTypeName="Document" ma:contentTypeID="0x010100140A42B38915AC4EBAF791562DC92B4E" ma:contentTypeVersion="12" ma:contentTypeDescription="Create a new document." ma:contentTypeScope="" ma:versionID="4940a5bbaa78008d3a998d5d5aca4007">
-  <xsd:schema xmlns:xsd="http://www.w3.org/2001/XMLSchema" xmlns:xs="http://www.w3.org/2001/XMLSchema" xmlns:p="http://schemas.microsoft.com/office/2006/metadata/properties" xmlns:ns2="5bbddf2c-15bd-4cee-88ee-4bb358fdb5d4" xmlns:ns3="0ffa7682-a752-4ec2-9b00-944c9a00bbe9" targetNamespace="http://schemas.microsoft.com/office/2006/metadata/properties" ma:root="true" ma:fieldsID="4658b3216de9186052934391234322c9" ns2:_="" ns3:_="">
+<ct:contentTypeSchema xmlns:ct="http://schemas.microsoft.com/office/2006/metadata/contentType" xmlns:ma="http://schemas.microsoft.com/office/2006/metadata/properties/metaAttributes" ct:_="" ma:_="" ma:contentTypeName="Document" ma:contentTypeID="0x010100140A42B38915AC4EBAF791562DC92B4E" ma:contentTypeVersion="13" ma:contentTypeDescription="Create a new document." ma:contentTypeScope="" ma:versionID="45dcb3ee8ab16e94e9ce11f52f3ef1c8">
+  <xsd:schema xmlns:xsd="http://www.w3.org/2001/XMLSchema" xmlns:xs="http://www.w3.org/2001/XMLSchema" xmlns:p="http://schemas.microsoft.com/office/2006/metadata/properties" xmlns:ns2="5bbddf2c-15bd-4cee-88ee-4bb358fdb5d4" xmlns:ns3="0ffa7682-a752-4ec2-9b00-944c9a00bbe9" targetNamespace="http://schemas.microsoft.com/office/2006/metadata/properties" ma:root="true" ma:fieldsID="ee4a90daa14cdc5725b57d2c9b788eb1" ns2:_="" ns3:_="">
     <xsd:import namespace="5bbddf2c-15bd-4cee-88ee-4bb358fdb5d4"/>
     <xsd:import namespace="0ffa7682-a752-4ec2-9b00-944c9a00bbe9"/>
     <xsd:element name="properties">
@@ -7592,6 +9162,7 @@
                 <xsd:element ref="ns2:MediaServiceGenerationTime" minOccurs="0"/>
                 <xsd:element ref="ns2:MediaServiceEventHashCode" minOccurs="0"/>
                 <xsd:element ref="ns2:MediaLengthInSeconds" minOccurs="0"/>
+                <xsd:element ref="ns2:MediaServiceLocation" minOccurs="0"/>
               </xsd:all>
             </xsd:complexType>
           </xsd:element>
@@ -7654,6 +9225,11 @@
     <xsd:element name="MediaLengthInSeconds" ma:index="19" nillable="true" ma:displayName="MediaLengthInSeconds" ma:hidden="true" ma:internalName="MediaLengthInSeconds" ma:readOnly="true">
       <xsd:simpleType>
         <xsd:restriction base="dms:Unknown"/>
+      </xsd:simpleType>
+    </xsd:element>
+    <xsd:element name="MediaServiceLocation" ma:index="20" nillable="true" ma:displayName="Location" ma:indexed="true" ma:internalName="MediaServiceLocation" ma:readOnly="true">
+      <xsd:simpleType>
+        <xsd:restriction base="dms:Text"/>
       </xsd:simpleType>
     </xsd:element>
   </xsd:schema>
@@ -7771,7 +9347,31 @@
 </ct:contentTypeSchema>
 </file>
 
+<file path=customXml/item2.xml><?xml version="1.0" encoding="utf-8"?>
+<?mso-contentType ?>
+<FormTemplates xmlns="http://schemas.microsoft.com/sharepoint/v3/contenttype/forms">
+  <Display>DocumentLibraryForm</Display>
+  <Edit>DocumentLibraryForm</Edit>
+  <New>DocumentLibraryForm</New>
+</FormTemplates>
+</file>
+
+<file path=customXml/item3.xml><?xml version="1.0" encoding="utf-8"?>
+<p:properties xmlns:p="http://schemas.microsoft.com/office/2006/metadata/properties" xmlns:xsi="http://www.w3.org/2001/XMLSchema-instance" xmlns:pc="http://schemas.microsoft.com/office/infopath/2007/PartnerControls">
+  <documentManagement>
+    <TaxCatchAll xmlns="0ffa7682-a752-4ec2-9b00-944c9a00bbe9" xsi:nil="true"/>
+    <lcf76f155ced4ddcb4097134ff3c332f xmlns="5bbddf2c-15bd-4cee-88ee-4bb358fdb5d4">
+      <Terms xmlns="http://schemas.microsoft.com/office/infopath/2007/PartnerControls"/>
+    </lcf76f155ced4ddcb4097134ff3c332f>
+  </documentManagement>
+</p:properties>
+</file>
+
 <file path=customXml/itemProps1.xml><?xml version="1.0" encoding="utf-8"?>
+<ds:datastoreItem xmlns:ds="http://schemas.openxmlformats.org/officeDocument/2006/customXml" ds:itemID="{71E9B10D-E2F8-4731-8FA5-3624088450A8}"/>
+</file>
+
+<file path=customXml/itemProps2.xml><?xml version="1.0" encoding="utf-8"?>
 <ds:datastoreItem xmlns:ds="http://schemas.openxmlformats.org/officeDocument/2006/customXml" ds:itemID="{4CF2F30D-8F2F-493A-8A9D-B087E6186AE0}">
   <ds:schemaRefs>
     <ds:schemaRef ds:uri="http://schemas.microsoft.com/sharepoint/v3/contenttype/forms"/>
@@ -7779,21 +9379,6 @@
 </ds:datastoreItem>
 </file>
 
-<file path=customXml/itemProps2.xml><?xml version="1.0" encoding="utf-8"?>
-<ds:datastoreItem xmlns:ds="http://schemas.openxmlformats.org/officeDocument/2006/customXml" ds:itemID="{3B6BA3D4-9DC4-486B-815D-15B6D2F37E73}">
-  <ds:schemaRefs>
-    <ds:schemaRef ds:uri="http://schemas.microsoft.com/office/2006/metadata/contentType"/>
-    <ds:schemaRef ds:uri="http://schemas.microsoft.com/office/2006/metadata/properties/metaAttributes"/>
-    <ds:schemaRef ds:uri="http://www.w3.org/2001/XMLSchema"/>
-    <ds:schemaRef ds:uri="http://schemas.microsoft.com/office/2006/metadata/properties"/>
-    <ds:schemaRef ds:uri="5bbddf2c-15bd-4cee-88ee-4bb358fdb5d4"/>
-    <ds:schemaRef ds:uri="0ffa7682-a752-4ec2-9b00-944c9a00bbe9"/>
-    <ds:schemaRef ds:uri="http://schemas.microsoft.com/office/2006/documentManagement/types"/>
-    <ds:schemaRef ds:uri="http://schemas.microsoft.com/office/infopath/2007/PartnerControls"/>
-    <ds:schemaRef ds:uri="http://schemas.openxmlformats.org/package/2006/metadata/core-properties"/>
-    <ds:schemaRef ds:uri="http://purl.org/dc/elements/1.1/"/>
-    <ds:schemaRef ds:uri="http://purl.org/dc/terms/"/>
-    <ds:schemaRef ds:uri="http://schemas.microsoft.com/internal/obd"/>
-  </ds:schemaRefs>
-</ds:datastoreItem>
+<file path=customXml/itemProps3.xml><?xml version="1.0" encoding="utf-8"?>
+<ds:datastoreItem xmlns:ds="http://schemas.openxmlformats.org/officeDocument/2006/customXml" ds:itemID="{4D0F4A18-4E6B-4098-901B-A5AE5C67608A}"/>
 </file>